--- a/NETWORK_ANALYSIS_SECOND_SEMESETER_BMED_2023/NODAL_ANALYSIS.pptx
+++ b/NETWORK_ANALYSIS_SECOND_SEMESETER_BMED_2023/NODAL_ANALYSIS.pptx
@@ -5,25 +5,31 @@
     <p:sldMasterId id="2147483648" r:id="rId1"/>
   </p:sldMasterIdLst>
   <p:notesMasterIdLst>
-    <p:notesMasterId r:id="rId18"/>
+    <p:notesMasterId r:id="rId24"/>
   </p:notesMasterIdLst>
   <p:sldIdLst>
-    <p:sldId id="279" r:id="rId2"/>
+    <p:sldId id="293" r:id="rId2"/>
     <p:sldId id="266" r:id="rId3"/>
     <p:sldId id="265" r:id="rId4"/>
     <p:sldId id="257" r:id="rId5"/>
     <p:sldId id="259" r:id="rId6"/>
     <p:sldId id="262" r:id="rId7"/>
-    <p:sldId id="264" r:id="rId8"/>
-    <p:sldId id="272" r:id="rId9"/>
-    <p:sldId id="273" r:id="rId10"/>
-    <p:sldId id="274" r:id="rId11"/>
-    <p:sldId id="275" r:id="rId12"/>
-    <p:sldId id="268" r:id="rId13"/>
-    <p:sldId id="270" r:id="rId14"/>
-    <p:sldId id="271" r:id="rId15"/>
-    <p:sldId id="277" r:id="rId16"/>
-    <p:sldId id="276" r:id="rId17"/>
+    <p:sldId id="272" r:id="rId8"/>
+    <p:sldId id="273" r:id="rId9"/>
+    <p:sldId id="274" r:id="rId10"/>
+    <p:sldId id="275" r:id="rId11"/>
+    <p:sldId id="268" r:id="rId12"/>
+    <p:sldId id="270" r:id="rId13"/>
+    <p:sldId id="271" r:id="rId14"/>
+    <p:sldId id="277" r:id="rId15"/>
+    <p:sldId id="276" r:id="rId16"/>
+    <p:sldId id="278" r:id="rId17"/>
+    <p:sldId id="279" r:id="rId18"/>
+    <p:sldId id="280" r:id="rId19"/>
+    <p:sldId id="281" r:id="rId20"/>
+    <p:sldId id="282" r:id="rId21"/>
+    <p:sldId id="283" r:id="rId22"/>
+    <p:sldId id="284" r:id="rId23"/>
   </p:sldIdLst>
   <p:sldSz cx="12192000" cy="6858000"/>
   <p:notesSz cx="6858000" cy="9144000"/>
@@ -130,6 +136,185 @@
 </p:presentation>
 </file>
 
+<file path=ppt/ink/ink1.xml><?xml version="1.0" encoding="utf-8"?>
+<inkml:ink xmlns:inkml="http://www.w3.org/2003/InkML">
+  <inkml:definitions>
+    <inkml:context xml:id="ctx0">
+      <inkml:inkSource xml:id="inkSrc0">
+        <inkml:traceFormat>
+          <inkml:channel name="X" type="integer" max="32767" units="cm"/>
+          <inkml:channel name="Y" type="integer" max="32767" units="cm"/>
+          <inkml:channel name="F" type="integer" max="8191" units="dev"/>
+          <inkml:channel name="T" type="integer" max="2.14748E9" units="dev"/>
+        </inkml:traceFormat>
+        <inkml:channelProperties>
+          <inkml:channelProperty channel="X" name="resolution" value="1433.37708" units="1/cm"/>
+          <inkml:channelProperty channel="Y" name="resolution" value="2150.06567" units="1/cm"/>
+          <inkml:channelProperty channel="F" name="resolution" value="0" units="1/dev"/>
+          <inkml:channelProperty channel="T" name="resolution" value="1" units="1/dev"/>
+        </inkml:channelProperties>
+      </inkml:inkSource>
+      <inkml:timestamp xml:id="ts0" timeString="2023-10-02T06:08:46.024"/>
+    </inkml:context>
+    <inkml:brush xml:id="br0">
+      <inkml:brushProperty name="width" value="0.06667" units="cm"/>
+      <inkml:brushProperty name="height" value="0.06667" units="cm"/>
+      <inkml:brushProperty name="color" value="#ED1C24"/>
+      <inkml:brushProperty name="fitToCurve" value="1"/>
+    </inkml:brush>
+  </inkml:definitions>
+  <inkml:traceGroup>
+    <inkml:annotationXML>
+      <emma:emma xmlns:emma="http://www.w3.org/2003/04/emma" version="1.0">
+        <emma:interpretation id="{99FA6960-406E-48B9-AABE-C5C7AA08B522}" emma:medium="tactile" emma:mode="ink">
+          <msink:context xmlns:msink="http://schemas.microsoft.com/ink/2010/main" type="writingRegion" rotatedBoundingBox="10298,809 10691,809 10691,1500 10298,1500"/>
+        </emma:interpretation>
+      </emma:emma>
+    </inkml:annotationXML>
+    <inkml:traceGroup>
+      <inkml:annotationXML>
+        <emma:emma xmlns:emma="http://www.w3.org/2003/04/emma" version="1.0">
+          <emma:interpretation id="{2CD1FF28-BCB2-4314-BDEF-244F62CA3977}" emma:medium="tactile" emma:mode="ink">
+            <msink:context xmlns:msink="http://schemas.microsoft.com/ink/2010/main" type="paragraph" rotatedBoundingBox="10298,809 10691,809 10691,1500 10298,1500" alignmentLevel="1"/>
+          </emma:interpretation>
+        </emma:emma>
+      </inkml:annotationXML>
+      <inkml:traceGroup>
+        <inkml:annotationXML>
+          <emma:emma xmlns:emma="http://www.w3.org/2003/04/emma" version="1.0">
+            <emma:interpretation id="{5D070190-236A-49C3-A850-E29A4F40D7CB}" emma:medium="tactile" emma:mode="ink">
+              <msink:context xmlns:msink="http://schemas.microsoft.com/ink/2010/main" type="line" rotatedBoundingBox="10298,809 10691,809 10691,1500 10298,1500"/>
+            </emma:interpretation>
+          </emma:emma>
+        </inkml:annotationXML>
+        <inkml:traceGroup>
+          <inkml:annotationXML>
+            <emma:emma xmlns:emma="http://www.w3.org/2003/04/emma" version="1.0">
+              <emma:interpretation id="{0AC346BC-7C5E-42F8-948B-980931C4F0A3}" emma:medium="tactile" emma:mode="ink">
+                <msink:context xmlns:msink="http://schemas.microsoft.com/ink/2010/main" type="inkWord" rotatedBoundingBox="10298,809 10691,809 10691,1500 10298,1500"/>
+              </emma:interpretation>
+              <emma:one-of disjunction-type="recognition" id="oneOf0">
+                <emma:interpretation id="interp0" emma:lang="" emma:confidence="1">
+                  <emma:literal/>
+                </emma:interpretation>
+              </emma:one-of>
+            </emma:emma>
+          </inkml:annotationXML>
+          <inkml:trace contextRef="#ctx0" brushRef="#br0">4514-2012 460 0,'22'44'179'0,"-3"-2"-12"16,0-6-32-16,-3-1 1 0,0-6-8 0,7 9-10 16,-8-5-16-16,2 1 3 0,1-3-25 0,3 0-4 15,-6-1-9-15,5-1 7 0,-1-2-12 16,-1-1-19-16,1 2 3 0,-2-3 10 0,1 4-48 16,-2-10-54-16,-1 6-33 0,1-2-47 15,-1 4-393-15,-7-4-78 0,3 4 55 0</inkml:trace>
+        </inkml:traceGroup>
+      </inkml:traceGroup>
+    </inkml:traceGroup>
+  </inkml:traceGroup>
+</inkml:ink>
+</file>
+
+<file path=ppt/ink/ink2.xml><?xml version="1.0" encoding="utf-8"?>
+<inkml:ink xmlns:inkml="http://www.w3.org/2003/InkML">
+  <inkml:definitions>
+    <inkml:context xml:id="ctx0">
+      <inkml:inkSource xml:id="inkSrc0">
+        <inkml:traceFormat>
+          <inkml:channel name="X" type="integer" max="32767" units="cm"/>
+          <inkml:channel name="Y" type="integer" max="32767" units="cm"/>
+          <inkml:channel name="F" type="integer" max="8191" units="dev"/>
+          <inkml:channel name="T" type="integer" max="2.14748E9" units="dev"/>
+        </inkml:traceFormat>
+        <inkml:channelProperties>
+          <inkml:channelProperty channel="X" name="resolution" value="1433.37708" units="1/cm"/>
+          <inkml:channelProperty channel="Y" name="resolution" value="2150.06567" units="1/cm"/>
+          <inkml:channelProperty channel="F" name="resolution" value="0" units="1/dev"/>
+          <inkml:channelProperty channel="T" name="resolution" value="1" units="1/dev"/>
+        </inkml:channelProperties>
+      </inkml:inkSource>
+      <inkml:timestamp xml:id="ts0" timeString="2023-10-02T06:03:55.321"/>
+    </inkml:context>
+    <inkml:brush xml:id="br0">
+      <inkml:brushProperty name="width" value="0.21167" units="cm"/>
+      <inkml:brushProperty name="height" value="0.21167" units="cm"/>
+      <inkml:brushProperty name="color" value="#C00000"/>
+      <inkml:brushProperty name="fitToCurve" value="1"/>
+    </inkml:brush>
+  </inkml:definitions>
+  <inkml:traceGroup>
+    <inkml:annotationXML>
+      <emma:emma xmlns:emma="http://www.w3.org/2003/04/emma" version="1.0">
+        <emma:interpretation id="{9B145405-BFE2-43EE-B4EB-88B476C19876}" emma:medium="tactile" emma:mode="ink">
+          <msink:context xmlns:msink="http://schemas.microsoft.com/ink/2010/main" type="writingRegion" rotatedBoundingBox="1523,9892 1538,9892 1538,9907 1523,9907"/>
+        </emma:interpretation>
+      </emma:emma>
+    </inkml:annotationXML>
+    <inkml:traceGroup>
+      <inkml:annotationXML>
+        <emma:emma xmlns:emma="http://www.w3.org/2003/04/emma" version="1.0">
+          <emma:interpretation id="{45CA0ED0-4C0F-4BBC-AF5B-BD6826745D57}" emma:medium="tactile" emma:mode="ink">
+            <msink:context xmlns:msink="http://schemas.microsoft.com/ink/2010/main" type="paragraph" rotatedBoundingBox="1523,9892 1538,9892 1538,9907 1523,9907" alignmentLevel="1"/>
+          </emma:interpretation>
+        </emma:emma>
+      </inkml:annotationXML>
+      <inkml:traceGroup>
+        <inkml:annotationXML>
+          <emma:emma xmlns:emma="http://www.w3.org/2003/04/emma" version="1.0">
+            <emma:interpretation id="{51FDB585-4425-4CFC-86C4-979BA74FEAF7}" emma:medium="tactile" emma:mode="ink">
+              <msink:context xmlns:msink="http://schemas.microsoft.com/ink/2010/main" type="line" rotatedBoundingBox="1523,9892 1538,9892 1538,9907 1523,9907"/>
+            </emma:interpretation>
+          </emma:emma>
+        </inkml:annotationXML>
+        <inkml:traceGroup>
+          <inkml:annotationXML>
+            <emma:emma xmlns:emma="http://www.w3.org/2003/04/emma" version="1.0">
+              <emma:interpretation id="{3CDEA7EE-E62D-405F-A8FF-BA90D59A8183}" emma:medium="tactile" emma:mode="ink">
+                <msink:context xmlns:msink="http://schemas.microsoft.com/ink/2010/main" type="inkWord" rotatedBoundingBox="1523,9892 1538,9892 1538,9907 1523,9907"/>
+              </emma:interpretation>
+            </emma:emma>
+          </inkml:annotationXML>
+          <inkml:trace contextRef="#ctx0" brushRef="#br0">0 0 207 0,'0'0'84'0,"0"0"1"16,0 0-11-16,0 0 0 0,0 0-17 0,0 0 24 16,0 0 1-16,0 0-23 0,0 0 10 15,0 0-35-15,0 0 17 0,0 0-8 0,0 0-17 16,0 0 20-16,0 0-10 0,0 0 5 0,0 0-18 16,0 0 8-16,0 0-6 0,0 0 6 15,0 0-23-15,0 0 15 0,0 0-26 16,0 0 24-16,0 0-27 0,0 0 4 0,0 0 2 15,0 0-13-15,0 0-33 0,0 0 20 0,0 0-43 16,0 0-95-16,0 0-125 0,0 0-197 0</inkml:trace>
+        </inkml:traceGroup>
+      </inkml:traceGroup>
+    </inkml:traceGroup>
+  </inkml:traceGroup>
+</inkml:ink>
+</file>
+
+<file path=ppt/ink/ink3.xml><?xml version="1.0" encoding="utf-8"?>
+<inkml:ink xmlns:inkml="http://www.w3.org/2003/InkML">
+  <inkml:definitions>
+    <inkml:context xml:id="ctx0">
+      <inkml:inkSource xml:id="inkSrc0">
+        <inkml:traceFormat>
+          <inkml:channel name="X" type="integer" max="32767" units="cm"/>
+          <inkml:channel name="Y" type="integer" max="32767" units="cm"/>
+          <inkml:channel name="F" type="integer" max="8191" units="dev"/>
+          <inkml:channel name="T" type="integer" max="2.14748E9" units="dev"/>
+        </inkml:traceFormat>
+        <inkml:channelProperties>
+          <inkml:channelProperty channel="X" name="resolution" value="1433.37708" units="1/cm"/>
+          <inkml:channelProperty channel="Y" name="resolution" value="2150.06567" units="1/cm"/>
+          <inkml:channelProperty channel="F" name="resolution" value="0" units="1/dev"/>
+          <inkml:channelProperty channel="T" name="resolution" value="1" units="1/dev"/>
+        </inkml:channelProperties>
+      </inkml:inkSource>
+      <inkml:timestamp xml:id="ts0" timeString="2023-10-02T06:11:22.022"/>
+    </inkml:context>
+    <inkml:brush xml:id="br0">
+      <inkml:brushProperty name="width" value="0.06667" units="cm"/>
+      <inkml:brushProperty name="height" value="0.06667" units="cm"/>
+      <inkml:brushProperty name="color" value="#ED1C24"/>
+      <inkml:brushProperty name="fitToCurve" value="1"/>
+    </inkml:brush>
+  </inkml:definitions>
+  <inkml:traceGroup>
+    <inkml:annotationXML>
+      <emma:emma xmlns:emma="http://www.w3.org/2003/04/emma" version="1.0">
+        <emma:interpretation id="{9AFEF738-E4D7-4C8B-B2D7-5971ABE00574}" emma:medium="tactile" emma:mode="ink">
+          <msink:context xmlns:msink="http://schemas.microsoft.com/ink/2010/main" type="inkDrawing" rotatedBoundingBox="31597,15408 31632,15393 31634,15398 31599,15413" shapeName="Other"/>
+        </emma:interpretation>
+      </emma:emma>
+    </inkml:annotationXML>
+    <inkml:trace contextRef="#ctx0" brushRef="#br0">21056 9112 48 0,'0'0'-10'0,"0"0"43"0,0 0 0 15,0 0-30-15,0 0 10 0,0 0 2 0,0 0 24 16,0 0-55-16,0 0 19 0,0 0 22 0,0 0-4 16,0 0-21-16,0 0 20 0,0 0-12 0,0 0 10 15,0 0-10-15,0 0-34 16,0 0 29-16,0 0-9 0,0 0 6 0,0 0 0 16,0 0 16-16,0 0-9 0,0 0 6 0,0 0-5 15,0 0 10-15,0 0-36 0,0 0 26 0,0 0-16 16,0 0 54-16,0 0-51 0,0 0 2 15,0 0-2-15,8-7 10 0,-8 7 11 0,0 0-16 16,0 0 7-16,0 0-9 0,0 0 4 0,0 0-20 16,0 0 34-16,0 0-26 0,0 0 2 0,0 0 8 15,9-2 38-15,-9 2-45 0,0 0 1 16,0 0 4-16,0 0-3 0,0 0-3 0,0 0 16 16,0 0-6-16,0 0 9 0,0 0-6 15,6-6-21-15,-6 6 32 0,0 0-39 0,0 0 0 16,0 0 15-16,0 0 11 0,0 0 2 15,0 0-3-15,0 0-9 0,0 0-14 0,0 0 26 16,0 0-18-16,0 0 26 0,0 0-51 0,0 0 28 16,12 0 10-16,-12 0 30 0,0 0-19 0,0 0-14 15,0 0-7-15,0 0 17 0,0 0-14 16,0 0 43-16,0 0-44 0,0 0 3 0,0 0-44 16,0 0 13-16,0 0 31 0,0 0-43 0,0 0-32 15,0 0 39-15,0 0 26 0</inkml:trace>
+  </inkml:traceGroup>
+</inkml:ink>
+</file>
+
 <file path=ppt/notesMasters/notesMaster1.xml><?xml version="1.0" encoding="utf-8"?>
 <p:notesMaster xmlns:a="http://schemas.openxmlformats.org/drawingml/2006/main" xmlns:r="http://schemas.openxmlformats.org/officeDocument/2006/relationships" xmlns:p="http://schemas.openxmlformats.org/presentationml/2006/main">
   <p:cSld>
@@ -210,7 +395,7 @@
             </a:lvl1pPr>
           </a:lstStyle>
           <a:p>
-            <a:fld id="{B69786B6-AC68-432E-9968-84702D41358C}" type="datetimeFigureOut">
+            <a:fld id="{E05C38F2-C531-4F54-9FB4-7A94A2A3B4BE}" type="datetimeFigureOut">
               <a:rPr lang="en-US" smtClean="0"/>
               <a:t>10/3/2023</a:t>
             </a:fld>
@@ -369,7 +554,7 @@
             </a:lvl1pPr>
           </a:lstStyle>
           <a:p>
-            <a:fld id="{954BD79C-B95C-4688-B087-FA3C891A0975}" type="slidenum">
+            <a:fld id="{02F400AD-AAC3-403E-94D6-16224F53C30A}" type="slidenum">
               <a:rPr lang="en-US" smtClean="0"/>
               <a:t>‹#›</a:t>
             </a:fld>
@@ -380,7 +565,7 @@
     </p:spTree>
     <p:extLst>
       <p:ext uri="{BB962C8B-B14F-4D97-AF65-F5344CB8AC3E}">
-        <p14:creationId xmlns:p14="http://schemas.microsoft.com/office/powerpoint/2010/main" val="1760327580"/>
+        <p14:creationId xmlns:p14="http://schemas.microsoft.com/office/powerpoint/2010/main" val="3853715769"/>
       </p:ext>
     </p:extLst>
   </p:cSld>
@@ -560,7 +745,7 @@
     </p:spTree>
     <p:extLst>
       <p:ext uri="{BB962C8B-B14F-4D97-AF65-F5344CB8AC3E}">
-        <p14:creationId xmlns:p14="http://schemas.microsoft.com/office/powerpoint/2010/main" val="1569795174"/>
+        <p14:creationId xmlns:p14="http://schemas.microsoft.com/office/powerpoint/2010/main" val="3547022846"/>
       </p:ext>
     </p:extLst>
   </p:cSld>
@@ -3439,7 +3624,7 @@
         </p:nvSpPr>
         <p:spPr>
           <a:xfrm>
-            <a:off x="2380904" y="3938637"/>
+            <a:off x="2414155" y="3467894"/>
             <a:ext cx="7772400" cy="531812"/>
           </a:xfrm>
         </p:spPr>
@@ -3462,7 +3647,7 @@
               <a:t>Circuit Analysis</a:t>
             </a:r>
             <a:r>
-              <a:rPr lang="en-US" sz="2400" b="1" dirty="0" smtClean="0">
+              <a:rPr lang="en-US" sz="3200" b="1" dirty="0">
                 <a:solidFill>
                   <a:schemeClr val="bg2">
                     <a:lumMod val="10000"/>
@@ -3474,7 +3659,7 @@
               <a:t/>
             </a:r>
             <a:br>
-              <a:rPr lang="en-US" sz="2400" b="1" dirty="0" smtClean="0">
+              <a:rPr lang="en-US" sz="3200" b="1" dirty="0">
                 <a:solidFill>
                   <a:schemeClr val="bg2">
                     <a:lumMod val="10000"/>
@@ -3485,7 +3670,7 @@
               </a:rPr>
             </a:br>
             <a:r>
-              <a:rPr lang="en-US" sz="2400" b="1" dirty="0" smtClean="0">
+              <a:rPr lang="en-US" sz="3200" b="1" dirty="0">
                 <a:solidFill>
                   <a:schemeClr val="bg2">
                     <a:lumMod val="10000"/>
@@ -3494,45 +3679,10 @@
                 <a:latin typeface="Times New Roman" pitchFamily="18" charset="0"/>
                 <a:cs typeface="Times New Roman" pitchFamily="18" charset="0"/>
               </a:rPr>
-              <a:t/>
-            </a:r>
-            <a:br>
-              <a:rPr lang="en-US" sz="2400" b="1" dirty="0" smtClean="0">
-                <a:solidFill>
-                  <a:schemeClr val="bg2">
-                    <a:lumMod val="10000"/>
-                  </a:schemeClr>
-                </a:solidFill>
-                <a:latin typeface="Times New Roman" pitchFamily="18" charset="0"/>
-                <a:cs typeface="Times New Roman" pitchFamily="18" charset="0"/>
-              </a:rPr>
-            </a:br>
-            <a:r>
-              <a:rPr lang="en-US" sz="2400" b="1" dirty="0" smtClean="0">
-                <a:solidFill>
-                  <a:schemeClr val="bg2">
-                    <a:lumMod val="10000"/>
-                  </a:schemeClr>
-                </a:solidFill>
-                <a:latin typeface="Times New Roman" pitchFamily="18" charset="0"/>
-                <a:cs typeface="Times New Roman" pitchFamily="18" charset="0"/>
-              </a:rPr>
-              <a:t>Credit </a:t>
+              <a:t>Credit Hours = </a:t>
             </a:r>
             <a:r>
-              <a:rPr lang="en-US" sz="2400" b="1" dirty="0">
-                <a:solidFill>
-                  <a:schemeClr val="bg2">
-                    <a:lumMod val="10000"/>
-                  </a:schemeClr>
-                </a:solidFill>
-                <a:latin typeface="Times New Roman" pitchFamily="18" charset="0"/>
-                <a:cs typeface="Times New Roman" pitchFamily="18" charset="0"/>
-              </a:rPr>
-              <a:t>Hours = </a:t>
-            </a:r>
-            <a:r>
-              <a:rPr lang="en-US" sz="2400" b="1" dirty="0" smtClean="0">
+              <a:rPr lang="en-US" sz="3200" b="1" dirty="0" smtClean="0">
                 <a:solidFill>
                   <a:schemeClr val="bg2">
                     <a:lumMod val="10000"/>
@@ -3544,7 +3694,7 @@
               <a:t>3+1</a:t>
             </a:r>
             <a:br>
-              <a:rPr lang="en-US" sz="2400" b="1" dirty="0" smtClean="0">
+              <a:rPr lang="en-US" sz="3200" b="1" dirty="0" smtClean="0">
                 <a:solidFill>
                   <a:schemeClr val="bg2">
                     <a:lumMod val="10000"/>
@@ -3555,7 +3705,7 @@
               </a:rPr>
             </a:br>
             <a:r>
-              <a:rPr lang="en-US" sz="2400" b="1" dirty="0" smtClean="0">
+              <a:rPr lang="en-US" sz="3200" b="1" dirty="0" smtClean="0">
                 <a:solidFill>
                   <a:schemeClr val="bg2">
                     <a:lumMod val="10000"/>
@@ -3564,33 +3714,10 @@
                 <a:latin typeface="Times New Roman" pitchFamily="18" charset="0"/>
                 <a:cs typeface="Times New Roman" pitchFamily="18" charset="0"/>
               </a:rPr>
-              <a:t/>
-            </a:r>
-            <a:br>
-              <a:rPr lang="en-US" sz="2400" b="1" dirty="0" smtClean="0">
-                <a:solidFill>
-                  <a:schemeClr val="bg2">
-                    <a:lumMod val="10000"/>
-                  </a:schemeClr>
-                </a:solidFill>
-                <a:latin typeface="Times New Roman" pitchFamily="18" charset="0"/>
-                <a:cs typeface="Times New Roman" pitchFamily="18" charset="0"/>
-              </a:rPr>
-            </a:br>
-            <a:r>
-              <a:rPr lang="en-US" sz="2400" b="1" dirty="0" smtClean="0">
-                <a:solidFill>
-                  <a:schemeClr val="bg2">
-                    <a:lumMod val="10000"/>
-                  </a:schemeClr>
-                </a:solidFill>
-                <a:latin typeface="Times New Roman" pitchFamily="18" charset="0"/>
-                <a:cs typeface="Times New Roman" pitchFamily="18" charset="0"/>
-              </a:rPr>
-              <a:t>Code No: </a:t>
+              <a:t>Code NO: </a:t>
             </a:r>
             <a:r>
-              <a:rPr lang="en-US" sz="2400" b="1" dirty="0">
+              <a:rPr lang="en-US" sz="3200" b="1" dirty="0">
                 <a:solidFill>
                   <a:schemeClr val="bg2">
                     <a:lumMod val="10000"/>
@@ -3852,7 +3979,7 @@
         </p:nvCxnSpPr>
         <p:spPr>
           <a:xfrm>
-            <a:off x="2286000" y="4663330"/>
+            <a:off x="2286000" y="4341812"/>
             <a:ext cx="8382000" cy="1588"/>
           </a:xfrm>
           <a:prstGeom prst="line">
@@ -3903,7 +4030,7 @@
         </p:blipFill>
         <p:spPr>
           <a:xfrm>
-            <a:off x="318839" y="426735"/>
+            <a:off x="694480" y="431404"/>
             <a:ext cx="1896320" cy="1833562"/>
           </a:xfrm>
           <a:prstGeom prst="ellipse">
@@ -3921,7 +4048,7 @@
         </p:nvSpPr>
         <p:spPr>
           <a:xfrm>
-            <a:off x="2524298" y="5582492"/>
+            <a:off x="2590800" y="5181600"/>
             <a:ext cx="7772400" cy="914400"/>
           </a:xfrm>
           <a:prstGeom prst="rect">
@@ -4028,7 +4155,7 @@
     </p:spTree>
     <p:extLst>
       <p:ext uri="{BB962C8B-B14F-4D97-AF65-F5344CB8AC3E}">
-        <p14:creationId xmlns:p14="http://schemas.microsoft.com/office/powerpoint/2010/main" val="3626833965"/>
+        <p14:creationId xmlns:p14="http://schemas.microsoft.com/office/powerpoint/2010/main" val="186615327"/>
       </p:ext>
     </p:extLst>
   </p:cSld>
@@ -4043,1056 +4170,17 @@
       <p:transition advClick="0"/>
     </mc:Fallback>
   </mc:AlternateContent>
+  <p:timing>
+    <p:tnLst>
+      <p:par>
+        <p:cTn id="1" dur="indefinite" restart="never" nodeType="tmRoot"/>
+      </p:par>
+    </p:tnLst>
+  </p:timing>
 </p:sld>
 </file>
 
 <file path=ppt/slides/slide10.xml><?xml version="1.0" encoding="utf-8"?>
-<p:sld xmlns:a="http://schemas.openxmlformats.org/drawingml/2006/main" xmlns:r="http://schemas.openxmlformats.org/officeDocument/2006/relationships" xmlns:p="http://schemas.openxmlformats.org/presentationml/2006/main">
-  <p:cSld>
-    <p:spTree>
-      <p:nvGrpSpPr>
-        <p:cNvPr id="1" name=""/>
-        <p:cNvGrpSpPr/>
-        <p:nvPr/>
-      </p:nvGrpSpPr>
-      <p:grpSpPr>
-        <a:xfrm>
-          <a:off x="0" y="0"/>
-          <a:ext cx="0" cy="0"/>
-          <a:chOff x="0" y="0"/>
-          <a:chExt cx="0" cy="0"/>
-        </a:xfrm>
-      </p:grpSpPr>
-      <mc:AlternateContent xmlns:mc="http://schemas.openxmlformats.org/markup-compatibility/2006" xmlns:a14="http://schemas.microsoft.com/office/drawing/2010/main">
-        <mc:Choice Requires="a14">
-          <p:sp>
-            <p:nvSpPr>
-              <p:cNvPr id="15" name="TextBox 14"/>
-              <p:cNvSpPr txBox="1"/>
-              <p:nvPr/>
-            </p:nvSpPr>
-            <p:spPr>
-              <a:xfrm>
-                <a:off x="0" y="396240"/>
-                <a:ext cx="11423192" cy="1148199"/>
-              </a:xfrm>
-              <a:prstGeom prst="rect">
-                <a:avLst/>
-              </a:prstGeom>
-              <a:noFill/>
-            </p:spPr>
-            <p:txBody>
-              <a:bodyPr wrap="none" lIns="0" tIns="0" rIns="0" bIns="0" rtlCol="0">
-                <a:spAutoFit/>
-              </a:bodyPr>
-              <a:lstStyle/>
-              <a:p>
-                <a:pPr/>
-                <a14:m>
-                  <m:oMathPara xmlns:m="http://schemas.openxmlformats.org/officeDocument/2006/math">
-                    <m:oMathParaPr>
-                      <m:jc m:val="centerGroup"/>
-                    </m:oMathParaPr>
-                    <m:oMath xmlns:m="http://schemas.openxmlformats.org/officeDocument/2006/math">
-                      <m:sSub>
-                        <m:sSubPr>
-                          <m:ctrlPr>
-                            <a:rPr lang="en-US" sz="2800" b="0" i="1" smtClean="0">
-                              <a:latin typeface="Cambria Math" panose="02040503050406030204" pitchFamily="18" charset="0"/>
-                              <a:ea typeface="Cambria Math" panose="02040503050406030204" pitchFamily="18" charset="0"/>
-                            </a:rPr>
-                          </m:ctrlPr>
-                        </m:sSubPr>
-                        <m:e>
-                          <m:r>
-                            <a:rPr lang="en-US" sz="2800" i="1">
-                              <a:latin typeface="Cambria Math" panose="02040503050406030204" pitchFamily="18" charset="0"/>
-                              <a:ea typeface="Cambria Math" panose="02040503050406030204" pitchFamily="18" charset="0"/>
-                            </a:rPr>
-                            <m:t>∆</m:t>
-                          </m:r>
-                        </m:e>
-                        <m:sub>
-                          <m:r>
-                            <a:rPr lang="en-US" sz="2800" b="0" i="1" smtClean="0">
-                              <a:latin typeface="Cambria Math" panose="02040503050406030204" pitchFamily="18" charset="0"/>
-                              <a:ea typeface="Cambria Math" panose="02040503050406030204" pitchFamily="18" charset="0"/>
-                            </a:rPr>
-                            <m:t>𝑦</m:t>
-                          </m:r>
-                        </m:sub>
-                      </m:sSub>
-                      <m:r>
-                        <a:rPr lang="en-US" sz="2800" b="0" i="1" smtClean="0">
-                          <a:latin typeface="Cambria Math" panose="02040503050406030204" pitchFamily="18" charset="0"/>
-                          <a:ea typeface="Cambria Math" panose="02040503050406030204" pitchFamily="18" charset="0"/>
-                        </a:rPr>
-                        <m:t>= </m:t>
-                      </m:r>
-                      <m:d>
-                        <m:dPr>
-                          <m:begChr m:val="|"/>
-                          <m:endChr m:val="|"/>
-                          <m:ctrlPr>
-                            <a:rPr lang="en-US" sz="2800" b="0" i="1" smtClean="0">
-                              <a:latin typeface="Cambria Math" panose="02040503050406030204" pitchFamily="18" charset="0"/>
-                              <a:ea typeface="Cambria Math" panose="02040503050406030204" pitchFamily="18" charset="0"/>
-                            </a:rPr>
-                          </m:ctrlPr>
-                        </m:dPr>
-                        <m:e>
-                          <m:m>
-                            <m:mPr>
-                              <m:mcs>
-                                <m:mc>
-                                  <m:mcPr>
-                                    <m:count m:val="3"/>
-                                    <m:mcJc m:val="center"/>
-                                  </m:mcPr>
-                                </m:mc>
-                              </m:mcs>
-                              <m:ctrlPr>
-                                <a:rPr lang="en-US" sz="2800" b="0" i="1" smtClean="0">
-                                  <a:latin typeface="Cambria Math" panose="02040503050406030204" pitchFamily="18" charset="0"/>
-                                  <a:ea typeface="Cambria Math" panose="02040503050406030204" pitchFamily="18" charset="0"/>
-                                </a:rPr>
-                              </m:ctrlPr>
-                            </m:mPr>
-                            <m:mr>
-                              <m:e>
-                                <m:r>
-                                  <a:rPr lang="en-US" sz="2800" b="0" i="1" smtClean="0">
-                                    <a:latin typeface="Cambria Math" panose="02040503050406030204" pitchFamily="18" charset="0"/>
-                                    <a:ea typeface="Cambria Math" panose="02040503050406030204" pitchFamily="18" charset="0"/>
-                                  </a:rPr>
-                                  <m:t>6</m:t>
-                                </m:r>
-                              </m:e>
-                              <m:e>
-                                <m:r>
-                                  <a:rPr lang="en-US" sz="2800" b="0" i="1" smtClean="0">
-                                    <a:solidFill>
-                                      <a:srgbClr val="FF0000"/>
-                                    </a:solidFill>
-                                    <a:latin typeface="Cambria Math" panose="02040503050406030204" pitchFamily="18" charset="0"/>
-                                    <a:ea typeface="Cambria Math" panose="02040503050406030204" pitchFamily="18" charset="0"/>
-                                  </a:rPr>
-                                  <m:t>5</m:t>
-                                </m:r>
-                              </m:e>
-                              <m:e>
-                                <m:r>
-                                  <a:rPr lang="en-US" sz="2800" b="0" i="1" smtClean="0">
-                                    <a:latin typeface="Cambria Math" panose="02040503050406030204" pitchFamily="18" charset="0"/>
-                                    <a:ea typeface="Cambria Math" panose="02040503050406030204" pitchFamily="18" charset="0"/>
-                                  </a:rPr>
-                                  <m:t>−3</m:t>
-                                </m:r>
-                              </m:e>
-                            </m:mr>
-                            <m:mr>
-                              <m:e>
-                                <m:r>
-                                  <a:rPr lang="en-US" sz="2800" b="0" i="1" smtClean="0">
-                                    <a:latin typeface="Cambria Math" panose="02040503050406030204" pitchFamily="18" charset="0"/>
-                                    <a:ea typeface="Cambria Math" panose="02040503050406030204" pitchFamily="18" charset="0"/>
-                                  </a:rPr>
-                                  <m:t>1</m:t>
-                                </m:r>
-                              </m:e>
-                              <m:e>
-                                <m:r>
-                                  <a:rPr lang="en-US" sz="2800" b="0" i="1" smtClean="0">
-                                    <a:solidFill>
-                                      <a:srgbClr val="FF0000"/>
-                                    </a:solidFill>
-                                    <a:latin typeface="Cambria Math" panose="02040503050406030204" pitchFamily="18" charset="0"/>
-                                    <a:ea typeface="Cambria Math" panose="02040503050406030204" pitchFamily="18" charset="0"/>
-                                  </a:rPr>
-                                  <m:t>5</m:t>
-                                </m:r>
-                              </m:e>
-                              <m:e>
-                                <m:r>
-                                  <a:rPr lang="en-US" sz="2800" b="0" i="1" smtClean="0">
-                                    <a:latin typeface="Cambria Math" panose="02040503050406030204" pitchFamily="18" charset="0"/>
-                                    <a:ea typeface="Cambria Math" panose="02040503050406030204" pitchFamily="18" charset="0"/>
-                                  </a:rPr>
-                                  <m:t>−2</m:t>
-                                </m:r>
-                              </m:e>
-                            </m:mr>
-                            <m:mr>
-                              <m:e>
-                                <m:r>
-                                  <a:rPr lang="en-US" sz="2800" b="0" i="1" smtClean="0">
-                                    <a:latin typeface="Cambria Math" panose="02040503050406030204" pitchFamily="18" charset="0"/>
-                                    <a:ea typeface="Cambria Math" panose="02040503050406030204" pitchFamily="18" charset="0"/>
-                                  </a:rPr>
-                                  <m:t>2</m:t>
-                                </m:r>
-                              </m:e>
-                              <m:e>
-                                <m:r>
-                                  <a:rPr lang="en-US" sz="2800" b="0" i="1" smtClean="0">
-                                    <a:solidFill>
-                                      <a:srgbClr val="FF0000"/>
-                                    </a:solidFill>
-                                    <a:latin typeface="Cambria Math" panose="02040503050406030204" pitchFamily="18" charset="0"/>
-                                    <a:ea typeface="Cambria Math" panose="02040503050406030204" pitchFamily="18" charset="0"/>
-                                  </a:rPr>
-                                  <m:t>8</m:t>
-                                </m:r>
-                              </m:e>
-                              <m:e>
-                                <m:r>
-                                  <a:rPr lang="en-US" sz="2800" b="0" i="1" smtClean="0">
-                                    <a:latin typeface="Cambria Math" panose="02040503050406030204" pitchFamily="18" charset="0"/>
-                                    <a:ea typeface="Cambria Math" panose="02040503050406030204" pitchFamily="18" charset="0"/>
-                                  </a:rPr>
-                                  <m:t>4</m:t>
-                                </m:r>
-                              </m:e>
-                            </m:mr>
-                          </m:m>
-                        </m:e>
-                      </m:d>
-                      <m:r>
-                        <a:rPr lang="en-US" sz="2800" b="0" i="1" smtClean="0">
-                          <a:latin typeface="Cambria Math" panose="02040503050406030204" pitchFamily="18" charset="0"/>
-                          <a:ea typeface="Cambria Math" panose="02040503050406030204" pitchFamily="18" charset="0"/>
-                        </a:rPr>
-                        <m:t>=6</m:t>
-                      </m:r>
-                      <m:d>
-                        <m:dPr>
-                          <m:ctrlPr>
-                            <a:rPr lang="en-US" sz="2800" b="0" i="1" smtClean="0">
-                              <a:latin typeface="Cambria Math" panose="02040503050406030204" pitchFamily="18" charset="0"/>
-                              <a:ea typeface="Cambria Math" panose="02040503050406030204" pitchFamily="18" charset="0"/>
-                            </a:rPr>
-                          </m:ctrlPr>
-                        </m:dPr>
-                        <m:e>
-                          <m:r>
-                            <a:rPr lang="en-US" sz="2800" b="0" i="1" smtClean="0">
-                              <a:latin typeface="Cambria Math" panose="02040503050406030204" pitchFamily="18" charset="0"/>
-                              <a:ea typeface="Cambria Math" panose="02040503050406030204" pitchFamily="18" charset="0"/>
-                            </a:rPr>
-                            <m:t>5∗4+2∗8</m:t>
-                          </m:r>
-                        </m:e>
-                      </m:d>
-                      <m:r>
-                        <a:rPr lang="en-US" sz="2800" b="0" i="1" smtClean="0">
-                          <a:latin typeface="Cambria Math" panose="02040503050406030204" pitchFamily="18" charset="0"/>
-                          <a:ea typeface="Cambria Math" panose="02040503050406030204" pitchFamily="18" charset="0"/>
-                        </a:rPr>
-                        <m:t>−5</m:t>
-                      </m:r>
-                      <m:d>
-                        <m:dPr>
-                          <m:ctrlPr>
-                            <a:rPr lang="en-US" sz="2800" b="0" i="1" smtClean="0">
-                              <a:latin typeface="Cambria Math" panose="02040503050406030204" pitchFamily="18" charset="0"/>
-                              <a:ea typeface="Cambria Math" panose="02040503050406030204" pitchFamily="18" charset="0"/>
-                            </a:rPr>
-                          </m:ctrlPr>
-                        </m:dPr>
-                        <m:e>
-                          <m:r>
-                            <a:rPr lang="en-US" sz="2800" b="0" i="1" smtClean="0">
-                              <a:latin typeface="Cambria Math" panose="02040503050406030204" pitchFamily="18" charset="0"/>
-                              <a:ea typeface="Cambria Math" panose="02040503050406030204" pitchFamily="18" charset="0"/>
-                            </a:rPr>
-                            <m:t>1∗4+2∗2</m:t>
-                          </m:r>
-                        </m:e>
-                      </m:d>
-                      <m:r>
-                        <a:rPr lang="en-US" sz="2800" b="0" i="1" smtClean="0">
-                          <a:latin typeface="Cambria Math" panose="02040503050406030204" pitchFamily="18" charset="0"/>
-                          <a:ea typeface="Cambria Math" panose="02040503050406030204" pitchFamily="18" charset="0"/>
-                        </a:rPr>
-                        <m:t>−3(1∗8−5∗2)</m:t>
-                      </m:r>
-                    </m:oMath>
-                  </m:oMathPara>
-                </a14:m>
-                <a:endParaRPr lang="en-US" sz="2800" dirty="0"/>
-              </a:p>
-            </p:txBody>
-          </p:sp>
-        </mc:Choice>
-        <mc:Fallback xmlns="">
-          <p:sp>
-            <p:nvSpPr>
-              <p:cNvPr id="15" name="TextBox 14"/>
-              <p:cNvSpPr txBox="1">
-                <a:spLocks noRot="1" noChangeAspect="1" noMove="1" noResize="1" noEditPoints="1" noAdjustHandles="1" noChangeArrowheads="1" noChangeShapeType="1" noTextEdit="1"/>
-              </p:cNvSpPr>
-              <p:nvPr/>
-            </p:nvSpPr>
-            <p:spPr>
-              <a:xfrm>
-                <a:off x="0" y="396240"/>
-                <a:ext cx="11423192" cy="1148199"/>
-              </a:xfrm>
-              <a:prstGeom prst="rect">
-                <a:avLst/>
-              </a:prstGeom>
-              <a:blipFill rotWithShape="0">
-                <a:blip r:embed="rId2"/>
-                <a:stretch>
-                  <a:fillRect/>
-                </a:stretch>
-              </a:blipFill>
-            </p:spPr>
-            <p:txBody>
-              <a:bodyPr/>
-              <a:lstStyle/>
-              <a:p>
-                <a:r>
-                  <a:rPr lang="en-US">
-                    <a:noFill/>
-                  </a:rPr>
-                  <a:t> </a:t>
-                </a:r>
-              </a:p>
-            </p:txBody>
-          </p:sp>
-        </mc:Fallback>
-      </mc:AlternateContent>
-      <mc:AlternateContent xmlns:mc="http://schemas.openxmlformats.org/markup-compatibility/2006" xmlns:a14="http://schemas.microsoft.com/office/drawing/2010/main">
-        <mc:Choice Requires="a14">
-          <p:sp>
-            <p:nvSpPr>
-              <p:cNvPr id="16" name="TextBox 15"/>
-              <p:cNvSpPr txBox="1"/>
-              <p:nvPr/>
-            </p:nvSpPr>
-            <p:spPr>
-              <a:xfrm>
-                <a:off x="175492" y="1866179"/>
-                <a:ext cx="9086398" cy="492443"/>
-              </a:xfrm>
-              <a:prstGeom prst="rect">
-                <a:avLst/>
-              </a:prstGeom>
-              <a:noFill/>
-            </p:spPr>
-            <p:txBody>
-              <a:bodyPr wrap="none" lIns="0" tIns="0" rIns="0" bIns="0" rtlCol="0">
-                <a:spAutoFit/>
-              </a:bodyPr>
-              <a:lstStyle/>
-              <a:p>
-                <a:pPr/>
-                <a14:m>
-                  <m:oMathPara xmlns:m="http://schemas.openxmlformats.org/officeDocument/2006/math">
-                    <m:oMathParaPr>
-                      <m:jc m:val="centerGroup"/>
-                    </m:oMathParaPr>
-                    <m:oMath xmlns:m="http://schemas.openxmlformats.org/officeDocument/2006/math">
-                      <m:sSub>
-                        <m:sSubPr>
-                          <m:ctrlPr>
-                            <a:rPr lang="en-US" sz="2800" i="1" smtClean="0">
-                              <a:latin typeface="Cambria Math" panose="02040503050406030204" pitchFamily="18" charset="0"/>
-                              <a:ea typeface="Cambria Math" panose="02040503050406030204" pitchFamily="18" charset="0"/>
-                            </a:rPr>
-                          </m:ctrlPr>
-                        </m:sSubPr>
-                        <m:e>
-                          <m:r>
-                            <a:rPr lang="en-US" sz="2800" i="1">
-                              <a:latin typeface="Cambria Math" panose="02040503050406030204" pitchFamily="18" charset="0"/>
-                              <a:ea typeface="Cambria Math" panose="02040503050406030204" pitchFamily="18" charset="0"/>
-                            </a:rPr>
-                            <m:t>∆</m:t>
-                          </m:r>
-                        </m:e>
-                        <m:sub>
-                          <m:r>
-                            <a:rPr lang="en-US" sz="2800" b="0" i="1" smtClean="0">
-                              <a:latin typeface="Cambria Math" panose="02040503050406030204" pitchFamily="18" charset="0"/>
-                              <a:ea typeface="Cambria Math" panose="02040503050406030204" pitchFamily="18" charset="0"/>
-                            </a:rPr>
-                            <m:t>𝑦</m:t>
-                          </m:r>
-                        </m:sub>
-                      </m:sSub>
-                      <m:r>
-                        <a:rPr lang="en-US" sz="3200" b="0" i="1" smtClean="0">
-                          <a:latin typeface="Cambria Math" panose="02040503050406030204" pitchFamily="18" charset="0"/>
-                          <a:ea typeface="Cambria Math" panose="02040503050406030204" pitchFamily="18" charset="0"/>
-                        </a:rPr>
-                        <m:t>=6</m:t>
-                      </m:r>
-                      <m:d>
-                        <m:dPr>
-                          <m:ctrlPr>
-                            <a:rPr lang="en-US" sz="3200" i="1">
-                              <a:latin typeface="Cambria Math" panose="02040503050406030204" pitchFamily="18" charset="0"/>
-                              <a:ea typeface="Cambria Math" panose="02040503050406030204" pitchFamily="18" charset="0"/>
-                            </a:rPr>
-                          </m:ctrlPr>
-                        </m:dPr>
-                        <m:e>
-                          <m:r>
-                            <a:rPr lang="en-US" sz="3200" b="0" i="1" smtClean="0">
-                              <a:latin typeface="Cambria Math" panose="02040503050406030204" pitchFamily="18" charset="0"/>
-                              <a:ea typeface="Cambria Math" panose="02040503050406030204" pitchFamily="18" charset="0"/>
-                            </a:rPr>
-                            <m:t>36</m:t>
-                          </m:r>
-                        </m:e>
-                      </m:d>
-                      <m:r>
-                        <a:rPr lang="en-US" sz="3200" i="1" smtClean="0">
-                          <a:latin typeface="Cambria Math" panose="02040503050406030204" pitchFamily="18" charset="0"/>
-                          <a:ea typeface="Cambria Math" panose="02040503050406030204" pitchFamily="18" charset="0"/>
-                        </a:rPr>
-                        <m:t>−</m:t>
-                      </m:r>
-                      <m:r>
-                        <a:rPr lang="en-US" sz="3200" b="0" i="1" smtClean="0">
-                          <a:latin typeface="Cambria Math" panose="02040503050406030204" pitchFamily="18" charset="0"/>
-                          <a:ea typeface="Cambria Math" panose="02040503050406030204" pitchFamily="18" charset="0"/>
-                        </a:rPr>
-                        <m:t>5</m:t>
-                      </m:r>
-                      <m:d>
-                        <m:dPr>
-                          <m:ctrlPr>
-                            <a:rPr lang="en-US" sz="3200" i="1">
-                              <a:latin typeface="Cambria Math" panose="02040503050406030204" pitchFamily="18" charset="0"/>
-                              <a:ea typeface="Cambria Math" panose="02040503050406030204" pitchFamily="18" charset="0"/>
-                            </a:rPr>
-                          </m:ctrlPr>
-                        </m:dPr>
-                        <m:e>
-                          <m:r>
-                            <a:rPr lang="en-US" sz="3200" b="0" i="1" smtClean="0">
-                              <a:latin typeface="Cambria Math" panose="02040503050406030204" pitchFamily="18" charset="0"/>
-                              <a:ea typeface="Cambria Math" panose="02040503050406030204" pitchFamily="18" charset="0"/>
-                            </a:rPr>
-                            <m:t>8</m:t>
-                          </m:r>
-                        </m:e>
-                      </m:d>
-                      <m:r>
-                        <a:rPr lang="en-US" sz="3200" i="1">
-                          <a:latin typeface="Cambria Math" panose="02040503050406030204" pitchFamily="18" charset="0"/>
-                          <a:ea typeface="Cambria Math" panose="02040503050406030204" pitchFamily="18" charset="0"/>
-                        </a:rPr>
-                        <m:t>−3</m:t>
-                      </m:r>
-                      <m:d>
-                        <m:dPr>
-                          <m:ctrlPr>
-                            <a:rPr lang="en-US" sz="3200" i="1">
-                              <a:latin typeface="Cambria Math" panose="02040503050406030204" pitchFamily="18" charset="0"/>
-                              <a:ea typeface="Cambria Math" panose="02040503050406030204" pitchFamily="18" charset="0"/>
-                            </a:rPr>
-                          </m:ctrlPr>
-                        </m:dPr>
-                        <m:e>
-                          <m:r>
-                            <a:rPr lang="en-US" sz="3200" b="0" i="1" smtClean="0">
-                              <a:latin typeface="Cambria Math" panose="02040503050406030204" pitchFamily="18" charset="0"/>
-                              <a:ea typeface="Cambria Math" panose="02040503050406030204" pitchFamily="18" charset="0"/>
-                            </a:rPr>
-                            <m:t>−2</m:t>
-                          </m:r>
-                        </m:e>
-                      </m:d>
-                      <m:r>
-                        <a:rPr lang="en-US" sz="3200" b="0" i="1" smtClean="0">
-                          <a:latin typeface="Cambria Math" panose="02040503050406030204" pitchFamily="18" charset="0"/>
-                          <a:ea typeface="Cambria Math" panose="02040503050406030204" pitchFamily="18" charset="0"/>
-                        </a:rPr>
-                        <m:t>=216 −40+6=182 </m:t>
-                      </m:r>
-                    </m:oMath>
-                  </m:oMathPara>
-                </a14:m>
-                <a:endParaRPr lang="en-US" sz="2800" dirty="0"/>
-              </a:p>
-            </p:txBody>
-          </p:sp>
-        </mc:Choice>
-        <mc:Fallback xmlns="">
-          <p:sp>
-            <p:nvSpPr>
-              <p:cNvPr id="16" name="TextBox 15"/>
-              <p:cNvSpPr txBox="1">
-                <a:spLocks noRot="1" noChangeAspect="1" noMove="1" noResize="1" noEditPoints="1" noAdjustHandles="1" noChangeArrowheads="1" noChangeShapeType="1" noTextEdit="1"/>
-              </p:cNvSpPr>
-              <p:nvPr/>
-            </p:nvSpPr>
-            <p:spPr>
-              <a:xfrm>
-                <a:off x="175492" y="1866179"/>
-                <a:ext cx="9086398" cy="492443"/>
-              </a:xfrm>
-              <a:prstGeom prst="rect">
-                <a:avLst/>
-              </a:prstGeom>
-              <a:blipFill rotWithShape="0">
-                <a:blip r:embed="rId3"/>
-                <a:stretch>
-                  <a:fillRect b="-1235"/>
-                </a:stretch>
-              </a:blipFill>
-            </p:spPr>
-            <p:txBody>
-              <a:bodyPr/>
-              <a:lstStyle/>
-              <a:p>
-                <a:r>
-                  <a:rPr lang="en-US">
-                    <a:noFill/>
-                  </a:rPr>
-                  <a:t> </a:t>
-                </a:r>
-              </a:p>
-            </p:txBody>
-          </p:sp>
-        </mc:Fallback>
-      </mc:AlternateContent>
-      <mc:AlternateContent xmlns:mc="http://schemas.openxmlformats.org/markup-compatibility/2006" xmlns:a14="http://schemas.microsoft.com/office/drawing/2010/main">
-        <mc:Choice Requires="a14">
-          <p:sp>
-            <p:nvSpPr>
-              <p:cNvPr id="8" name="TextBox 7"/>
-              <p:cNvSpPr txBox="1"/>
-              <p:nvPr/>
-            </p:nvSpPr>
-            <p:spPr>
-              <a:xfrm>
-                <a:off x="0" y="2946041"/>
-                <a:ext cx="12314946" cy="1312282"/>
-              </a:xfrm>
-              <a:prstGeom prst="rect">
-                <a:avLst/>
-              </a:prstGeom>
-              <a:noFill/>
-            </p:spPr>
-            <p:txBody>
-              <a:bodyPr wrap="square" lIns="0" tIns="0" rIns="0" bIns="0" rtlCol="0">
-                <a:spAutoFit/>
-              </a:bodyPr>
-              <a:lstStyle/>
-              <a:p>
-                <a:pPr/>
-                <a14:m>
-                  <m:oMathPara xmlns:m="http://schemas.openxmlformats.org/officeDocument/2006/math">
-                    <m:oMathParaPr>
-                      <m:jc m:val="centerGroup"/>
-                    </m:oMathParaPr>
-                    <m:oMath xmlns:m="http://schemas.openxmlformats.org/officeDocument/2006/math">
-                      <m:sSub>
-                        <m:sSubPr>
-                          <m:ctrlPr>
-                            <a:rPr lang="en-US" sz="3200" i="1" smtClean="0">
-                              <a:solidFill>
-                                <a:srgbClr val="002060"/>
-                              </a:solidFill>
-                              <a:latin typeface="Cambria Math" panose="02040503050406030204" pitchFamily="18" charset="0"/>
-                              <a:ea typeface="Cambria Math" panose="02040503050406030204" pitchFamily="18" charset="0"/>
-                            </a:rPr>
-                          </m:ctrlPr>
-                        </m:sSubPr>
-                        <m:e>
-                          <m:r>
-                            <a:rPr lang="en-US" sz="3200" b="0" i="1">
-                              <a:solidFill>
-                                <a:srgbClr val="002060"/>
-                              </a:solidFill>
-                              <a:latin typeface="Cambria Math" panose="02040503050406030204" pitchFamily="18" charset="0"/>
-                              <a:ea typeface="Cambria Math" panose="02040503050406030204" pitchFamily="18" charset="0"/>
-                            </a:rPr>
-                            <m:t>∆</m:t>
-                          </m:r>
-                        </m:e>
-                        <m:sub>
-                          <m:r>
-                            <a:rPr lang="en-US" sz="3200" b="0" i="1" smtClean="0">
-                              <a:solidFill>
-                                <a:srgbClr val="002060"/>
-                              </a:solidFill>
-                              <a:latin typeface="Cambria Math" panose="02040503050406030204" pitchFamily="18" charset="0"/>
-                              <a:ea typeface="Cambria Math" panose="02040503050406030204" pitchFamily="18" charset="0"/>
-                            </a:rPr>
-                            <m:t>𝑧</m:t>
-                          </m:r>
-                        </m:sub>
-                      </m:sSub>
-                      <m:r>
-                        <a:rPr lang="en-US" sz="3200" b="0" i="1" smtClean="0">
-                          <a:latin typeface="Cambria Math" panose="02040503050406030204" pitchFamily="18" charset="0"/>
-                          <a:ea typeface="Cambria Math" panose="02040503050406030204" pitchFamily="18" charset="0"/>
-                        </a:rPr>
-                        <m:t>=</m:t>
-                      </m:r>
-                      <m:d>
-                        <m:dPr>
-                          <m:begChr m:val="|"/>
-                          <m:endChr m:val="|"/>
-                          <m:ctrlPr>
-                            <a:rPr lang="en-US" sz="3200" i="1" smtClean="0">
-                              <a:latin typeface="Cambria Math" panose="02040503050406030204" pitchFamily="18" charset="0"/>
-                              <a:ea typeface="Cambria Math" panose="02040503050406030204" pitchFamily="18" charset="0"/>
-                            </a:rPr>
-                          </m:ctrlPr>
-                        </m:dPr>
-                        <m:e>
-                          <m:m>
-                            <m:mPr>
-                              <m:mcs>
-                                <m:mc>
-                                  <m:mcPr>
-                                    <m:count m:val="3"/>
-                                    <m:mcJc m:val="center"/>
-                                  </m:mcPr>
-                                </m:mc>
-                              </m:mcs>
-                              <m:ctrlPr>
-                                <a:rPr lang="en-US" sz="3200" i="1" smtClean="0">
-                                  <a:latin typeface="Cambria Math" panose="02040503050406030204" pitchFamily="18" charset="0"/>
-                                  <a:ea typeface="Cambria Math" panose="02040503050406030204" pitchFamily="18" charset="0"/>
-                                </a:rPr>
-                              </m:ctrlPr>
-                            </m:mPr>
-                            <m:mr>
-                              <m:e>
-                                <m:r>
-                                  <a:rPr lang="en-US" sz="3200" b="0" i="1" smtClean="0">
-                                    <a:latin typeface="Cambria Math" panose="02040503050406030204" pitchFamily="18" charset="0"/>
-                                    <a:ea typeface="Cambria Math" panose="02040503050406030204" pitchFamily="18" charset="0"/>
-                                  </a:rPr>
-                                  <m:t>6</m:t>
-                                </m:r>
-                              </m:e>
-                              <m:e>
-                                <m:r>
-                                  <a:rPr lang="en-US" sz="3200" b="0" i="1" smtClean="0">
-                                    <a:solidFill>
-                                      <a:schemeClr val="tx1"/>
-                                    </a:solidFill>
-                                    <a:latin typeface="Cambria Math" panose="02040503050406030204" pitchFamily="18" charset="0"/>
-                                    <a:ea typeface="Cambria Math" panose="02040503050406030204" pitchFamily="18" charset="0"/>
-                                  </a:rPr>
-                                  <m:t>1</m:t>
-                                </m:r>
-                              </m:e>
-                              <m:e>
-                                <m:r>
-                                  <a:rPr lang="en-US" sz="3200" b="0" i="1" smtClean="0">
-                                    <a:solidFill>
-                                      <a:srgbClr val="FF0000"/>
-                                    </a:solidFill>
-                                    <a:latin typeface="Cambria Math" panose="02040503050406030204" pitchFamily="18" charset="0"/>
-                                    <a:ea typeface="Cambria Math" panose="02040503050406030204" pitchFamily="18" charset="0"/>
-                                  </a:rPr>
-                                  <m:t>5</m:t>
-                                </m:r>
-                              </m:e>
-                            </m:mr>
-                            <m:mr>
-                              <m:e>
-                                <m:r>
-                                  <a:rPr lang="en-US" sz="3200" b="0" i="1" smtClean="0">
-                                    <a:latin typeface="Cambria Math" panose="02040503050406030204" pitchFamily="18" charset="0"/>
-                                    <a:ea typeface="Cambria Math" panose="02040503050406030204" pitchFamily="18" charset="0"/>
-                                  </a:rPr>
-                                  <m:t>1</m:t>
-                                </m:r>
-                              </m:e>
-                              <m:e>
-                                <m:r>
-                                  <a:rPr lang="en-US" sz="3200" b="0" i="1" smtClean="0">
-                                    <a:solidFill>
-                                      <a:schemeClr val="tx1"/>
-                                    </a:solidFill>
-                                    <a:latin typeface="Cambria Math" panose="02040503050406030204" pitchFamily="18" charset="0"/>
-                                    <a:ea typeface="Cambria Math" panose="02040503050406030204" pitchFamily="18" charset="0"/>
-                                  </a:rPr>
-                                  <m:t>3</m:t>
-                                </m:r>
-                              </m:e>
-                              <m:e>
-                                <m:r>
-                                  <a:rPr lang="en-US" sz="3200" b="0" i="1" smtClean="0">
-                                    <a:solidFill>
-                                      <a:srgbClr val="FF0000"/>
-                                    </a:solidFill>
-                                    <a:latin typeface="Cambria Math" panose="02040503050406030204" pitchFamily="18" charset="0"/>
-                                    <a:ea typeface="Cambria Math" panose="02040503050406030204" pitchFamily="18" charset="0"/>
-                                  </a:rPr>
-                                  <m:t>5</m:t>
-                                </m:r>
-                              </m:e>
-                            </m:mr>
-                            <m:mr>
-                              <m:e>
-                                <m:r>
-                                  <a:rPr lang="en-US" sz="3200" b="0" i="1" smtClean="0">
-                                    <a:latin typeface="Cambria Math" panose="02040503050406030204" pitchFamily="18" charset="0"/>
-                                    <a:ea typeface="Cambria Math" panose="02040503050406030204" pitchFamily="18" charset="0"/>
-                                  </a:rPr>
-                                  <m:t>2</m:t>
-                                </m:r>
-                              </m:e>
-                              <m:e>
-                                <m:r>
-                                  <a:rPr lang="en-US" sz="3200" b="0" i="1" smtClean="0">
-                                    <a:solidFill>
-                                      <a:schemeClr val="tx1"/>
-                                    </a:solidFill>
-                                    <a:latin typeface="Cambria Math" panose="02040503050406030204" pitchFamily="18" charset="0"/>
-                                    <a:ea typeface="Cambria Math" panose="02040503050406030204" pitchFamily="18" charset="0"/>
-                                  </a:rPr>
-                                  <m:t>1</m:t>
-                                </m:r>
-                              </m:e>
-                              <m:e>
-                                <m:r>
-                                  <a:rPr lang="en-US" sz="3200" b="0" i="1" smtClean="0">
-                                    <a:solidFill>
-                                      <a:srgbClr val="FF0000"/>
-                                    </a:solidFill>
-                                    <a:latin typeface="Cambria Math" panose="02040503050406030204" pitchFamily="18" charset="0"/>
-                                    <a:ea typeface="Cambria Math" panose="02040503050406030204" pitchFamily="18" charset="0"/>
-                                  </a:rPr>
-                                  <m:t>8</m:t>
-                                </m:r>
-                              </m:e>
-                            </m:mr>
-                          </m:m>
-                        </m:e>
-                      </m:d>
-                      <m:r>
-                        <a:rPr lang="en-US" sz="3200" b="0" i="1" smtClean="0">
-                          <a:latin typeface="Cambria Math" panose="02040503050406030204" pitchFamily="18" charset="0"/>
-                          <a:ea typeface="Cambria Math" panose="02040503050406030204" pitchFamily="18" charset="0"/>
-                        </a:rPr>
-                        <m:t>=6</m:t>
-                      </m:r>
-                      <m:d>
-                        <m:dPr>
-                          <m:ctrlPr>
-                            <a:rPr lang="en-US" sz="3200" i="1" smtClean="0">
-                              <a:latin typeface="Cambria Math" panose="02040503050406030204" pitchFamily="18" charset="0"/>
-                              <a:ea typeface="Cambria Math" panose="02040503050406030204" pitchFamily="18" charset="0"/>
-                            </a:rPr>
-                          </m:ctrlPr>
-                        </m:dPr>
-                        <m:e>
-                          <m:r>
-                            <a:rPr lang="en-US" sz="3200" b="0" i="1" smtClean="0">
-                              <a:latin typeface="Cambria Math" panose="02040503050406030204" pitchFamily="18" charset="0"/>
-                              <a:ea typeface="Cambria Math" panose="02040503050406030204" pitchFamily="18" charset="0"/>
-                            </a:rPr>
-                            <m:t>3∗8−5∗1</m:t>
-                          </m:r>
-                        </m:e>
-                      </m:d>
-                      <m:r>
-                        <a:rPr lang="en-US" sz="3200" b="0" i="1" smtClean="0">
-                          <a:latin typeface="Cambria Math" panose="02040503050406030204" pitchFamily="18" charset="0"/>
-                          <a:ea typeface="Cambria Math" panose="02040503050406030204" pitchFamily="18" charset="0"/>
-                        </a:rPr>
-                        <m:t>−1</m:t>
-                      </m:r>
-                      <m:d>
-                        <m:dPr>
-                          <m:ctrlPr>
-                            <a:rPr lang="en-US" sz="3200" i="1" smtClean="0">
-                              <a:latin typeface="Cambria Math" panose="02040503050406030204" pitchFamily="18" charset="0"/>
-                              <a:ea typeface="Cambria Math" panose="02040503050406030204" pitchFamily="18" charset="0"/>
-                            </a:rPr>
-                          </m:ctrlPr>
-                        </m:dPr>
-                        <m:e>
-                          <m:r>
-                            <a:rPr lang="en-US" sz="3200" b="0" i="1" smtClean="0">
-                              <a:latin typeface="Cambria Math" panose="02040503050406030204" pitchFamily="18" charset="0"/>
-                              <a:ea typeface="Cambria Math" panose="02040503050406030204" pitchFamily="18" charset="0"/>
-                            </a:rPr>
-                            <m:t>1∗8−5∗2</m:t>
-                          </m:r>
-                        </m:e>
-                      </m:d>
-                      <m:r>
-                        <a:rPr lang="en-US" sz="3200" b="0" i="1" smtClean="0">
-                          <a:latin typeface="Cambria Math" panose="02040503050406030204" pitchFamily="18" charset="0"/>
-                          <a:ea typeface="Cambria Math" panose="02040503050406030204" pitchFamily="18" charset="0"/>
-                        </a:rPr>
-                        <m:t>+5(1∗1−3∗2)</m:t>
-                      </m:r>
-                    </m:oMath>
-                  </m:oMathPara>
-                </a14:m>
-                <a:endParaRPr lang="en-US" sz="3200" dirty="0"/>
-              </a:p>
-            </p:txBody>
-          </p:sp>
-        </mc:Choice>
-        <mc:Fallback xmlns="">
-          <p:sp>
-            <p:nvSpPr>
-              <p:cNvPr id="8" name="TextBox 7"/>
-              <p:cNvSpPr txBox="1">
-                <a:spLocks noRot="1" noChangeAspect="1" noMove="1" noResize="1" noEditPoints="1" noAdjustHandles="1" noChangeArrowheads="1" noChangeShapeType="1" noTextEdit="1"/>
-              </p:cNvSpPr>
-              <p:nvPr/>
-            </p:nvSpPr>
-            <p:spPr>
-              <a:xfrm>
-                <a:off x="0" y="2946041"/>
-                <a:ext cx="12314946" cy="1312282"/>
-              </a:xfrm>
-              <a:prstGeom prst="rect">
-                <a:avLst/>
-              </a:prstGeom>
-              <a:blipFill rotWithShape="0">
-                <a:blip r:embed="rId4"/>
-                <a:stretch>
-                  <a:fillRect/>
-                </a:stretch>
-              </a:blipFill>
-            </p:spPr>
-            <p:txBody>
-              <a:bodyPr/>
-              <a:lstStyle/>
-              <a:p>
-                <a:r>
-                  <a:rPr lang="en-US">
-                    <a:noFill/>
-                  </a:rPr>
-                  <a:t> </a:t>
-                </a:r>
-              </a:p>
-            </p:txBody>
-          </p:sp>
-        </mc:Fallback>
-      </mc:AlternateContent>
-      <mc:AlternateContent xmlns:mc="http://schemas.openxmlformats.org/markup-compatibility/2006" xmlns:a14="http://schemas.microsoft.com/office/drawing/2010/main">
-        <mc:Choice Requires="a14">
-          <p:sp>
-            <p:nvSpPr>
-              <p:cNvPr id="9" name="TextBox 8"/>
-              <p:cNvSpPr txBox="1"/>
-              <p:nvPr/>
-            </p:nvSpPr>
-            <p:spPr>
-              <a:xfrm>
-                <a:off x="-122946" y="5659925"/>
-                <a:ext cx="12314946" cy="492443"/>
-              </a:xfrm>
-              <a:prstGeom prst="rect">
-                <a:avLst/>
-              </a:prstGeom>
-              <a:noFill/>
-            </p:spPr>
-            <p:txBody>
-              <a:bodyPr wrap="square" lIns="0" tIns="0" rIns="0" bIns="0" rtlCol="0">
-                <a:spAutoFit/>
-              </a:bodyPr>
-              <a:lstStyle/>
-              <a:p>
-                <a:pPr/>
-                <a14:m>
-                  <m:oMathPara xmlns:m="http://schemas.openxmlformats.org/officeDocument/2006/math">
-                    <m:oMathParaPr>
-                      <m:jc m:val="centerGroup"/>
-                    </m:oMathParaPr>
-                    <m:oMath xmlns:m="http://schemas.openxmlformats.org/officeDocument/2006/math">
-                      <m:sSub>
-                        <m:sSubPr>
-                          <m:ctrlPr>
-                            <a:rPr lang="en-US" sz="3200" i="1" smtClean="0">
-                              <a:solidFill>
-                                <a:srgbClr val="002060"/>
-                              </a:solidFill>
-                              <a:latin typeface="Cambria Math" panose="02040503050406030204" pitchFamily="18" charset="0"/>
-                              <a:ea typeface="Cambria Math" panose="02040503050406030204" pitchFamily="18" charset="0"/>
-                            </a:rPr>
-                          </m:ctrlPr>
-                        </m:sSubPr>
-                        <m:e>
-                          <m:r>
-                            <a:rPr lang="en-US" sz="3200" b="0" i="1">
-                              <a:solidFill>
-                                <a:srgbClr val="002060"/>
-                              </a:solidFill>
-                              <a:latin typeface="Cambria Math" panose="02040503050406030204" pitchFamily="18" charset="0"/>
-                              <a:ea typeface="Cambria Math" panose="02040503050406030204" pitchFamily="18" charset="0"/>
-                            </a:rPr>
-                            <m:t>∆</m:t>
-                          </m:r>
-                        </m:e>
-                        <m:sub>
-                          <m:r>
-                            <a:rPr lang="en-US" sz="3200" b="0" i="1" smtClean="0">
-                              <a:solidFill>
-                                <a:srgbClr val="002060"/>
-                              </a:solidFill>
-                              <a:latin typeface="Cambria Math" panose="02040503050406030204" pitchFamily="18" charset="0"/>
-                              <a:ea typeface="Cambria Math" panose="02040503050406030204" pitchFamily="18" charset="0"/>
-                            </a:rPr>
-                            <m:t>𝑧</m:t>
-                          </m:r>
-                        </m:sub>
-                      </m:sSub>
-                      <m:r>
-                        <a:rPr lang="en-US" sz="3200" b="0" i="1" smtClean="0">
-                          <a:latin typeface="Cambria Math" panose="02040503050406030204" pitchFamily="18" charset="0"/>
-                          <a:ea typeface="Cambria Math" panose="02040503050406030204" pitchFamily="18" charset="0"/>
-                        </a:rPr>
-                        <m:t>=6</m:t>
-                      </m:r>
-                      <m:d>
-                        <m:dPr>
-                          <m:ctrlPr>
-                            <a:rPr lang="en-US" sz="3200" i="1" smtClean="0">
-                              <a:latin typeface="Cambria Math" panose="02040503050406030204" pitchFamily="18" charset="0"/>
-                              <a:ea typeface="Cambria Math" panose="02040503050406030204" pitchFamily="18" charset="0"/>
-                            </a:rPr>
-                          </m:ctrlPr>
-                        </m:dPr>
-                        <m:e>
-                          <m:r>
-                            <a:rPr lang="en-US" sz="3200" b="0" i="1" smtClean="0">
-                              <a:latin typeface="Cambria Math" panose="02040503050406030204" pitchFamily="18" charset="0"/>
-                              <a:ea typeface="Cambria Math" panose="02040503050406030204" pitchFamily="18" charset="0"/>
-                            </a:rPr>
-                            <m:t>19</m:t>
-                          </m:r>
-                        </m:e>
-                      </m:d>
-                      <m:r>
-                        <a:rPr lang="en-US" sz="3200" b="0" i="1" smtClean="0">
-                          <a:latin typeface="Cambria Math" panose="02040503050406030204" pitchFamily="18" charset="0"/>
-                          <a:ea typeface="Cambria Math" panose="02040503050406030204" pitchFamily="18" charset="0"/>
-                        </a:rPr>
-                        <m:t>−1</m:t>
-                      </m:r>
-                      <m:d>
-                        <m:dPr>
-                          <m:ctrlPr>
-                            <a:rPr lang="en-US" sz="3200" i="1" smtClean="0">
-                              <a:latin typeface="Cambria Math" panose="02040503050406030204" pitchFamily="18" charset="0"/>
-                              <a:ea typeface="Cambria Math" panose="02040503050406030204" pitchFamily="18" charset="0"/>
-                            </a:rPr>
-                          </m:ctrlPr>
-                        </m:dPr>
-                        <m:e>
-                          <m:r>
-                            <a:rPr lang="en-US" sz="3200" b="0" i="1" smtClean="0">
-                              <a:latin typeface="Cambria Math" panose="02040503050406030204" pitchFamily="18" charset="0"/>
-                              <a:ea typeface="Cambria Math" panose="02040503050406030204" pitchFamily="18" charset="0"/>
-                            </a:rPr>
-                            <m:t>−2</m:t>
-                          </m:r>
-                        </m:e>
-                      </m:d>
-                      <m:r>
-                        <a:rPr lang="en-US" sz="3200" b="0" i="1" smtClean="0">
-                          <a:latin typeface="Cambria Math" panose="02040503050406030204" pitchFamily="18" charset="0"/>
-                          <a:ea typeface="Cambria Math" panose="02040503050406030204" pitchFamily="18" charset="0"/>
-                        </a:rPr>
-                        <m:t>+5</m:t>
-                      </m:r>
-                      <m:d>
-                        <m:dPr>
-                          <m:ctrlPr>
-                            <a:rPr lang="en-US" sz="3200" b="0" i="1" smtClean="0">
-                              <a:latin typeface="Cambria Math" panose="02040503050406030204" pitchFamily="18" charset="0"/>
-                              <a:ea typeface="Cambria Math" panose="02040503050406030204" pitchFamily="18" charset="0"/>
-                            </a:rPr>
-                          </m:ctrlPr>
-                        </m:dPr>
-                        <m:e>
-                          <m:r>
-                            <a:rPr lang="en-US" sz="3200" b="0" i="1" smtClean="0">
-                              <a:latin typeface="Cambria Math" panose="02040503050406030204" pitchFamily="18" charset="0"/>
-                              <a:ea typeface="Cambria Math" panose="02040503050406030204" pitchFamily="18" charset="0"/>
-                            </a:rPr>
-                            <m:t>−5</m:t>
-                          </m:r>
-                        </m:e>
-                      </m:d>
-                      <m:r>
-                        <a:rPr lang="en-US" sz="3200" b="0" i="1" smtClean="0">
-                          <a:latin typeface="Cambria Math" panose="02040503050406030204" pitchFamily="18" charset="0"/>
-                          <a:ea typeface="Cambria Math" panose="02040503050406030204" pitchFamily="18" charset="0"/>
-                        </a:rPr>
-                        <m:t>=114+2 −25=91</m:t>
-                      </m:r>
-                    </m:oMath>
-                  </m:oMathPara>
-                </a14:m>
-                <a:endParaRPr lang="en-US" sz="3200" dirty="0"/>
-              </a:p>
-            </p:txBody>
-          </p:sp>
-        </mc:Choice>
-        <mc:Fallback xmlns="">
-          <p:sp>
-            <p:nvSpPr>
-              <p:cNvPr id="9" name="TextBox 8"/>
-              <p:cNvSpPr txBox="1">
-                <a:spLocks noRot="1" noChangeAspect="1" noMove="1" noResize="1" noEditPoints="1" noAdjustHandles="1" noChangeArrowheads="1" noChangeShapeType="1" noTextEdit="1"/>
-              </p:cNvSpPr>
-              <p:nvPr/>
-            </p:nvSpPr>
-            <p:spPr>
-              <a:xfrm>
-                <a:off x="-122946" y="5659925"/>
-                <a:ext cx="12314946" cy="492443"/>
-              </a:xfrm>
-              <a:prstGeom prst="rect">
-                <a:avLst/>
-              </a:prstGeom>
-              <a:blipFill rotWithShape="0">
-                <a:blip r:embed="rId5"/>
-                <a:stretch>
-                  <a:fillRect/>
-                </a:stretch>
-              </a:blipFill>
-            </p:spPr>
-            <p:txBody>
-              <a:bodyPr/>
-              <a:lstStyle/>
-              <a:p>
-                <a:r>
-                  <a:rPr lang="en-US">
-                    <a:noFill/>
-                  </a:rPr>
-                  <a:t> </a:t>
-                </a:r>
-              </a:p>
-            </p:txBody>
-          </p:sp>
-        </mc:Fallback>
-      </mc:AlternateContent>
-    </p:spTree>
-    <p:extLst>
-      <p:ext uri="{BB962C8B-B14F-4D97-AF65-F5344CB8AC3E}">
-        <p14:creationId xmlns:p14="http://schemas.microsoft.com/office/powerpoint/2010/main" val="758126893"/>
-      </p:ext>
-    </p:extLst>
-  </p:cSld>
-  <p:clrMapOvr>
-    <a:masterClrMapping/>
-  </p:clrMapOvr>
-</p:sld>
-</file>
-
-<file path=ppt/slides/slide11.xml><?xml version="1.0" encoding="utf-8"?>
 <p:sld xmlns:a="http://schemas.openxmlformats.org/drawingml/2006/main" xmlns:r="http://schemas.openxmlformats.org/officeDocument/2006/relationships" xmlns:p="http://schemas.openxmlformats.org/presentationml/2006/main">
   <p:cSld>
     <p:spTree>
@@ -6475,10 +5563,17 @@
   <p:clrMapOvr>
     <a:masterClrMapping/>
   </p:clrMapOvr>
+  <p:timing>
+    <p:tnLst>
+      <p:par>
+        <p:cTn id="1" dur="indefinite" restart="never" nodeType="tmRoot"/>
+      </p:par>
+    </p:tnLst>
+  </p:timing>
 </p:sld>
 </file>
 
-<file path=ppt/slides/slide12.xml><?xml version="1.0" encoding="utf-8"?>
+<file path=ppt/slides/slide11.xml><?xml version="1.0" encoding="utf-8"?>
 <p:sld xmlns:a="http://schemas.openxmlformats.org/drawingml/2006/main" xmlns:r="http://schemas.openxmlformats.org/officeDocument/2006/relationships" xmlns:p="http://schemas.openxmlformats.org/presentationml/2006/main">
   <p:cSld>
     <p:spTree>
@@ -8641,7 +7736,7 @@
 </p:sld>
 </file>
 
-<file path=ppt/slides/slide13.xml><?xml version="1.0" encoding="utf-8"?>
+<file path=ppt/slides/slide12.xml><?xml version="1.0" encoding="utf-8"?>
 <p:sld xmlns:a="http://schemas.openxmlformats.org/drawingml/2006/main" xmlns:r="http://schemas.openxmlformats.org/officeDocument/2006/relationships" xmlns:p="http://schemas.openxmlformats.org/presentationml/2006/main">
   <p:cSld>
     <p:spTree>
@@ -10488,6 +9583,123 @@
           </p:sp>
         </mc:Fallback>
       </mc:AlternateContent>
+      <mc:AlternateContent xmlns:mc="http://schemas.openxmlformats.org/markup-compatibility/2006" xmlns:p14="http://schemas.microsoft.com/office/powerpoint/2010/main">
+        <mc:Choice Requires="p14">
+          <p:contentPart p14:bwMode="auto" r:id="rId8">
+            <p14:nvContentPartPr>
+              <p14:cNvPr id="75" name="Ink 74"/>
+              <p14:cNvContentPartPr/>
+              <p14:nvPr/>
+            </p14:nvContentPartPr>
+            <p14:xfrm>
+              <a:off x="3707546" y="291256"/>
+              <a:ext cx="141840" cy="249120"/>
+            </p14:xfrm>
+          </p:contentPart>
+        </mc:Choice>
+        <mc:Fallback xmlns="">
+          <p:pic>
+            <p:nvPicPr>
+              <p:cNvPr id="75" name="Ink 74"/>
+              <p:cNvPicPr/>
+              <p:nvPr/>
+            </p:nvPicPr>
+            <p:blipFill>
+              <a:blip r:embed="rId9"/>
+              <a:stretch>
+                <a:fillRect/>
+              </a:stretch>
+            </p:blipFill>
+            <p:spPr>
+              <a:xfrm>
+                <a:off x="3703586" y="287296"/>
+                <a:ext cx="149040" cy="256320"/>
+              </a:xfrm>
+              <a:prstGeom prst="rect">
+                <a:avLst/>
+              </a:prstGeom>
+            </p:spPr>
+          </p:pic>
+        </mc:Fallback>
+      </mc:AlternateContent>
+      <mc:AlternateContent xmlns:mc="http://schemas.openxmlformats.org/markup-compatibility/2006" xmlns:p14="http://schemas.microsoft.com/office/powerpoint/2010/main">
+        <mc:Choice Requires="p14">
+          <p:contentPart p14:bwMode="auto" r:id="rId10">
+            <p14:nvContentPartPr>
+              <p14:cNvPr id="192" name="Ink 191"/>
+              <p14:cNvContentPartPr/>
+              <p14:nvPr/>
+            </p14:nvContentPartPr>
+            <p14:xfrm>
+              <a:off x="548546" y="3561136"/>
+              <a:ext cx="360" cy="360"/>
+            </p14:xfrm>
+          </p:contentPart>
+        </mc:Choice>
+        <mc:Fallback xmlns="">
+          <p:pic>
+            <p:nvPicPr>
+              <p:cNvPr id="192" name="Ink 191"/>
+              <p:cNvPicPr/>
+              <p:nvPr/>
+            </p:nvPicPr>
+            <p:blipFill>
+              <a:blip r:embed="rId11"/>
+              <a:stretch>
+                <a:fillRect/>
+              </a:stretch>
+            </p:blipFill>
+            <p:spPr>
+              <a:xfrm>
+                <a:off x="529826" y="3542416"/>
+                <a:ext cx="37800" cy="37800"/>
+              </a:xfrm>
+              <a:prstGeom prst="rect">
+                <a:avLst/>
+              </a:prstGeom>
+            </p:spPr>
+          </p:pic>
+        </mc:Fallback>
+      </mc:AlternateContent>
+      <mc:AlternateContent xmlns:mc="http://schemas.openxmlformats.org/markup-compatibility/2006" xmlns:p14="http://schemas.microsoft.com/office/powerpoint/2010/main">
+        <mc:Choice Requires="p14">
+          <p:contentPart p14:bwMode="auto" r:id="rId12">
+            <p14:nvContentPartPr>
+              <p14:cNvPr id="195" name="Ink 194"/>
+              <p14:cNvContentPartPr/>
+              <p14:nvPr/>
+            </p14:nvContentPartPr>
+            <p14:xfrm>
+              <a:off x="11375906" y="5543374"/>
+              <a:ext cx="12960" cy="5760"/>
+            </p14:xfrm>
+          </p:contentPart>
+        </mc:Choice>
+        <mc:Fallback xmlns="">
+          <p:pic>
+            <p:nvPicPr>
+              <p:cNvPr id="195" name="Ink 194"/>
+              <p:cNvPicPr/>
+              <p:nvPr/>
+            </p:nvPicPr>
+            <p:blipFill>
+              <a:blip r:embed="rId15"/>
+              <a:stretch>
+                <a:fillRect/>
+              </a:stretch>
+            </p:blipFill>
+            <p:spPr>
+              <a:xfrm>
+                <a:off x="11372306" y="5539774"/>
+                <a:ext cx="20160" cy="12960"/>
+              </a:xfrm>
+              <a:prstGeom prst="rect">
+                <a:avLst/>
+              </a:prstGeom>
+            </p:spPr>
+          </p:pic>
+        </mc:Fallback>
+      </mc:AlternateContent>
     </p:spTree>
     <p:extLst>
       <p:ext uri="{BB962C8B-B14F-4D97-AF65-F5344CB8AC3E}">
@@ -10508,7 +9720,7 @@
 </p:sld>
 </file>
 
-<file path=ppt/slides/slide14.xml><?xml version="1.0" encoding="utf-8"?>
+<file path=ppt/slides/slide13.xml><?xml version="1.0" encoding="utf-8"?>
 <p:sld xmlns:a="http://schemas.openxmlformats.org/drawingml/2006/main" xmlns:r="http://schemas.openxmlformats.org/officeDocument/2006/relationships" xmlns:p="http://schemas.openxmlformats.org/presentationml/2006/main">
   <p:cSld>
     <p:spTree>
@@ -12980,7 +12192,7 @@
 </p:sld>
 </file>
 
-<file path=ppt/slides/slide15.xml><?xml version="1.0" encoding="utf-8"?>
+<file path=ppt/slides/slide14.xml><?xml version="1.0" encoding="utf-8"?>
 <p:sld xmlns:a="http://schemas.openxmlformats.org/drawingml/2006/main" xmlns:r="http://schemas.openxmlformats.org/officeDocument/2006/relationships" xmlns:p="http://schemas.openxmlformats.org/presentationml/2006/main">
   <p:cSld>
     <p:spTree>
@@ -15745,10 +14957,17 @@
   <p:clrMapOvr>
     <a:masterClrMapping/>
   </p:clrMapOvr>
+  <p:timing>
+    <p:tnLst>
+      <p:par>
+        <p:cTn id="1" dur="indefinite" restart="never" nodeType="tmRoot"/>
+      </p:par>
+    </p:tnLst>
+  </p:timing>
 </p:sld>
 </file>
 
-<file path=ppt/slides/slide16.xml><?xml version="1.0" encoding="utf-8"?>
+<file path=ppt/slides/slide15.xml><?xml version="1.0" encoding="utf-8"?>
 <p:sld xmlns:a="http://schemas.openxmlformats.org/drawingml/2006/main" xmlns:r="http://schemas.openxmlformats.org/officeDocument/2006/relationships" xmlns:p="http://schemas.openxmlformats.org/presentationml/2006/main">
   <p:cSld>
     <p:spTree>
@@ -18462,6 +17681,426 @@
   <p:clrMapOvr>
     <a:masterClrMapping/>
   </p:clrMapOvr>
+  <p:timing>
+    <p:tnLst>
+      <p:par>
+        <p:cTn id="1" dur="indefinite" restart="never" nodeType="tmRoot"/>
+      </p:par>
+    </p:tnLst>
+  </p:timing>
+</p:sld>
+</file>
+
+<file path=ppt/slides/slide16.xml><?xml version="1.0" encoding="utf-8"?>
+<p:sld xmlns:a="http://schemas.openxmlformats.org/drawingml/2006/main" xmlns:r="http://schemas.openxmlformats.org/officeDocument/2006/relationships" xmlns:p="http://schemas.openxmlformats.org/presentationml/2006/main">
+  <p:cSld>
+    <p:spTree>
+      <p:nvGrpSpPr>
+        <p:cNvPr id="1" name=""/>
+        <p:cNvGrpSpPr/>
+        <p:nvPr/>
+      </p:nvGrpSpPr>
+      <p:grpSpPr>
+        <a:xfrm>
+          <a:off x="0" y="0"/>
+          <a:ext cx="0" cy="0"/>
+          <a:chOff x="0" y="0"/>
+          <a:chExt cx="0" cy="0"/>
+        </a:xfrm>
+      </p:grpSpPr>
+      <p:sp>
+        <p:nvSpPr>
+          <p:cNvPr id="2" name="Title 1"/>
+          <p:cNvSpPr>
+            <a:spLocks noGrp="1"/>
+          </p:cNvSpPr>
+          <p:nvPr>
+            <p:ph type="title"/>
+          </p:nvPr>
+        </p:nvSpPr>
+        <p:spPr/>
+        <p:txBody>
+          <a:bodyPr>
+            <a:normAutofit/>
+          </a:bodyPr>
+          <a:lstStyle/>
+          <a:p>
+            <a:pPr algn="ctr"/>
+            <a:r>
+              <a:rPr lang="en-GB" sz="7200" b="1" dirty="0" smtClean="0">
+                <a:solidFill>
+                  <a:srgbClr val="7030A0"/>
+                </a:solidFill>
+              </a:rPr>
+              <a:t>SERIES RLC CIRCUIT</a:t>
+            </a:r>
+            <a:endParaRPr lang="en-GB" sz="7200" b="1" dirty="0">
+              <a:solidFill>
+                <a:srgbClr val="7030A0"/>
+              </a:solidFill>
+            </a:endParaRPr>
+          </a:p>
+        </p:txBody>
+      </p:sp>
+      <p:pic>
+        <p:nvPicPr>
+          <p:cNvPr id="1026" name="Picture 2" descr="Series RLC Circuit Analysis"/>
+          <p:cNvPicPr>
+            <a:picLocks noChangeAspect="1" noChangeArrowheads="1"/>
+          </p:cNvPicPr>
+          <p:nvPr/>
+        </p:nvPicPr>
+        <p:blipFill>
+          <a:blip r:embed="rId2">
+            <a:extLst>
+              <a:ext uri="{28A0092B-C50C-407E-A947-70E740481C1C}">
+                <a14:useLocalDpi xmlns:a14="http://schemas.microsoft.com/office/drawing/2010/main" val="0"/>
+              </a:ext>
+            </a:extLst>
+          </a:blip>
+          <a:srcRect/>
+          <a:stretch>
+            <a:fillRect/>
+          </a:stretch>
+        </p:blipFill>
+        <p:spPr bwMode="auto">
+          <a:xfrm>
+            <a:off x="353743" y="1450905"/>
+            <a:ext cx="5929492" cy="3121095"/>
+          </a:xfrm>
+          <a:prstGeom prst="rect">
+            <a:avLst/>
+          </a:prstGeom>
+          <a:noFill/>
+          <a:extLst>
+            <a:ext uri="{909E8E84-426E-40DD-AFC4-6F175D3DCCD1}">
+              <a14:hiddenFill xmlns:a14="http://schemas.microsoft.com/office/drawing/2010/main">
+                <a:solidFill>
+                  <a:srgbClr val="FFFFFF"/>
+                </a:solidFill>
+              </a14:hiddenFill>
+            </a:ext>
+          </a:extLst>
+        </p:spPr>
+      </p:pic>
+      <p:pic>
+        <p:nvPicPr>
+          <p:cNvPr id="4" name="Picture 3"/>
+          <p:cNvPicPr>
+            <a:picLocks noChangeAspect="1"/>
+          </p:cNvPicPr>
+          <p:nvPr/>
+        </p:nvPicPr>
+        <p:blipFill>
+          <a:blip r:embed="rId3"/>
+          <a:stretch>
+            <a:fillRect/>
+          </a:stretch>
+        </p:blipFill>
+        <p:spPr>
+          <a:xfrm>
+            <a:off x="6814729" y="3425870"/>
+            <a:ext cx="5276850" cy="3324225"/>
+          </a:xfrm>
+          <a:prstGeom prst="rect">
+            <a:avLst/>
+          </a:prstGeom>
+        </p:spPr>
+      </p:pic>
+    </p:spTree>
+    <p:extLst>
+      <p:ext uri="{BB962C8B-B14F-4D97-AF65-F5344CB8AC3E}">
+        <p14:creationId xmlns:p14="http://schemas.microsoft.com/office/powerpoint/2010/main" val="1186658614"/>
+      </p:ext>
+    </p:extLst>
+  </p:cSld>
+  <p:clrMapOvr>
+    <a:masterClrMapping/>
+  </p:clrMapOvr>
+  <p:timing>
+    <p:tnLst>
+      <p:par>
+        <p:cTn id="1" dur="indefinite" restart="never" nodeType="tmRoot"/>
+      </p:par>
+    </p:tnLst>
+  </p:timing>
+</p:sld>
+</file>
+
+<file path=ppt/slides/slide17.xml><?xml version="1.0" encoding="utf-8"?>
+<p:sld xmlns:a="http://schemas.openxmlformats.org/drawingml/2006/main" xmlns:r="http://schemas.openxmlformats.org/officeDocument/2006/relationships" xmlns:p="http://schemas.openxmlformats.org/presentationml/2006/main">
+  <p:cSld>
+    <p:spTree>
+      <p:nvGrpSpPr>
+        <p:cNvPr id="1" name=""/>
+        <p:cNvGrpSpPr/>
+        <p:nvPr/>
+      </p:nvGrpSpPr>
+      <p:grpSpPr>
+        <a:xfrm>
+          <a:off x="0" y="0"/>
+          <a:ext cx="0" cy="0"/>
+          <a:chOff x="0" y="0"/>
+          <a:chExt cx="0" cy="0"/>
+        </a:xfrm>
+      </p:grpSpPr>
+      <p:pic>
+        <p:nvPicPr>
+          <p:cNvPr id="4" name="Picture 3"/>
+          <p:cNvPicPr>
+            <a:picLocks noChangeAspect="1"/>
+          </p:cNvPicPr>
+          <p:nvPr/>
+        </p:nvPicPr>
+        <p:blipFill>
+          <a:blip r:embed="rId2"/>
+          <a:stretch>
+            <a:fillRect/>
+          </a:stretch>
+        </p:blipFill>
+        <p:spPr>
+          <a:xfrm>
+            <a:off x="2042568" y="1383303"/>
+            <a:ext cx="7493318" cy="4320694"/>
+          </a:xfrm>
+          <a:prstGeom prst="rect">
+            <a:avLst/>
+          </a:prstGeom>
+        </p:spPr>
+      </p:pic>
+    </p:spTree>
+    <p:extLst>
+      <p:ext uri="{BB962C8B-B14F-4D97-AF65-F5344CB8AC3E}">
+        <p14:creationId xmlns:p14="http://schemas.microsoft.com/office/powerpoint/2010/main" val="1167008907"/>
+      </p:ext>
+    </p:extLst>
+  </p:cSld>
+  <p:clrMapOvr>
+    <a:masterClrMapping/>
+  </p:clrMapOvr>
+  <p:timing>
+    <p:tnLst>
+      <p:par>
+        <p:cTn id="1" dur="indefinite" restart="never" nodeType="tmRoot"/>
+      </p:par>
+    </p:tnLst>
+  </p:timing>
+</p:sld>
+</file>
+
+<file path=ppt/slides/slide18.xml><?xml version="1.0" encoding="utf-8"?>
+<p:sld xmlns:a="http://schemas.openxmlformats.org/drawingml/2006/main" xmlns:r="http://schemas.openxmlformats.org/officeDocument/2006/relationships" xmlns:p="http://schemas.openxmlformats.org/presentationml/2006/main">
+  <p:cSld>
+    <p:spTree>
+      <p:nvGrpSpPr>
+        <p:cNvPr id="1" name=""/>
+        <p:cNvGrpSpPr/>
+        <p:nvPr/>
+      </p:nvGrpSpPr>
+      <p:grpSpPr>
+        <a:xfrm>
+          <a:off x="0" y="0"/>
+          <a:ext cx="0" cy="0"/>
+          <a:chOff x="0" y="0"/>
+          <a:chExt cx="0" cy="0"/>
+        </a:xfrm>
+      </p:grpSpPr>
+      <p:pic>
+        <p:nvPicPr>
+          <p:cNvPr id="4" name="Picture 3"/>
+          <p:cNvPicPr>
+            <a:picLocks noChangeAspect="1"/>
+          </p:cNvPicPr>
+          <p:nvPr/>
+        </p:nvPicPr>
+        <p:blipFill>
+          <a:blip r:embed="rId2"/>
+          <a:stretch>
+            <a:fillRect/>
+          </a:stretch>
+        </p:blipFill>
+        <p:spPr>
+          <a:xfrm>
+            <a:off x="574766" y="376101"/>
+            <a:ext cx="6936378" cy="4020448"/>
+          </a:xfrm>
+          <a:prstGeom prst="rect">
+            <a:avLst/>
+          </a:prstGeom>
+        </p:spPr>
+      </p:pic>
+      <p:pic>
+        <p:nvPicPr>
+          <p:cNvPr id="5" name="Picture 4"/>
+          <p:cNvPicPr>
+            <a:picLocks noChangeAspect="1"/>
+          </p:cNvPicPr>
+          <p:nvPr/>
+        </p:nvPicPr>
+        <p:blipFill>
+          <a:blip r:embed="rId3"/>
+          <a:stretch>
+            <a:fillRect/>
+          </a:stretch>
+        </p:blipFill>
+        <p:spPr>
+          <a:xfrm>
+            <a:off x="5892028" y="3522888"/>
+            <a:ext cx="5771643" cy="2943225"/>
+          </a:xfrm>
+          <a:prstGeom prst="rect">
+            <a:avLst/>
+          </a:prstGeom>
+        </p:spPr>
+      </p:pic>
+    </p:spTree>
+    <p:extLst>
+      <p:ext uri="{BB962C8B-B14F-4D97-AF65-F5344CB8AC3E}">
+        <p14:creationId xmlns:p14="http://schemas.microsoft.com/office/powerpoint/2010/main" val="2980557090"/>
+      </p:ext>
+    </p:extLst>
+  </p:cSld>
+  <p:clrMapOvr>
+    <a:masterClrMapping/>
+  </p:clrMapOvr>
+  <p:timing>
+    <p:tnLst>
+      <p:par>
+        <p:cTn id="1" dur="indefinite" restart="never" nodeType="tmRoot"/>
+      </p:par>
+    </p:tnLst>
+  </p:timing>
+</p:sld>
+</file>
+
+<file path=ppt/slides/slide19.xml><?xml version="1.0" encoding="utf-8"?>
+<p:sld xmlns:a="http://schemas.openxmlformats.org/drawingml/2006/main" xmlns:r="http://schemas.openxmlformats.org/officeDocument/2006/relationships" xmlns:p="http://schemas.openxmlformats.org/presentationml/2006/main">
+  <p:cSld>
+    <p:spTree>
+      <p:nvGrpSpPr>
+        <p:cNvPr id="1" name=""/>
+        <p:cNvGrpSpPr/>
+        <p:nvPr/>
+      </p:nvGrpSpPr>
+      <p:grpSpPr>
+        <a:xfrm>
+          <a:off x="0" y="0"/>
+          <a:ext cx="0" cy="0"/>
+          <a:chOff x="0" y="0"/>
+          <a:chExt cx="0" cy="0"/>
+        </a:xfrm>
+      </p:grpSpPr>
+      <p:sp>
+        <p:nvSpPr>
+          <p:cNvPr id="2" name="Title 1"/>
+          <p:cNvSpPr>
+            <a:spLocks noGrp="1"/>
+          </p:cNvSpPr>
+          <p:nvPr>
+            <p:ph type="title"/>
+          </p:nvPr>
+        </p:nvSpPr>
+        <p:spPr>
+          <a:xfrm>
+            <a:off x="274319" y="365125"/>
+            <a:ext cx="11599817" cy="4755515"/>
+          </a:xfrm>
+        </p:spPr>
+        <p:txBody>
+          <a:bodyPr>
+            <a:noAutofit/>
+          </a:bodyPr>
+          <a:lstStyle/>
+          <a:p>
+            <a:pPr algn="just"/>
+            <a:r>
+              <a:rPr lang="en-US" dirty="0" smtClean="0">
+                <a:solidFill>
+                  <a:srgbClr val="C00000"/>
+                </a:solidFill>
+              </a:rPr>
+              <a:t>A </a:t>
+            </a:r>
+            <a:r>
+              <a:rPr lang="en-US" dirty="0">
+                <a:solidFill>
+                  <a:srgbClr val="C00000"/>
+                </a:solidFill>
+              </a:rPr>
+              <a:t>series RLC circuit containing a resistance of 12Ω, an inductance of 0.15H and a capacitor of 100uF are connected in series across a 100V, 50Hz supply. Calculate the total circuit impedance, the circuits current, power factor and draw the voltage </a:t>
+            </a:r>
+            <a:r>
+              <a:rPr lang="en-US" dirty="0" smtClean="0">
+                <a:solidFill>
+                  <a:srgbClr val="C00000"/>
+                </a:solidFill>
+              </a:rPr>
+              <a:t>phasor diagram</a:t>
+            </a:r>
+            <a:r>
+              <a:rPr lang="en-US" dirty="0">
+                <a:solidFill>
+                  <a:srgbClr val="C00000"/>
+                </a:solidFill>
+              </a:rPr>
+              <a:t>.</a:t>
+            </a:r>
+            <a:br>
+              <a:rPr lang="en-US" dirty="0">
+                <a:solidFill>
+                  <a:srgbClr val="C00000"/>
+                </a:solidFill>
+              </a:rPr>
+            </a:br>
+            <a:endParaRPr lang="en-GB" dirty="0">
+              <a:solidFill>
+                <a:srgbClr val="C00000"/>
+              </a:solidFill>
+            </a:endParaRPr>
+          </a:p>
+        </p:txBody>
+      </p:sp>
+      <p:pic>
+        <p:nvPicPr>
+          <p:cNvPr id="4" name="Picture 3"/>
+          <p:cNvPicPr>
+            <a:picLocks noChangeAspect="1"/>
+          </p:cNvPicPr>
+          <p:nvPr/>
+        </p:nvPicPr>
+        <p:blipFill>
+          <a:blip r:embed="rId2"/>
+          <a:stretch>
+            <a:fillRect/>
+          </a:stretch>
+        </p:blipFill>
+        <p:spPr>
+          <a:xfrm>
+            <a:off x="2975201" y="4102827"/>
+            <a:ext cx="5881416" cy="2546168"/>
+          </a:xfrm>
+          <a:prstGeom prst="rect">
+            <a:avLst/>
+          </a:prstGeom>
+        </p:spPr>
+      </p:pic>
+    </p:spTree>
+    <p:extLst>
+      <p:ext uri="{BB962C8B-B14F-4D97-AF65-F5344CB8AC3E}">
+        <p14:creationId xmlns:p14="http://schemas.microsoft.com/office/powerpoint/2010/main" val="2591708064"/>
+      </p:ext>
+    </p:extLst>
+  </p:cSld>
+  <p:clrMapOvr>
+    <a:masterClrMapping/>
+  </p:clrMapOvr>
+  <p:timing>
+    <p:tnLst>
+      <p:par>
+        <p:cTn id="1" dur="indefinite" restart="never" nodeType="tmRoot"/>
+      </p:par>
+    </p:tnLst>
+  </p:timing>
 </p:sld>
 </file>
 
@@ -18609,6 +18248,244 @@
   <p:clrMapOvr>
     <a:masterClrMapping/>
   </p:clrMapOvr>
+  <p:timing>
+    <p:tnLst>
+      <p:par>
+        <p:cTn id="1" dur="indefinite" restart="never" nodeType="tmRoot"/>
+      </p:par>
+    </p:tnLst>
+  </p:timing>
+</p:sld>
+</file>
+
+<file path=ppt/slides/slide20.xml><?xml version="1.0" encoding="utf-8"?>
+<p:sld xmlns:a="http://schemas.openxmlformats.org/drawingml/2006/main" xmlns:r="http://schemas.openxmlformats.org/officeDocument/2006/relationships" xmlns:p="http://schemas.openxmlformats.org/presentationml/2006/main">
+  <p:cSld>
+    <p:spTree>
+      <p:nvGrpSpPr>
+        <p:cNvPr id="1" name=""/>
+        <p:cNvGrpSpPr/>
+        <p:nvPr/>
+      </p:nvGrpSpPr>
+      <p:grpSpPr>
+        <a:xfrm>
+          <a:off x="0" y="0"/>
+          <a:ext cx="0" cy="0"/>
+          <a:chOff x="0" y="0"/>
+          <a:chExt cx="0" cy="0"/>
+        </a:xfrm>
+      </p:grpSpPr>
+      <p:pic>
+        <p:nvPicPr>
+          <p:cNvPr id="4" name="Picture 3"/>
+          <p:cNvPicPr>
+            <a:picLocks noChangeAspect="1"/>
+          </p:cNvPicPr>
+          <p:nvPr/>
+        </p:nvPicPr>
+        <p:blipFill>
+          <a:blip r:embed="rId2"/>
+          <a:stretch>
+            <a:fillRect/>
+          </a:stretch>
+        </p:blipFill>
+        <p:spPr>
+          <a:xfrm>
+            <a:off x="1092653" y="476113"/>
+            <a:ext cx="6849563" cy="2829167"/>
+          </a:xfrm>
+          <a:prstGeom prst="rect">
+            <a:avLst/>
+          </a:prstGeom>
+        </p:spPr>
+      </p:pic>
+      <p:pic>
+        <p:nvPicPr>
+          <p:cNvPr id="5" name="Picture 4"/>
+          <p:cNvPicPr>
+            <a:picLocks noChangeAspect="1"/>
+          </p:cNvPicPr>
+          <p:nvPr/>
+        </p:nvPicPr>
+        <p:blipFill>
+          <a:blip r:embed="rId3"/>
+          <a:stretch>
+            <a:fillRect/>
+          </a:stretch>
+        </p:blipFill>
+        <p:spPr>
+          <a:xfrm>
+            <a:off x="1139870" y="3714342"/>
+            <a:ext cx="6541091" cy="2699521"/>
+          </a:xfrm>
+          <a:prstGeom prst="rect">
+            <a:avLst/>
+          </a:prstGeom>
+        </p:spPr>
+      </p:pic>
+    </p:spTree>
+    <p:extLst>
+      <p:ext uri="{BB962C8B-B14F-4D97-AF65-F5344CB8AC3E}">
+        <p14:creationId xmlns:p14="http://schemas.microsoft.com/office/powerpoint/2010/main" val="4272532762"/>
+      </p:ext>
+    </p:extLst>
+  </p:cSld>
+  <p:clrMapOvr>
+    <a:masterClrMapping/>
+  </p:clrMapOvr>
+  <p:timing>
+    <p:tnLst>
+      <p:par>
+        <p:cTn id="1" dur="indefinite" restart="never" nodeType="tmRoot"/>
+      </p:par>
+    </p:tnLst>
+  </p:timing>
+</p:sld>
+</file>
+
+<file path=ppt/slides/slide21.xml><?xml version="1.0" encoding="utf-8"?>
+<p:sld xmlns:a="http://schemas.openxmlformats.org/drawingml/2006/main" xmlns:r="http://schemas.openxmlformats.org/officeDocument/2006/relationships" xmlns:p="http://schemas.openxmlformats.org/presentationml/2006/main">
+  <p:cSld>
+    <p:spTree>
+      <p:nvGrpSpPr>
+        <p:cNvPr id="1" name=""/>
+        <p:cNvGrpSpPr/>
+        <p:nvPr/>
+      </p:nvGrpSpPr>
+      <p:grpSpPr>
+        <a:xfrm>
+          <a:off x="0" y="0"/>
+          <a:ext cx="0" cy="0"/>
+          <a:chOff x="0" y="0"/>
+          <a:chExt cx="0" cy="0"/>
+        </a:xfrm>
+      </p:grpSpPr>
+      <p:pic>
+        <p:nvPicPr>
+          <p:cNvPr id="4" name="Picture 3"/>
+          <p:cNvPicPr>
+            <a:picLocks noChangeAspect="1"/>
+          </p:cNvPicPr>
+          <p:nvPr/>
+        </p:nvPicPr>
+        <p:blipFill>
+          <a:blip r:embed="rId2"/>
+          <a:stretch>
+            <a:fillRect/>
+          </a:stretch>
+        </p:blipFill>
+        <p:spPr>
+          <a:xfrm>
+            <a:off x="949098" y="327387"/>
+            <a:ext cx="8378402" cy="3983356"/>
+          </a:xfrm>
+          <a:prstGeom prst="rect">
+            <a:avLst/>
+          </a:prstGeom>
+        </p:spPr>
+      </p:pic>
+      <p:pic>
+        <p:nvPicPr>
+          <p:cNvPr id="5" name="Picture 4"/>
+          <p:cNvPicPr>
+            <a:picLocks noChangeAspect="1"/>
+          </p:cNvPicPr>
+          <p:nvPr/>
+        </p:nvPicPr>
+        <p:blipFill>
+          <a:blip r:embed="rId3"/>
+          <a:stretch>
+            <a:fillRect/>
+          </a:stretch>
+        </p:blipFill>
+        <p:spPr>
+          <a:xfrm>
+            <a:off x="1168445" y="4756648"/>
+            <a:ext cx="5297669" cy="1838325"/>
+          </a:xfrm>
+          <a:prstGeom prst="rect">
+            <a:avLst/>
+          </a:prstGeom>
+        </p:spPr>
+      </p:pic>
+    </p:spTree>
+    <p:extLst>
+      <p:ext uri="{BB962C8B-B14F-4D97-AF65-F5344CB8AC3E}">
+        <p14:creationId xmlns:p14="http://schemas.microsoft.com/office/powerpoint/2010/main" val="1266688289"/>
+      </p:ext>
+    </p:extLst>
+  </p:cSld>
+  <p:clrMapOvr>
+    <a:masterClrMapping/>
+  </p:clrMapOvr>
+  <p:timing>
+    <p:tnLst>
+      <p:par>
+        <p:cTn id="1" dur="indefinite" restart="never" nodeType="tmRoot"/>
+      </p:par>
+    </p:tnLst>
+  </p:timing>
+</p:sld>
+</file>
+
+<file path=ppt/slides/slide22.xml><?xml version="1.0" encoding="utf-8"?>
+<p:sld xmlns:a="http://schemas.openxmlformats.org/drawingml/2006/main" xmlns:r="http://schemas.openxmlformats.org/officeDocument/2006/relationships" xmlns:p="http://schemas.openxmlformats.org/presentationml/2006/main">
+  <p:cSld>
+    <p:spTree>
+      <p:nvGrpSpPr>
+        <p:cNvPr id="1" name=""/>
+        <p:cNvGrpSpPr/>
+        <p:nvPr/>
+      </p:nvGrpSpPr>
+      <p:grpSpPr>
+        <a:xfrm>
+          <a:off x="0" y="0"/>
+          <a:ext cx="0" cy="0"/>
+          <a:chOff x="0" y="0"/>
+          <a:chExt cx="0" cy="0"/>
+        </a:xfrm>
+      </p:grpSpPr>
+      <p:pic>
+        <p:nvPicPr>
+          <p:cNvPr id="4" name="Picture 3"/>
+          <p:cNvPicPr>
+            <a:picLocks noChangeAspect="1"/>
+          </p:cNvPicPr>
+          <p:nvPr/>
+        </p:nvPicPr>
+        <p:blipFill>
+          <a:blip r:embed="rId2"/>
+          <a:stretch>
+            <a:fillRect/>
+          </a:stretch>
+        </p:blipFill>
+        <p:spPr>
+          <a:xfrm>
+            <a:off x="1190489" y="686072"/>
+            <a:ext cx="7626940" cy="4921484"/>
+          </a:xfrm>
+          <a:prstGeom prst="rect">
+            <a:avLst/>
+          </a:prstGeom>
+        </p:spPr>
+      </p:pic>
+    </p:spTree>
+    <p:extLst>
+      <p:ext uri="{BB962C8B-B14F-4D97-AF65-F5344CB8AC3E}">
+        <p14:creationId xmlns:p14="http://schemas.microsoft.com/office/powerpoint/2010/main" val="87497489"/>
+      </p:ext>
+    </p:extLst>
+  </p:cSld>
+  <p:clrMapOvr>
+    <a:masterClrMapping/>
+  </p:clrMapOvr>
+  <p:timing>
+    <p:tnLst>
+      <p:par>
+        <p:cTn id="1" dur="indefinite" restart="never" nodeType="tmRoot"/>
+      </p:par>
+    </p:tnLst>
+  </p:timing>
 </p:sld>
 </file>
 
@@ -18782,6 +18659,13 @@
   <p:clrMapOvr>
     <a:masterClrMapping/>
   </p:clrMapOvr>
+  <p:timing>
+    <p:tnLst>
+      <p:par>
+        <p:cTn id="1" dur="indefinite" restart="never" nodeType="tmRoot"/>
+      </p:par>
+    </p:tnLst>
+  </p:timing>
 </p:sld>
 </file>
 
@@ -20447,6 +20331,13 @@
   <p:clrMapOvr>
     <a:masterClrMapping/>
   </p:clrMapOvr>
+  <p:timing>
+    <p:tnLst>
+      <p:par>
+        <p:cTn id="1" dur="indefinite" restart="never" nodeType="tmRoot"/>
+      </p:par>
+    </p:tnLst>
+  </p:timing>
 </p:sld>
 </file>
 
@@ -23905,6 +23796,13 @@
   <p:clrMapOvr>
     <a:masterClrMapping/>
   </p:clrMapOvr>
+  <p:timing>
+    <p:tnLst>
+      <p:par>
+        <p:cTn id="1" dur="indefinite" restart="never" nodeType="tmRoot"/>
+      </p:par>
+    </p:tnLst>
+  </p:timing>
 </p:sld>
 </file>
 
@@ -28527,4529 +28425,6 @@
   <p:clrMapOvr>
     <a:masterClrMapping/>
   </p:clrMapOvr>
-</p:sld>
-</file>
-
-<file path=ppt/slides/slide7.xml><?xml version="1.0" encoding="utf-8"?>
-<p:sld xmlns:a="http://schemas.openxmlformats.org/drawingml/2006/main" xmlns:r="http://schemas.openxmlformats.org/officeDocument/2006/relationships" xmlns:p="http://schemas.openxmlformats.org/presentationml/2006/main">
-  <p:cSld>
-    <p:spTree>
-      <p:nvGrpSpPr>
-        <p:cNvPr id="1" name=""/>
-        <p:cNvGrpSpPr/>
-        <p:nvPr/>
-      </p:nvGrpSpPr>
-      <p:grpSpPr>
-        <a:xfrm>
-          <a:off x="0" y="0"/>
-          <a:ext cx="0" cy="0"/>
-          <a:chOff x="0" y="0"/>
-          <a:chExt cx="0" cy="0"/>
-        </a:xfrm>
-      </p:grpSpPr>
-      <p:pic>
-        <p:nvPicPr>
-          <p:cNvPr id="5" name="Picture 4"/>
-          <p:cNvPicPr>
-            <a:picLocks noChangeAspect="1"/>
-          </p:cNvPicPr>
-          <p:nvPr/>
-        </p:nvPicPr>
-        <p:blipFill>
-          <a:blip r:embed="rId2"/>
-          <a:stretch>
-            <a:fillRect/>
-          </a:stretch>
-        </p:blipFill>
-        <p:spPr>
-          <a:xfrm>
-            <a:off x="5144350" y="599208"/>
-            <a:ext cx="1166732" cy="638175"/>
-          </a:xfrm>
-          <a:prstGeom prst="rect">
-            <a:avLst/>
-          </a:prstGeom>
-        </p:spPr>
-      </p:pic>
-      <p:cxnSp>
-        <p:nvCxnSpPr>
-          <p:cNvPr id="10" name="Straight Connector 9"/>
-          <p:cNvCxnSpPr/>
-          <p:nvPr/>
-        </p:nvCxnSpPr>
-        <p:spPr>
-          <a:xfrm flipH="1" flipV="1">
-            <a:off x="4452229" y="1651243"/>
-            <a:ext cx="3385" cy="688196"/>
-          </a:xfrm>
-          <a:prstGeom prst="line">
-            <a:avLst/>
-          </a:prstGeom>
-          <a:ln w="28575">
-            <a:solidFill>
-              <a:schemeClr val="tx1"/>
-            </a:solidFill>
-          </a:ln>
-        </p:spPr>
-        <p:style>
-          <a:lnRef idx="1">
-            <a:schemeClr val="accent1"/>
-          </a:lnRef>
-          <a:fillRef idx="0">
-            <a:schemeClr val="accent1"/>
-          </a:fillRef>
-          <a:effectRef idx="0">
-            <a:schemeClr val="accent1"/>
-          </a:effectRef>
-          <a:fontRef idx="minor">
-            <a:schemeClr val="tx1"/>
-          </a:fontRef>
-        </p:style>
-      </p:cxnSp>
-      <p:sp>
-        <p:nvSpPr>
-          <p:cNvPr id="11" name="Oval 10"/>
-          <p:cNvSpPr/>
-          <p:nvPr/>
-        </p:nvSpPr>
-        <p:spPr>
-          <a:xfrm>
-            <a:off x="4378646" y="820288"/>
-            <a:ext cx="216131" cy="174567"/>
-          </a:xfrm>
-          <a:prstGeom prst="ellipse">
-            <a:avLst/>
-          </a:prstGeom>
-          <a:solidFill>
-            <a:srgbClr val="00B050"/>
-          </a:solidFill>
-          <a:ln>
-            <a:noFill/>
-          </a:ln>
-        </p:spPr>
-        <p:style>
-          <a:lnRef idx="2">
-            <a:schemeClr val="accent1">
-              <a:shade val="50000"/>
-            </a:schemeClr>
-          </a:lnRef>
-          <a:fillRef idx="1">
-            <a:schemeClr val="accent1"/>
-          </a:fillRef>
-          <a:effectRef idx="0">
-            <a:schemeClr val="accent1"/>
-          </a:effectRef>
-          <a:fontRef idx="minor">
-            <a:schemeClr val="lt1"/>
-          </a:fontRef>
-        </p:style>
-        <p:txBody>
-          <a:bodyPr rtlCol="0" anchor="ctr"/>
-          <a:lstStyle/>
-          <a:p>
-            <a:pPr algn="ctr"/>
-            <a:endParaRPr lang="en-US"/>
-          </a:p>
-        </p:txBody>
-      </p:sp>
-      <p:cxnSp>
-        <p:nvCxnSpPr>
-          <p:cNvPr id="12" name="Straight Connector 11"/>
-          <p:cNvCxnSpPr/>
-          <p:nvPr/>
-        </p:nvCxnSpPr>
-        <p:spPr>
-          <a:xfrm>
-            <a:off x="6053203" y="906544"/>
-            <a:ext cx="1415935" cy="0"/>
-          </a:xfrm>
-          <a:prstGeom prst="line">
-            <a:avLst/>
-          </a:prstGeom>
-          <a:ln w="28575">
-            <a:solidFill>
-              <a:schemeClr val="tx1"/>
-            </a:solidFill>
-          </a:ln>
-        </p:spPr>
-        <p:style>
-          <a:lnRef idx="1">
-            <a:schemeClr val="accent1"/>
-          </a:lnRef>
-          <a:fillRef idx="0">
-            <a:schemeClr val="accent1"/>
-          </a:fillRef>
-          <a:effectRef idx="0">
-            <a:schemeClr val="accent1"/>
-          </a:effectRef>
-          <a:fontRef idx="minor">
-            <a:schemeClr val="tx1"/>
-          </a:fontRef>
-        </p:style>
-      </p:cxnSp>
-      <p:pic>
-        <p:nvPicPr>
-          <p:cNvPr id="13" name="Picture 12"/>
-          <p:cNvPicPr>
-            <a:picLocks noChangeAspect="1"/>
-          </p:cNvPicPr>
-          <p:nvPr/>
-        </p:nvPicPr>
-        <p:blipFill>
-          <a:blip r:embed="rId2"/>
-          <a:stretch>
-            <a:fillRect/>
-          </a:stretch>
-        </p:blipFill>
-        <p:spPr>
-          <a:xfrm rot="16200000">
-            <a:off x="6401040" y="1959057"/>
-            <a:ext cx="2105025" cy="638175"/>
-          </a:xfrm>
-          <a:prstGeom prst="rect">
-            <a:avLst/>
-          </a:prstGeom>
-        </p:spPr>
-      </p:pic>
-      <p:cxnSp>
-        <p:nvCxnSpPr>
-          <p:cNvPr id="14" name="Straight Connector 13"/>
-          <p:cNvCxnSpPr/>
-          <p:nvPr/>
-        </p:nvCxnSpPr>
-        <p:spPr>
-          <a:xfrm flipV="1">
-            <a:off x="7453553" y="906544"/>
-            <a:ext cx="0" cy="569424"/>
-          </a:xfrm>
-          <a:prstGeom prst="line">
-            <a:avLst/>
-          </a:prstGeom>
-          <a:ln w="28575">
-            <a:solidFill>
-              <a:schemeClr val="tx1"/>
-            </a:solidFill>
-          </a:ln>
-        </p:spPr>
-        <p:style>
-          <a:lnRef idx="1">
-            <a:schemeClr val="accent1"/>
-          </a:lnRef>
-          <a:fillRef idx="0">
-            <a:schemeClr val="accent1"/>
-          </a:fillRef>
-          <a:effectRef idx="0">
-            <a:schemeClr val="accent1"/>
-          </a:effectRef>
-          <a:fontRef idx="minor">
-            <a:schemeClr val="tx1"/>
-          </a:fontRef>
-        </p:style>
-      </p:cxnSp>
-      <p:sp>
-        <p:nvSpPr>
-          <p:cNvPr id="15" name="Oval 14"/>
-          <p:cNvSpPr/>
-          <p:nvPr/>
-        </p:nvSpPr>
-        <p:spPr>
-          <a:xfrm>
-            <a:off x="7348256" y="804238"/>
-            <a:ext cx="216131" cy="174567"/>
-          </a:xfrm>
-          <a:prstGeom prst="ellipse">
-            <a:avLst/>
-          </a:prstGeom>
-          <a:solidFill>
-            <a:srgbClr val="00B050"/>
-          </a:solidFill>
-          <a:ln>
-            <a:noFill/>
-          </a:ln>
-        </p:spPr>
-        <p:style>
-          <a:lnRef idx="2">
-            <a:schemeClr val="accent1">
-              <a:shade val="50000"/>
-            </a:schemeClr>
-          </a:lnRef>
-          <a:fillRef idx="1">
-            <a:schemeClr val="accent1"/>
-          </a:fillRef>
-          <a:effectRef idx="0">
-            <a:schemeClr val="accent1"/>
-          </a:effectRef>
-          <a:fontRef idx="minor">
-            <a:schemeClr val="lt1"/>
-          </a:fontRef>
-        </p:style>
-        <p:txBody>
-          <a:bodyPr rtlCol="0" anchor="ctr"/>
-          <a:lstStyle/>
-          <a:p>
-            <a:pPr algn="ctr"/>
-            <a:endParaRPr lang="en-US"/>
-          </a:p>
-        </p:txBody>
-      </p:sp>
-      <p:pic>
-        <p:nvPicPr>
-          <p:cNvPr id="16" name="Picture 15"/>
-          <p:cNvPicPr>
-            <a:picLocks noChangeAspect="1"/>
-          </p:cNvPicPr>
-          <p:nvPr/>
-        </p:nvPicPr>
-        <p:blipFill>
-          <a:blip r:embed="rId2"/>
-          <a:stretch>
-            <a:fillRect/>
-          </a:stretch>
-        </p:blipFill>
-        <p:spPr>
-          <a:xfrm>
-            <a:off x="7609956" y="587457"/>
-            <a:ext cx="2105025" cy="638175"/>
-          </a:xfrm>
-          <a:prstGeom prst="rect">
-            <a:avLst/>
-          </a:prstGeom>
-        </p:spPr>
-      </p:pic>
-      <p:cxnSp>
-        <p:nvCxnSpPr>
-          <p:cNvPr id="17" name="Straight Connector 16"/>
-          <p:cNvCxnSpPr>
-            <a:stCxn id="15" idx="6"/>
-          </p:cNvCxnSpPr>
-          <p:nvPr/>
-        </p:nvCxnSpPr>
-        <p:spPr>
-          <a:xfrm>
-            <a:off x="7564387" y="891522"/>
-            <a:ext cx="589354" cy="15023"/>
-          </a:xfrm>
-          <a:prstGeom prst="line">
-            <a:avLst/>
-          </a:prstGeom>
-          <a:ln w="28575">
-            <a:solidFill>
-              <a:schemeClr val="tx1"/>
-            </a:solidFill>
-          </a:ln>
-        </p:spPr>
-        <p:style>
-          <a:lnRef idx="1">
-            <a:schemeClr val="accent1"/>
-          </a:lnRef>
-          <a:fillRef idx="0">
-            <a:schemeClr val="accent1"/>
-          </a:fillRef>
-          <a:effectRef idx="0">
-            <a:schemeClr val="accent1"/>
-          </a:effectRef>
-          <a:fontRef idx="minor">
-            <a:schemeClr val="tx1"/>
-          </a:fontRef>
-        </p:style>
-      </p:cxnSp>
-      <p:cxnSp>
-        <p:nvCxnSpPr>
-          <p:cNvPr id="18" name="Straight Connector 17"/>
-          <p:cNvCxnSpPr/>
-          <p:nvPr/>
-        </p:nvCxnSpPr>
-        <p:spPr>
-          <a:xfrm>
-            <a:off x="4320604" y="2456656"/>
-            <a:ext cx="256484" cy="9700"/>
-          </a:xfrm>
-          <a:prstGeom prst="line">
-            <a:avLst/>
-          </a:prstGeom>
-          <a:ln w="28575">
-            <a:solidFill>
-              <a:srgbClr val="C00000"/>
-            </a:solidFill>
-          </a:ln>
-        </p:spPr>
-        <p:style>
-          <a:lnRef idx="1">
-            <a:schemeClr val="accent1"/>
-          </a:lnRef>
-          <a:fillRef idx="0">
-            <a:schemeClr val="accent1"/>
-          </a:fillRef>
-          <a:effectRef idx="0">
-            <a:schemeClr val="accent1"/>
-          </a:effectRef>
-          <a:fontRef idx="minor">
-            <a:schemeClr val="tx1"/>
-          </a:fontRef>
-        </p:style>
-      </p:cxnSp>
-      <p:cxnSp>
-        <p:nvCxnSpPr>
-          <p:cNvPr id="19" name="Straight Connector 18"/>
-          <p:cNvCxnSpPr/>
-          <p:nvPr/>
-        </p:nvCxnSpPr>
-        <p:spPr>
-          <a:xfrm>
-            <a:off x="4234572" y="2339438"/>
-            <a:ext cx="442081" cy="9699"/>
-          </a:xfrm>
-          <a:prstGeom prst="line">
-            <a:avLst/>
-          </a:prstGeom>
-          <a:ln w="28575">
-            <a:solidFill>
-              <a:srgbClr val="7030A0"/>
-            </a:solidFill>
-          </a:ln>
-        </p:spPr>
-        <p:style>
-          <a:lnRef idx="1">
-            <a:schemeClr val="accent1"/>
-          </a:lnRef>
-          <a:fillRef idx="0">
-            <a:schemeClr val="accent1"/>
-          </a:fillRef>
-          <a:effectRef idx="0">
-            <a:schemeClr val="accent1"/>
-          </a:effectRef>
-          <a:fontRef idx="minor">
-            <a:schemeClr val="tx1"/>
-          </a:fontRef>
-        </p:style>
-      </p:cxnSp>
-      <p:cxnSp>
-        <p:nvCxnSpPr>
-          <p:cNvPr id="21" name="Straight Connector 20"/>
-          <p:cNvCxnSpPr/>
-          <p:nvPr/>
-        </p:nvCxnSpPr>
-        <p:spPr>
-          <a:xfrm>
-            <a:off x="4448846" y="2466356"/>
-            <a:ext cx="6767" cy="1303923"/>
-          </a:xfrm>
-          <a:prstGeom prst="line">
-            <a:avLst/>
-          </a:prstGeom>
-          <a:ln w="28575">
-            <a:solidFill>
-              <a:schemeClr val="tx1"/>
-            </a:solidFill>
-          </a:ln>
-        </p:spPr>
-        <p:style>
-          <a:lnRef idx="1">
-            <a:schemeClr val="accent1"/>
-          </a:lnRef>
-          <a:fillRef idx="0">
-            <a:schemeClr val="accent1"/>
-          </a:fillRef>
-          <a:effectRef idx="0">
-            <a:schemeClr val="accent1"/>
-          </a:effectRef>
-          <a:fontRef idx="minor">
-            <a:schemeClr val="tx1"/>
-          </a:fontRef>
-        </p:style>
-      </p:cxnSp>
-      <p:cxnSp>
-        <p:nvCxnSpPr>
-          <p:cNvPr id="23" name="Straight Connector 22"/>
-          <p:cNvCxnSpPr/>
-          <p:nvPr/>
-        </p:nvCxnSpPr>
-        <p:spPr>
-          <a:xfrm>
-            <a:off x="4448847" y="3770279"/>
-            <a:ext cx="3115540" cy="0"/>
-          </a:xfrm>
-          <a:prstGeom prst="line">
-            <a:avLst/>
-          </a:prstGeom>
-          <a:ln w="28575">
-            <a:solidFill>
-              <a:schemeClr val="tx1"/>
-            </a:solidFill>
-          </a:ln>
-        </p:spPr>
-        <p:style>
-          <a:lnRef idx="1">
-            <a:schemeClr val="accent1"/>
-          </a:lnRef>
-          <a:fillRef idx="0">
-            <a:schemeClr val="accent1"/>
-          </a:fillRef>
-          <a:effectRef idx="0">
-            <a:schemeClr val="accent1"/>
-          </a:effectRef>
-          <a:fontRef idx="minor">
-            <a:schemeClr val="tx1"/>
-          </a:fontRef>
-        </p:style>
-      </p:cxnSp>
-      <p:cxnSp>
-        <p:nvCxnSpPr>
-          <p:cNvPr id="24" name="Straight Connector 23"/>
-          <p:cNvCxnSpPr/>
-          <p:nvPr/>
-        </p:nvCxnSpPr>
-        <p:spPr>
-          <a:xfrm flipV="1">
-            <a:off x="7453553" y="3030449"/>
-            <a:ext cx="0" cy="739830"/>
-          </a:xfrm>
-          <a:prstGeom prst="line">
-            <a:avLst/>
-          </a:prstGeom>
-          <a:ln w="28575">
-            <a:solidFill>
-              <a:schemeClr val="tx1"/>
-            </a:solidFill>
-          </a:ln>
-        </p:spPr>
-        <p:style>
-          <a:lnRef idx="1">
-            <a:schemeClr val="accent1"/>
-          </a:lnRef>
-          <a:fillRef idx="0">
-            <a:schemeClr val="accent1"/>
-          </a:fillRef>
-          <a:effectRef idx="0">
-            <a:schemeClr val="accent1"/>
-          </a:effectRef>
-          <a:fontRef idx="minor">
-            <a:schemeClr val="tx1"/>
-          </a:fontRef>
-        </p:style>
-      </p:cxnSp>
-      <p:cxnSp>
-        <p:nvCxnSpPr>
-          <p:cNvPr id="25" name="Straight Connector 24"/>
-          <p:cNvCxnSpPr/>
-          <p:nvPr/>
-        </p:nvCxnSpPr>
-        <p:spPr>
-          <a:xfrm>
-            <a:off x="10815616" y="2042619"/>
-            <a:ext cx="256484" cy="9700"/>
-          </a:xfrm>
-          <a:prstGeom prst="line">
-            <a:avLst/>
-          </a:prstGeom>
-          <a:ln w="28575">
-            <a:solidFill>
-              <a:srgbClr val="C00000"/>
-            </a:solidFill>
-          </a:ln>
-        </p:spPr>
-        <p:style>
-          <a:lnRef idx="1">
-            <a:schemeClr val="accent1"/>
-          </a:lnRef>
-          <a:fillRef idx="0">
-            <a:schemeClr val="accent1"/>
-          </a:fillRef>
-          <a:effectRef idx="0">
-            <a:schemeClr val="accent1"/>
-          </a:effectRef>
-          <a:fontRef idx="minor">
-            <a:schemeClr val="tx1"/>
-          </a:fontRef>
-        </p:style>
-      </p:cxnSp>
-      <p:cxnSp>
-        <p:nvCxnSpPr>
-          <p:cNvPr id="26" name="Straight Connector 25"/>
-          <p:cNvCxnSpPr/>
-          <p:nvPr/>
-        </p:nvCxnSpPr>
-        <p:spPr>
-          <a:xfrm>
-            <a:off x="10722817" y="1958106"/>
-            <a:ext cx="442081" cy="9699"/>
-          </a:xfrm>
-          <a:prstGeom prst="line">
-            <a:avLst/>
-          </a:prstGeom>
-          <a:ln w="28575">
-            <a:solidFill>
-              <a:srgbClr val="7030A0"/>
-            </a:solidFill>
-          </a:ln>
-        </p:spPr>
-        <p:style>
-          <a:lnRef idx="1">
-            <a:schemeClr val="accent1"/>
-          </a:lnRef>
-          <a:fillRef idx="0">
-            <a:schemeClr val="accent1"/>
-          </a:fillRef>
-          <a:effectRef idx="0">
-            <a:schemeClr val="accent1"/>
-          </a:effectRef>
-          <a:fontRef idx="minor">
-            <a:schemeClr val="tx1"/>
-          </a:fontRef>
-        </p:style>
-      </p:cxnSp>
-      <p:cxnSp>
-        <p:nvCxnSpPr>
-          <p:cNvPr id="27" name="Straight Connector 26"/>
-          <p:cNvCxnSpPr/>
-          <p:nvPr/>
-        </p:nvCxnSpPr>
-        <p:spPr>
-          <a:xfrm>
-            <a:off x="9527923" y="906544"/>
-            <a:ext cx="1415935" cy="0"/>
-          </a:xfrm>
-          <a:prstGeom prst="line">
-            <a:avLst/>
-          </a:prstGeom>
-          <a:ln w="28575">
-            <a:solidFill>
-              <a:schemeClr val="tx1"/>
-            </a:solidFill>
-          </a:ln>
-        </p:spPr>
-        <p:style>
-          <a:lnRef idx="1">
-            <a:schemeClr val="accent1"/>
-          </a:lnRef>
-          <a:fillRef idx="0">
-            <a:schemeClr val="accent1"/>
-          </a:fillRef>
-          <a:effectRef idx="0">
-            <a:schemeClr val="accent1"/>
-          </a:effectRef>
-          <a:fontRef idx="minor">
-            <a:schemeClr val="tx1"/>
-          </a:fontRef>
-        </p:style>
-      </p:cxnSp>
-      <p:cxnSp>
-        <p:nvCxnSpPr>
-          <p:cNvPr id="28" name="Straight Connector 27"/>
-          <p:cNvCxnSpPr/>
-          <p:nvPr/>
-        </p:nvCxnSpPr>
-        <p:spPr>
-          <a:xfrm flipV="1">
-            <a:off x="10943858" y="906544"/>
-            <a:ext cx="0" cy="1051562"/>
-          </a:xfrm>
-          <a:prstGeom prst="line">
-            <a:avLst/>
-          </a:prstGeom>
-          <a:ln w="28575">
-            <a:solidFill>
-              <a:schemeClr val="tx1"/>
-            </a:solidFill>
-          </a:ln>
-        </p:spPr>
-        <p:style>
-          <a:lnRef idx="1">
-            <a:schemeClr val="accent1"/>
-          </a:lnRef>
-          <a:fillRef idx="0">
-            <a:schemeClr val="accent1"/>
-          </a:fillRef>
-          <a:effectRef idx="0">
-            <a:schemeClr val="accent1"/>
-          </a:effectRef>
-          <a:fontRef idx="minor">
-            <a:schemeClr val="tx1"/>
-          </a:fontRef>
-        </p:style>
-      </p:cxnSp>
-      <p:cxnSp>
-        <p:nvCxnSpPr>
-          <p:cNvPr id="29" name="Straight Connector 28"/>
-          <p:cNvCxnSpPr/>
-          <p:nvPr/>
-        </p:nvCxnSpPr>
-        <p:spPr>
-          <a:xfrm flipV="1">
-            <a:off x="10943858" y="2052319"/>
-            <a:ext cx="0" cy="1717960"/>
-          </a:xfrm>
-          <a:prstGeom prst="line">
-            <a:avLst/>
-          </a:prstGeom>
-          <a:ln w="28575">
-            <a:solidFill>
-              <a:schemeClr val="tx1"/>
-            </a:solidFill>
-          </a:ln>
-        </p:spPr>
-        <p:style>
-          <a:lnRef idx="1">
-            <a:schemeClr val="accent1"/>
-          </a:lnRef>
-          <a:fillRef idx="0">
-            <a:schemeClr val="accent1"/>
-          </a:fillRef>
-          <a:effectRef idx="0">
-            <a:schemeClr val="accent1"/>
-          </a:effectRef>
-          <a:fontRef idx="minor">
-            <a:schemeClr val="tx1"/>
-          </a:fontRef>
-        </p:style>
-      </p:cxnSp>
-      <p:cxnSp>
-        <p:nvCxnSpPr>
-          <p:cNvPr id="30" name="Straight Connector 29"/>
-          <p:cNvCxnSpPr/>
-          <p:nvPr/>
-        </p:nvCxnSpPr>
-        <p:spPr>
-          <a:xfrm>
-            <a:off x="7564387" y="3770279"/>
-            <a:ext cx="3379471" cy="0"/>
-          </a:xfrm>
-          <a:prstGeom prst="line">
-            <a:avLst/>
-          </a:prstGeom>
-          <a:ln w="28575">
-            <a:solidFill>
-              <a:schemeClr val="tx1"/>
-            </a:solidFill>
-          </a:ln>
-        </p:spPr>
-        <p:style>
-          <a:lnRef idx="1">
-            <a:schemeClr val="accent1"/>
-          </a:lnRef>
-          <a:fillRef idx="0">
-            <a:schemeClr val="accent1"/>
-          </a:fillRef>
-          <a:effectRef idx="0">
-            <a:schemeClr val="accent1"/>
-          </a:effectRef>
-          <a:fontRef idx="minor">
-            <a:schemeClr val="tx1"/>
-          </a:fontRef>
-        </p:style>
-      </p:cxnSp>
-      <p:sp>
-        <p:nvSpPr>
-          <p:cNvPr id="36" name="Rectangle 35"/>
-          <p:cNvSpPr/>
-          <p:nvPr/>
-        </p:nvSpPr>
-        <p:spPr>
-          <a:xfrm>
-            <a:off x="3767535" y="2226687"/>
-            <a:ext cx="550151" cy="369332"/>
-          </a:xfrm>
-          <a:prstGeom prst="rect">
-            <a:avLst/>
-          </a:prstGeom>
-        </p:spPr>
-        <p:txBody>
-          <a:bodyPr wrap="none">
-            <a:spAutoFit/>
-          </a:bodyPr>
-          <a:lstStyle/>
-          <a:p>
-            <a:r>
-              <a:rPr lang="en-US" dirty="0" smtClean="0"/>
-              <a:t>10V</a:t>
-            </a:r>
-          </a:p>
-        </p:txBody>
-      </p:sp>
-      <p:sp>
-        <p:nvSpPr>
-          <p:cNvPr id="37" name="Rectangle 36"/>
-          <p:cNvSpPr/>
-          <p:nvPr/>
-        </p:nvSpPr>
-        <p:spPr>
-          <a:xfrm>
-            <a:off x="11140038" y="1824591"/>
-            <a:ext cx="550151" cy="369332"/>
-          </a:xfrm>
-          <a:prstGeom prst="rect">
-            <a:avLst/>
-          </a:prstGeom>
-        </p:spPr>
-        <p:txBody>
-          <a:bodyPr wrap="none">
-            <a:spAutoFit/>
-          </a:bodyPr>
-          <a:lstStyle/>
-          <a:p>
-            <a:r>
-              <a:rPr lang="en-US" dirty="0" smtClean="0"/>
-              <a:t>20V</a:t>
-            </a:r>
-            <a:endParaRPr lang="en-US" dirty="0"/>
-          </a:p>
-        </p:txBody>
-      </p:sp>
-      <p:sp>
-        <p:nvSpPr>
-          <p:cNvPr id="38" name="Rectangle 37"/>
-          <p:cNvSpPr/>
-          <p:nvPr/>
-        </p:nvSpPr>
-        <p:spPr>
-          <a:xfrm>
-            <a:off x="4192481" y="430119"/>
-            <a:ext cx="726481" cy="369332"/>
-          </a:xfrm>
-          <a:prstGeom prst="rect">
-            <a:avLst/>
-          </a:prstGeom>
-        </p:spPr>
-        <p:txBody>
-          <a:bodyPr wrap="none">
-            <a:spAutoFit/>
-          </a:bodyPr>
-          <a:lstStyle/>
-          <a:p>
-            <a:r>
-              <a:rPr lang="en-US" dirty="0" err="1" smtClean="0">
-                <a:solidFill>
-                  <a:schemeClr val="accent6"/>
-                </a:solidFill>
-              </a:rPr>
-              <a:t>V</a:t>
-            </a:r>
-            <a:r>
-              <a:rPr lang="en-US" baseline="-25000" dirty="0" err="1" smtClean="0">
-                <a:solidFill>
-                  <a:schemeClr val="accent6"/>
-                </a:solidFill>
-              </a:rPr>
-              <a:t>a</a:t>
-            </a:r>
-            <a:r>
-              <a:rPr lang="en-US" dirty="0" smtClean="0">
-                <a:solidFill>
-                  <a:schemeClr val="accent6"/>
-                </a:solidFill>
-              </a:rPr>
-              <a:t>=10</a:t>
-            </a:r>
-          </a:p>
-        </p:txBody>
-      </p:sp>
-      <p:sp>
-        <p:nvSpPr>
-          <p:cNvPr id="39" name="Rectangle 38"/>
-          <p:cNvSpPr/>
-          <p:nvPr/>
-        </p:nvSpPr>
-        <p:spPr>
-          <a:xfrm>
-            <a:off x="7269404" y="478548"/>
-            <a:ext cx="396262" cy="369332"/>
-          </a:xfrm>
-          <a:prstGeom prst="rect">
-            <a:avLst/>
-          </a:prstGeom>
-        </p:spPr>
-        <p:txBody>
-          <a:bodyPr wrap="none">
-            <a:spAutoFit/>
-          </a:bodyPr>
-          <a:lstStyle/>
-          <a:p>
-            <a:r>
-              <a:rPr lang="en-US" dirty="0" err="1" smtClean="0">
-                <a:solidFill>
-                  <a:schemeClr val="accent6"/>
-                </a:solidFill>
-              </a:rPr>
-              <a:t>V</a:t>
-            </a:r>
-            <a:r>
-              <a:rPr lang="en-US" baseline="-25000" dirty="0" err="1" smtClean="0">
-                <a:solidFill>
-                  <a:schemeClr val="accent6"/>
-                </a:solidFill>
-              </a:rPr>
-              <a:t>b</a:t>
-            </a:r>
-            <a:endParaRPr lang="en-US" dirty="0" smtClean="0">
-              <a:solidFill>
-                <a:schemeClr val="accent6"/>
-              </a:solidFill>
-            </a:endParaRPr>
-          </a:p>
-        </p:txBody>
-      </p:sp>
-      <p:cxnSp>
-        <p:nvCxnSpPr>
-          <p:cNvPr id="40" name="Straight Connector 39"/>
-          <p:cNvCxnSpPr/>
-          <p:nvPr/>
-        </p:nvCxnSpPr>
-        <p:spPr>
-          <a:xfrm flipV="1">
-            <a:off x="7214321" y="4074246"/>
-            <a:ext cx="429922" cy="3163"/>
-          </a:xfrm>
-          <a:prstGeom prst="line">
-            <a:avLst/>
-          </a:prstGeom>
-          <a:ln>
-            <a:solidFill>
-              <a:srgbClr val="C00000"/>
-            </a:solidFill>
-          </a:ln>
-        </p:spPr>
-        <p:style>
-          <a:lnRef idx="1">
-            <a:schemeClr val="accent1"/>
-          </a:lnRef>
-          <a:fillRef idx="0">
-            <a:schemeClr val="accent1"/>
-          </a:fillRef>
-          <a:effectRef idx="0">
-            <a:schemeClr val="accent1"/>
-          </a:effectRef>
-          <a:fontRef idx="minor">
-            <a:schemeClr val="tx1"/>
-          </a:fontRef>
-        </p:style>
-      </p:cxnSp>
-      <p:cxnSp>
-        <p:nvCxnSpPr>
-          <p:cNvPr id="41" name="Straight Connector 40"/>
-          <p:cNvCxnSpPr/>
-          <p:nvPr/>
-        </p:nvCxnSpPr>
-        <p:spPr>
-          <a:xfrm flipV="1">
-            <a:off x="7255352" y="4164654"/>
-            <a:ext cx="293642" cy="3163"/>
-          </a:xfrm>
-          <a:prstGeom prst="line">
-            <a:avLst/>
-          </a:prstGeom>
-          <a:ln>
-            <a:solidFill>
-              <a:srgbClr val="C00000"/>
-            </a:solidFill>
-          </a:ln>
-        </p:spPr>
-        <p:style>
-          <a:lnRef idx="1">
-            <a:schemeClr val="accent1"/>
-          </a:lnRef>
-          <a:fillRef idx="0">
-            <a:schemeClr val="accent1"/>
-          </a:fillRef>
-          <a:effectRef idx="0">
-            <a:schemeClr val="accent1"/>
-          </a:effectRef>
-          <a:fontRef idx="minor">
-            <a:schemeClr val="tx1"/>
-          </a:fontRef>
-        </p:style>
-      </p:cxnSp>
-      <p:cxnSp>
-        <p:nvCxnSpPr>
-          <p:cNvPr id="42" name="Straight Connector 41"/>
-          <p:cNvCxnSpPr/>
-          <p:nvPr/>
-        </p:nvCxnSpPr>
-        <p:spPr>
-          <a:xfrm flipV="1">
-            <a:off x="7312090" y="4249820"/>
-            <a:ext cx="220617" cy="3163"/>
-          </a:xfrm>
-          <a:prstGeom prst="line">
-            <a:avLst/>
-          </a:prstGeom>
-          <a:ln>
-            <a:solidFill>
-              <a:srgbClr val="C00000"/>
-            </a:solidFill>
-          </a:ln>
-        </p:spPr>
-        <p:style>
-          <a:lnRef idx="1">
-            <a:schemeClr val="accent1"/>
-          </a:lnRef>
-          <a:fillRef idx="0">
-            <a:schemeClr val="accent1"/>
-          </a:fillRef>
-          <a:effectRef idx="0">
-            <a:schemeClr val="accent1"/>
-          </a:effectRef>
-          <a:fontRef idx="minor">
-            <a:schemeClr val="tx1"/>
-          </a:fontRef>
-        </p:style>
-      </p:cxnSp>
-      <p:cxnSp>
-        <p:nvCxnSpPr>
-          <p:cNvPr id="43" name="Straight Connector 42"/>
-          <p:cNvCxnSpPr/>
-          <p:nvPr/>
-        </p:nvCxnSpPr>
-        <p:spPr>
-          <a:xfrm flipH="1">
-            <a:off x="7440643" y="3770279"/>
-            <a:ext cx="10221" cy="319087"/>
-          </a:xfrm>
-          <a:prstGeom prst="line">
-            <a:avLst/>
-          </a:prstGeom>
-          <a:ln>
-            <a:solidFill>
-              <a:srgbClr val="C00000"/>
-            </a:solidFill>
-          </a:ln>
-        </p:spPr>
-        <p:style>
-          <a:lnRef idx="1">
-            <a:schemeClr val="accent1"/>
-          </a:lnRef>
-          <a:fillRef idx="0">
-            <a:schemeClr val="accent1"/>
-          </a:fillRef>
-          <a:effectRef idx="0">
-            <a:schemeClr val="accent1"/>
-          </a:effectRef>
-          <a:fontRef idx="minor">
-            <a:schemeClr val="tx1"/>
-          </a:fontRef>
-        </p:style>
-      </p:cxnSp>
-      <p:sp>
-        <p:nvSpPr>
-          <p:cNvPr id="44" name="Rectangle 43"/>
-          <p:cNvSpPr/>
-          <p:nvPr/>
-        </p:nvSpPr>
-        <p:spPr>
-          <a:xfrm>
-            <a:off x="7134465" y="4249820"/>
-            <a:ext cx="715260" cy="369332"/>
-          </a:xfrm>
-          <a:prstGeom prst="rect">
-            <a:avLst/>
-          </a:prstGeom>
-        </p:spPr>
-        <p:txBody>
-          <a:bodyPr wrap="none">
-            <a:spAutoFit/>
-          </a:bodyPr>
-          <a:lstStyle/>
-          <a:p>
-            <a:r>
-              <a:rPr lang="en-US" dirty="0" smtClean="0">
-                <a:solidFill>
-                  <a:srgbClr val="C00000"/>
-                </a:solidFill>
-              </a:rPr>
-              <a:t>V</a:t>
-            </a:r>
-            <a:r>
-              <a:rPr lang="en-US" baseline="-25000" dirty="0" smtClean="0">
-                <a:solidFill>
-                  <a:srgbClr val="C00000"/>
-                </a:solidFill>
-              </a:rPr>
-              <a:t>0 </a:t>
-            </a:r>
-            <a:r>
-              <a:rPr lang="en-US" dirty="0" smtClean="0">
-                <a:solidFill>
-                  <a:srgbClr val="C00000"/>
-                </a:solidFill>
-              </a:rPr>
-              <a:t>= 0</a:t>
-            </a:r>
-            <a:endParaRPr lang="en-US" dirty="0">
-              <a:solidFill>
-                <a:srgbClr val="C00000"/>
-              </a:solidFill>
-            </a:endParaRPr>
-          </a:p>
-        </p:txBody>
-      </p:sp>
-      <mc:AlternateContent xmlns:mc="http://schemas.openxmlformats.org/markup-compatibility/2006" xmlns:a14="http://schemas.microsoft.com/office/drawing/2010/main">
-        <mc:Choice Requires="a14">
-          <p:sp>
-            <p:nvSpPr>
-              <p:cNvPr id="51" name="TextBox 50"/>
-              <p:cNvSpPr txBox="1"/>
-              <p:nvPr/>
-            </p:nvSpPr>
-            <p:spPr>
-              <a:xfrm>
-                <a:off x="5417638" y="1135014"/>
-                <a:ext cx="1070871" cy="276999"/>
-              </a:xfrm>
-              <a:prstGeom prst="rect">
-                <a:avLst/>
-              </a:prstGeom>
-              <a:noFill/>
-            </p:spPr>
-            <p:txBody>
-              <a:bodyPr wrap="none" lIns="0" tIns="0" rIns="0" bIns="0" rtlCol="0">
-                <a:spAutoFit/>
-              </a:bodyPr>
-              <a:lstStyle/>
-              <a:p>
-                <a:pPr/>
-                <a14:m>
-                  <m:oMathPara xmlns:m="http://schemas.openxmlformats.org/officeDocument/2006/math">
-                    <m:oMathParaPr>
-                      <m:jc m:val="centerGroup"/>
-                    </m:oMathParaPr>
-                    <m:oMath xmlns:m="http://schemas.openxmlformats.org/officeDocument/2006/math">
-                      <m:sSub>
-                        <m:sSubPr>
-                          <m:ctrlPr>
-                            <a:rPr lang="en-US" i="1" smtClean="0">
-                              <a:latin typeface="Cambria Math" panose="02040503050406030204" pitchFamily="18" charset="0"/>
-                            </a:rPr>
-                          </m:ctrlPr>
-                        </m:sSubPr>
-                        <m:e>
-                          <m:r>
-                            <a:rPr lang="en-US" b="0" i="1" smtClean="0">
-                              <a:latin typeface="Cambria Math" panose="02040503050406030204" pitchFamily="18" charset="0"/>
-                            </a:rPr>
-                            <m:t>𝑅</m:t>
-                          </m:r>
-                        </m:e>
-                        <m:sub>
-                          <m:r>
-                            <a:rPr lang="en-US" b="0" i="1" smtClean="0">
-                              <a:latin typeface="Cambria Math" panose="02040503050406030204" pitchFamily="18" charset="0"/>
-                            </a:rPr>
-                            <m:t>1</m:t>
-                          </m:r>
-                        </m:sub>
-                      </m:sSub>
-                      <m:r>
-                        <a:rPr lang="en-US" b="0" i="1" smtClean="0">
-                          <a:latin typeface="Cambria Math" panose="02040503050406030204" pitchFamily="18" charset="0"/>
-                        </a:rPr>
-                        <m:t>=10 </m:t>
-                      </m:r>
-                      <m:r>
-                        <a:rPr lang="en-US" i="1" dirty="0" smtClean="0">
-                          <a:latin typeface="Cambria Math" panose="02040503050406030204" pitchFamily="18" charset="0"/>
-                        </a:rPr>
-                        <m:t>𝛺</m:t>
-                      </m:r>
-                    </m:oMath>
-                  </m:oMathPara>
-                </a14:m>
-                <a:endParaRPr lang="en-US" dirty="0"/>
-              </a:p>
-            </p:txBody>
-          </p:sp>
-        </mc:Choice>
-        <mc:Fallback xmlns="">
-          <p:sp>
-            <p:nvSpPr>
-              <p:cNvPr id="51" name="TextBox 50"/>
-              <p:cNvSpPr txBox="1">
-                <a:spLocks noRot="1" noChangeAspect="1" noMove="1" noResize="1" noEditPoints="1" noAdjustHandles="1" noChangeArrowheads="1" noChangeShapeType="1" noTextEdit="1"/>
-              </p:cNvSpPr>
-              <p:nvPr/>
-            </p:nvSpPr>
-            <p:spPr>
-              <a:xfrm>
-                <a:off x="5417638" y="1135014"/>
-                <a:ext cx="1070871" cy="276999"/>
-              </a:xfrm>
-              <a:prstGeom prst="rect">
-                <a:avLst/>
-              </a:prstGeom>
-              <a:blipFill>
-                <a:blip r:embed="rId3"/>
-                <a:stretch>
-                  <a:fillRect l="-5143" r="-4571" b="-15217"/>
-                </a:stretch>
-              </a:blipFill>
-            </p:spPr>
-            <p:txBody>
-              <a:bodyPr/>
-              <a:lstStyle/>
-              <a:p>
-                <a:r>
-                  <a:rPr lang="en-US">
-                    <a:noFill/>
-                  </a:rPr>
-                  <a:t> </a:t>
-                </a:r>
-              </a:p>
-            </p:txBody>
-          </p:sp>
-        </mc:Fallback>
-      </mc:AlternateContent>
-      <mc:AlternateContent xmlns:mc="http://schemas.openxmlformats.org/markup-compatibility/2006" xmlns:a14="http://schemas.microsoft.com/office/drawing/2010/main">
-        <mc:Choice Requires="a14">
-          <p:sp>
-            <p:nvSpPr>
-              <p:cNvPr id="53" name="TextBox 52"/>
-              <p:cNvSpPr txBox="1"/>
-              <p:nvPr/>
-            </p:nvSpPr>
-            <p:spPr>
-              <a:xfrm>
-                <a:off x="8451731" y="364643"/>
-                <a:ext cx="1076192" cy="276999"/>
-              </a:xfrm>
-              <a:prstGeom prst="rect">
-                <a:avLst/>
-              </a:prstGeom>
-              <a:noFill/>
-            </p:spPr>
-            <p:txBody>
-              <a:bodyPr wrap="none" lIns="0" tIns="0" rIns="0" bIns="0" rtlCol="0">
-                <a:spAutoFit/>
-              </a:bodyPr>
-              <a:lstStyle/>
-              <a:p>
-                <a:pPr/>
-                <a14:m>
-                  <m:oMathPara xmlns:m="http://schemas.openxmlformats.org/officeDocument/2006/math">
-                    <m:oMathParaPr>
-                      <m:jc m:val="centerGroup"/>
-                    </m:oMathParaPr>
-                    <m:oMath xmlns:m="http://schemas.openxmlformats.org/officeDocument/2006/math">
-                      <m:sSub>
-                        <m:sSubPr>
-                          <m:ctrlPr>
-                            <a:rPr lang="en-US" i="1" smtClean="0">
-                              <a:latin typeface="Cambria Math" panose="02040503050406030204" pitchFamily="18" charset="0"/>
-                            </a:rPr>
-                          </m:ctrlPr>
-                        </m:sSubPr>
-                        <m:e>
-                          <m:r>
-                            <a:rPr lang="en-US" b="0" i="1" smtClean="0">
-                              <a:latin typeface="Cambria Math" panose="02040503050406030204" pitchFamily="18" charset="0"/>
-                            </a:rPr>
-                            <m:t>𝑅</m:t>
-                          </m:r>
-                        </m:e>
-                        <m:sub>
-                          <m:r>
-                            <a:rPr lang="en-US" b="0" i="1" smtClean="0">
-                              <a:latin typeface="Cambria Math" panose="02040503050406030204" pitchFamily="18" charset="0"/>
-                            </a:rPr>
-                            <m:t>2</m:t>
-                          </m:r>
-                        </m:sub>
-                      </m:sSub>
-                      <m:r>
-                        <a:rPr lang="en-US" b="0" i="1" smtClean="0">
-                          <a:latin typeface="Cambria Math" panose="02040503050406030204" pitchFamily="18" charset="0"/>
-                        </a:rPr>
-                        <m:t>=20 </m:t>
-                      </m:r>
-                      <m:r>
-                        <a:rPr lang="en-US" i="1" dirty="0" smtClean="0">
-                          <a:latin typeface="Cambria Math" panose="02040503050406030204" pitchFamily="18" charset="0"/>
-                        </a:rPr>
-                        <m:t>𝛺</m:t>
-                      </m:r>
-                    </m:oMath>
-                  </m:oMathPara>
-                </a14:m>
-                <a:endParaRPr lang="en-US" dirty="0"/>
-              </a:p>
-            </p:txBody>
-          </p:sp>
-        </mc:Choice>
-        <mc:Fallback xmlns="">
-          <p:sp>
-            <p:nvSpPr>
-              <p:cNvPr id="53" name="TextBox 52"/>
-              <p:cNvSpPr txBox="1">
-                <a:spLocks noRot="1" noChangeAspect="1" noMove="1" noResize="1" noEditPoints="1" noAdjustHandles="1" noChangeArrowheads="1" noChangeShapeType="1" noTextEdit="1"/>
-              </p:cNvSpPr>
-              <p:nvPr/>
-            </p:nvSpPr>
-            <p:spPr>
-              <a:xfrm>
-                <a:off x="8451731" y="364643"/>
-                <a:ext cx="1076192" cy="276999"/>
-              </a:xfrm>
-              <a:prstGeom prst="rect">
-                <a:avLst/>
-              </a:prstGeom>
-              <a:blipFill>
-                <a:blip r:embed="rId4"/>
-                <a:stretch>
-                  <a:fillRect l="-4520" r="-4520" b="-15556"/>
-                </a:stretch>
-              </a:blipFill>
-            </p:spPr>
-            <p:txBody>
-              <a:bodyPr/>
-              <a:lstStyle/>
-              <a:p>
-                <a:r>
-                  <a:rPr lang="en-US">
-                    <a:noFill/>
-                  </a:rPr>
-                  <a:t> </a:t>
-                </a:r>
-              </a:p>
-            </p:txBody>
-          </p:sp>
-        </mc:Fallback>
-      </mc:AlternateContent>
-      <mc:AlternateContent xmlns:mc="http://schemas.openxmlformats.org/markup-compatibility/2006" xmlns:a14="http://schemas.microsoft.com/office/drawing/2010/main">
-        <mc:Choice Requires="a14">
-          <p:sp>
-            <p:nvSpPr>
-              <p:cNvPr id="54" name="TextBox 53"/>
-              <p:cNvSpPr txBox="1"/>
-              <p:nvPr/>
-            </p:nvSpPr>
-            <p:spPr>
-              <a:xfrm>
-                <a:off x="7679840" y="2055423"/>
-                <a:ext cx="1076192" cy="276999"/>
-              </a:xfrm>
-              <a:prstGeom prst="rect">
-                <a:avLst/>
-              </a:prstGeom>
-              <a:noFill/>
-            </p:spPr>
-            <p:txBody>
-              <a:bodyPr wrap="none" lIns="0" tIns="0" rIns="0" bIns="0" rtlCol="0">
-                <a:spAutoFit/>
-              </a:bodyPr>
-              <a:lstStyle/>
-              <a:p>
-                <a:pPr/>
-                <a14:m>
-                  <m:oMathPara xmlns:m="http://schemas.openxmlformats.org/officeDocument/2006/math">
-                    <m:oMathParaPr>
-                      <m:jc m:val="centerGroup"/>
-                    </m:oMathParaPr>
-                    <m:oMath xmlns:m="http://schemas.openxmlformats.org/officeDocument/2006/math">
-                      <m:sSub>
-                        <m:sSubPr>
-                          <m:ctrlPr>
-                            <a:rPr lang="en-US" i="1" smtClean="0">
-                              <a:latin typeface="Cambria Math" panose="02040503050406030204" pitchFamily="18" charset="0"/>
-                            </a:rPr>
-                          </m:ctrlPr>
-                        </m:sSubPr>
-                        <m:e>
-                          <m:r>
-                            <a:rPr lang="en-US" b="0" i="1" smtClean="0">
-                              <a:latin typeface="Cambria Math" panose="02040503050406030204" pitchFamily="18" charset="0"/>
-                            </a:rPr>
-                            <m:t>𝑅</m:t>
-                          </m:r>
-                        </m:e>
-                        <m:sub>
-                          <m:r>
-                            <a:rPr lang="en-US" b="0" i="1" smtClean="0">
-                              <a:latin typeface="Cambria Math" panose="02040503050406030204" pitchFamily="18" charset="0"/>
-                            </a:rPr>
-                            <m:t>3</m:t>
-                          </m:r>
-                        </m:sub>
-                      </m:sSub>
-                      <m:r>
-                        <a:rPr lang="en-US" b="0" i="1" smtClean="0">
-                          <a:latin typeface="Cambria Math" panose="02040503050406030204" pitchFamily="18" charset="0"/>
-                        </a:rPr>
-                        <m:t>=40 </m:t>
-                      </m:r>
-                      <m:r>
-                        <a:rPr lang="en-US" i="1" dirty="0" smtClean="0">
-                          <a:latin typeface="Cambria Math" panose="02040503050406030204" pitchFamily="18" charset="0"/>
-                        </a:rPr>
-                        <m:t>𝛺</m:t>
-                      </m:r>
-                    </m:oMath>
-                  </m:oMathPara>
-                </a14:m>
-                <a:endParaRPr lang="en-US" dirty="0"/>
-              </a:p>
-            </p:txBody>
-          </p:sp>
-        </mc:Choice>
-        <mc:Fallback xmlns="">
-          <p:sp>
-            <p:nvSpPr>
-              <p:cNvPr id="54" name="TextBox 53"/>
-              <p:cNvSpPr txBox="1">
-                <a:spLocks noRot="1" noChangeAspect="1" noMove="1" noResize="1" noEditPoints="1" noAdjustHandles="1" noChangeArrowheads="1" noChangeShapeType="1" noTextEdit="1"/>
-              </p:cNvSpPr>
-              <p:nvPr/>
-            </p:nvSpPr>
-            <p:spPr>
-              <a:xfrm>
-                <a:off x="7679840" y="2055423"/>
-                <a:ext cx="1076192" cy="276999"/>
-              </a:xfrm>
-              <a:prstGeom prst="rect">
-                <a:avLst/>
-              </a:prstGeom>
-              <a:blipFill>
-                <a:blip r:embed="rId5"/>
-                <a:stretch>
-                  <a:fillRect l="-5114" r="-4545" b="-15217"/>
-                </a:stretch>
-              </a:blipFill>
-            </p:spPr>
-            <p:txBody>
-              <a:bodyPr/>
-              <a:lstStyle/>
-              <a:p>
-                <a:r>
-                  <a:rPr lang="en-US">
-                    <a:noFill/>
-                  </a:rPr>
-                  <a:t> </a:t>
-                </a:r>
-              </a:p>
-            </p:txBody>
-          </p:sp>
-        </mc:Fallback>
-      </mc:AlternateContent>
-      <p:sp>
-        <p:nvSpPr>
-          <p:cNvPr id="61" name="Oval 60"/>
-          <p:cNvSpPr/>
-          <p:nvPr/>
-        </p:nvSpPr>
-        <p:spPr>
-          <a:xfrm>
-            <a:off x="10846173" y="790938"/>
-            <a:ext cx="216131" cy="174567"/>
-          </a:xfrm>
-          <a:prstGeom prst="ellipse">
-            <a:avLst/>
-          </a:prstGeom>
-          <a:solidFill>
-            <a:srgbClr val="00B050"/>
-          </a:solidFill>
-          <a:ln>
-            <a:noFill/>
-          </a:ln>
-        </p:spPr>
-        <p:style>
-          <a:lnRef idx="2">
-            <a:schemeClr val="accent1">
-              <a:shade val="50000"/>
-            </a:schemeClr>
-          </a:lnRef>
-          <a:fillRef idx="1">
-            <a:schemeClr val="accent1"/>
-          </a:fillRef>
-          <a:effectRef idx="0">
-            <a:schemeClr val="accent1"/>
-          </a:effectRef>
-          <a:fontRef idx="minor">
-            <a:schemeClr val="lt1"/>
-          </a:fontRef>
-        </p:style>
-        <p:txBody>
-          <a:bodyPr rtlCol="0" anchor="ctr"/>
-          <a:lstStyle/>
-          <a:p>
-            <a:pPr algn="ctr"/>
-            <a:endParaRPr lang="en-US"/>
-          </a:p>
-        </p:txBody>
-      </p:sp>
-      <p:sp>
-        <p:nvSpPr>
-          <p:cNvPr id="62" name="Rectangle 61"/>
-          <p:cNvSpPr/>
-          <p:nvPr/>
-        </p:nvSpPr>
-        <p:spPr>
-          <a:xfrm>
-            <a:off x="10767321" y="465248"/>
-            <a:ext cx="754950" cy="369332"/>
-          </a:xfrm>
-          <a:prstGeom prst="rect">
-            <a:avLst/>
-          </a:prstGeom>
-        </p:spPr>
-        <p:txBody>
-          <a:bodyPr wrap="none">
-            <a:spAutoFit/>
-          </a:bodyPr>
-          <a:lstStyle/>
-          <a:p>
-            <a:r>
-              <a:rPr lang="en-US" dirty="0" err="1" smtClean="0">
-                <a:solidFill>
-                  <a:schemeClr val="accent6"/>
-                </a:solidFill>
-              </a:rPr>
-              <a:t>V</a:t>
-            </a:r>
-            <a:r>
-              <a:rPr lang="en-US" baseline="-25000" dirty="0" err="1" smtClean="0">
-                <a:solidFill>
-                  <a:schemeClr val="accent6"/>
-                </a:solidFill>
-              </a:rPr>
-              <a:t>c</a:t>
-            </a:r>
-            <a:r>
-              <a:rPr lang="en-US" baseline="-25000" dirty="0" smtClean="0">
-                <a:solidFill>
-                  <a:schemeClr val="accent6"/>
-                </a:solidFill>
-              </a:rPr>
-              <a:t> </a:t>
-            </a:r>
-            <a:r>
-              <a:rPr lang="en-US" dirty="0" smtClean="0">
-                <a:solidFill>
-                  <a:schemeClr val="accent6"/>
-                </a:solidFill>
-              </a:rPr>
-              <a:t>=20</a:t>
-            </a:r>
-          </a:p>
-        </p:txBody>
-      </p:sp>
-      <p:sp>
-        <p:nvSpPr>
-          <p:cNvPr id="63" name="Rectangle 62"/>
-          <p:cNvSpPr/>
-          <p:nvPr/>
-        </p:nvSpPr>
-        <p:spPr>
-          <a:xfrm>
-            <a:off x="7180292" y="3456052"/>
-            <a:ext cx="327334" cy="369332"/>
-          </a:xfrm>
-          <a:prstGeom prst="rect">
-            <a:avLst/>
-          </a:prstGeom>
-        </p:spPr>
-        <p:txBody>
-          <a:bodyPr wrap="none">
-            <a:spAutoFit/>
-          </a:bodyPr>
-          <a:lstStyle/>
-          <a:p>
-            <a:r>
-              <a:rPr lang="en-US" dirty="0" smtClean="0">
-                <a:solidFill>
-                  <a:srgbClr val="C00000"/>
-                </a:solidFill>
-              </a:rPr>
-              <a:t>D</a:t>
-            </a:r>
-            <a:endParaRPr lang="en-US" dirty="0"/>
-          </a:p>
-        </p:txBody>
-      </p:sp>
-      <p:cxnSp>
-        <p:nvCxnSpPr>
-          <p:cNvPr id="65" name="Straight Arrow Connector 64"/>
-          <p:cNvCxnSpPr>
-            <a:stCxn id="11" idx="6"/>
-          </p:cNvCxnSpPr>
-          <p:nvPr/>
-        </p:nvCxnSpPr>
-        <p:spPr>
-          <a:xfrm>
-            <a:off x="4594777" y="907572"/>
-            <a:ext cx="768472" cy="10723"/>
-          </a:xfrm>
-          <a:prstGeom prst="straightConnector1">
-            <a:avLst/>
-          </a:prstGeom>
-          <a:ln w="38100">
-            <a:solidFill>
-              <a:schemeClr val="tx1"/>
-            </a:solidFill>
-            <a:headEnd type="none" w="med" len="med"/>
-            <a:tailEnd type="triangle" w="med" len="med"/>
-          </a:ln>
-        </p:spPr>
-        <p:style>
-          <a:lnRef idx="1">
-            <a:schemeClr val="accent1"/>
-          </a:lnRef>
-          <a:fillRef idx="0">
-            <a:schemeClr val="accent1"/>
-          </a:fillRef>
-          <a:effectRef idx="0">
-            <a:schemeClr val="accent1"/>
-          </a:effectRef>
-          <a:fontRef idx="minor">
-            <a:schemeClr val="tx1"/>
-          </a:fontRef>
-        </p:style>
-      </p:cxnSp>
-      <p:cxnSp>
-        <p:nvCxnSpPr>
-          <p:cNvPr id="66" name="Straight Arrow Connector 65"/>
-          <p:cNvCxnSpPr/>
-          <p:nvPr/>
-        </p:nvCxnSpPr>
-        <p:spPr>
-          <a:xfrm flipH="1">
-            <a:off x="10014932" y="899311"/>
-            <a:ext cx="619236" cy="18984"/>
-          </a:xfrm>
-          <a:prstGeom prst="straightConnector1">
-            <a:avLst/>
-          </a:prstGeom>
-          <a:ln w="28575">
-            <a:solidFill>
-              <a:schemeClr val="tx1"/>
-            </a:solidFill>
-            <a:headEnd type="none" w="med" len="med"/>
-            <a:tailEnd type="arrow" w="med" len="med"/>
-          </a:ln>
-        </p:spPr>
-        <p:style>
-          <a:lnRef idx="1">
-            <a:schemeClr val="accent1"/>
-          </a:lnRef>
-          <a:fillRef idx="0">
-            <a:schemeClr val="accent1"/>
-          </a:fillRef>
-          <a:effectRef idx="0">
-            <a:schemeClr val="accent1"/>
-          </a:effectRef>
-          <a:fontRef idx="minor">
-            <a:schemeClr val="tx1"/>
-          </a:fontRef>
-        </p:style>
-      </p:cxnSp>
-      <p:cxnSp>
-        <p:nvCxnSpPr>
-          <p:cNvPr id="69" name="Straight Arrow Connector 68"/>
-          <p:cNvCxnSpPr/>
-          <p:nvPr/>
-        </p:nvCxnSpPr>
-        <p:spPr>
-          <a:xfrm>
-            <a:off x="7452209" y="3013724"/>
-            <a:ext cx="15213" cy="471502"/>
-          </a:xfrm>
-          <a:prstGeom prst="straightConnector1">
-            <a:avLst/>
-          </a:prstGeom>
-          <a:ln w="28575">
-            <a:solidFill>
-              <a:schemeClr val="tx1"/>
-            </a:solidFill>
-            <a:headEnd type="none" w="med" len="med"/>
-            <a:tailEnd type="arrow" w="med" len="med"/>
-          </a:ln>
-        </p:spPr>
-        <p:style>
-          <a:lnRef idx="1">
-            <a:schemeClr val="accent1"/>
-          </a:lnRef>
-          <a:fillRef idx="0">
-            <a:schemeClr val="accent1"/>
-          </a:fillRef>
-          <a:effectRef idx="0">
-            <a:schemeClr val="accent1"/>
-          </a:effectRef>
-          <a:fontRef idx="minor">
-            <a:schemeClr val="tx1"/>
-          </a:fontRef>
-        </p:style>
-      </p:cxnSp>
-      <mc:AlternateContent xmlns:mc="http://schemas.openxmlformats.org/markup-compatibility/2006" xmlns:a14="http://schemas.microsoft.com/office/drawing/2010/main">
-        <mc:Choice Requires="a14">
-          <p:sp>
-            <p:nvSpPr>
-              <p:cNvPr id="75" name="Rectangle 74"/>
-              <p:cNvSpPr/>
-              <p:nvPr/>
-            </p:nvSpPr>
-            <p:spPr>
-              <a:xfrm>
-                <a:off x="4879891" y="522029"/>
-                <a:ext cx="414216" cy="369332"/>
-              </a:xfrm>
-              <a:prstGeom prst="rect">
-                <a:avLst/>
-              </a:prstGeom>
-            </p:spPr>
-            <p:txBody>
-              <a:bodyPr wrap="none">
-                <a:spAutoFit/>
-              </a:bodyPr>
-              <a:lstStyle/>
-              <a:p>
-                <a:pPr/>
-                <a14:m>
-                  <m:oMathPara xmlns:m="http://schemas.openxmlformats.org/officeDocument/2006/math">
-                    <m:oMathParaPr>
-                      <m:jc m:val="centerGroup"/>
-                    </m:oMathParaPr>
-                    <m:oMath xmlns:m="http://schemas.openxmlformats.org/officeDocument/2006/math">
-                      <m:sSub>
-                        <m:sSubPr>
-                          <m:ctrlPr>
-                            <a:rPr lang="en-US" i="1" smtClean="0">
-                              <a:latin typeface="Cambria Math" panose="02040503050406030204" pitchFamily="18" charset="0"/>
-                            </a:rPr>
-                          </m:ctrlPr>
-                        </m:sSubPr>
-                        <m:e>
-                          <m:r>
-                            <a:rPr lang="en-US" b="0" i="1" smtClean="0">
-                              <a:latin typeface="Cambria Math" panose="02040503050406030204" pitchFamily="18" charset="0"/>
-                            </a:rPr>
-                            <m:t>𝐼</m:t>
-                          </m:r>
-                        </m:e>
-                        <m:sub>
-                          <m:r>
-                            <a:rPr lang="en-US" b="0" i="1" smtClean="0">
-                              <a:latin typeface="Cambria Math" panose="02040503050406030204" pitchFamily="18" charset="0"/>
-                            </a:rPr>
-                            <m:t>1</m:t>
-                          </m:r>
-                        </m:sub>
-                      </m:sSub>
-                    </m:oMath>
-                  </m:oMathPara>
-                </a14:m>
-                <a:endParaRPr lang="en-US" dirty="0"/>
-              </a:p>
-            </p:txBody>
-          </p:sp>
-        </mc:Choice>
-        <mc:Fallback xmlns="">
-          <p:sp>
-            <p:nvSpPr>
-              <p:cNvPr id="75" name="Rectangle 74"/>
-              <p:cNvSpPr>
-                <a:spLocks noRot="1" noChangeAspect="1" noMove="1" noResize="1" noEditPoints="1" noAdjustHandles="1" noChangeArrowheads="1" noChangeShapeType="1" noTextEdit="1"/>
-              </p:cNvSpPr>
-              <p:nvPr/>
-            </p:nvSpPr>
-            <p:spPr>
-              <a:xfrm>
-                <a:off x="4879891" y="522029"/>
-                <a:ext cx="414216" cy="369332"/>
-              </a:xfrm>
-              <a:prstGeom prst="rect">
-                <a:avLst/>
-              </a:prstGeom>
-              <a:blipFill>
-                <a:blip r:embed="rId6"/>
-                <a:stretch>
-                  <a:fillRect/>
-                </a:stretch>
-              </a:blipFill>
-            </p:spPr>
-            <p:txBody>
-              <a:bodyPr/>
-              <a:lstStyle/>
-              <a:p>
-                <a:r>
-                  <a:rPr lang="en-US">
-                    <a:noFill/>
-                  </a:rPr>
-                  <a:t> </a:t>
-                </a:r>
-              </a:p>
-            </p:txBody>
-          </p:sp>
-        </mc:Fallback>
-      </mc:AlternateContent>
-      <mc:AlternateContent xmlns:mc="http://schemas.openxmlformats.org/markup-compatibility/2006" xmlns:a14="http://schemas.microsoft.com/office/drawing/2010/main">
-        <mc:Choice Requires="a14">
-          <p:sp>
-            <p:nvSpPr>
-              <p:cNvPr id="76" name="Rectangle 75"/>
-              <p:cNvSpPr/>
-              <p:nvPr/>
-            </p:nvSpPr>
-            <p:spPr>
-              <a:xfrm>
-                <a:off x="9924025" y="456976"/>
-                <a:ext cx="419537" cy="369332"/>
-              </a:xfrm>
-              <a:prstGeom prst="rect">
-                <a:avLst/>
-              </a:prstGeom>
-            </p:spPr>
-            <p:txBody>
-              <a:bodyPr wrap="none">
-                <a:spAutoFit/>
-              </a:bodyPr>
-              <a:lstStyle/>
-              <a:p>
-                <a:pPr/>
-                <a14:m>
-                  <m:oMathPara xmlns:m="http://schemas.openxmlformats.org/officeDocument/2006/math">
-                    <m:oMathParaPr>
-                      <m:jc m:val="centerGroup"/>
-                    </m:oMathParaPr>
-                    <m:oMath xmlns:m="http://schemas.openxmlformats.org/officeDocument/2006/math">
-                      <m:sSub>
-                        <m:sSubPr>
-                          <m:ctrlPr>
-                            <a:rPr lang="en-US" i="1" smtClean="0">
-                              <a:latin typeface="Cambria Math" panose="02040503050406030204" pitchFamily="18" charset="0"/>
-                            </a:rPr>
-                          </m:ctrlPr>
-                        </m:sSubPr>
-                        <m:e>
-                          <m:r>
-                            <a:rPr lang="en-US" b="0" i="1" smtClean="0">
-                              <a:latin typeface="Cambria Math" panose="02040503050406030204" pitchFamily="18" charset="0"/>
-                            </a:rPr>
-                            <m:t>𝐼</m:t>
-                          </m:r>
-                        </m:e>
-                        <m:sub>
-                          <m:r>
-                            <a:rPr lang="en-US" b="0" i="1" smtClean="0">
-                              <a:latin typeface="Cambria Math" panose="02040503050406030204" pitchFamily="18" charset="0"/>
-                            </a:rPr>
-                            <m:t>2</m:t>
-                          </m:r>
-                        </m:sub>
-                      </m:sSub>
-                    </m:oMath>
-                  </m:oMathPara>
-                </a14:m>
-                <a:endParaRPr lang="en-US" dirty="0"/>
-              </a:p>
-            </p:txBody>
-          </p:sp>
-        </mc:Choice>
-        <mc:Fallback xmlns="">
-          <p:sp>
-            <p:nvSpPr>
-              <p:cNvPr id="76" name="Rectangle 75"/>
-              <p:cNvSpPr>
-                <a:spLocks noRot="1" noChangeAspect="1" noMove="1" noResize="1" noEditPoints="1" noAdjustHandles="1" noChangeArrowheads="1" noChangeShapeType="1" noTextEdit="1"/>
-              </p:cNvSpPr>
-              <p:nvPr/>
-            </p:nvSpPr>
-            <p:spPr>
-              <a:xfrm>
-                <a:off x="9924025" y="456976"/>
-                <a:ext cx="419537" cy="369332"/>
-              </a:xfrm>
-              <a:prstGeom prst="rect">
-                <a:avLst/>
-              </a:prstGeom>
-              <a:blipFill>
-                <a:blip r:embed="rId7"/>
-                <a:stretch>
-                  <a:fillRect/>
-                </a:stretch>
-              </a:blipFill>
-            </p:spPr>
-            <p:txBody>
-              <a:bodyPr/>
-              <a:lstStyle/>
-              <a:p>
-                <a:r>
-                  <a:rPr lang="en-US">
-                    <a:noFill/>
-                  </a:rPr>
-                  <a:t> </a:t>
-                </a:r>
-              </a:p>
-            </p:txBody>
-          </p:sp>
-        </mc:Fallback>
-      </mc:AlternateContent>
-      <mc:AlternateContent xmlns:mc="http://schemas.openxmlformats.org/markup-compatibility/2006" xmlns:a14="http://schemas.microsoft.com/office/drawing/2010/main">
-        <mc:Choice Requires="a14">
-          <p:sp>
-            <p:nvSpPr>
-              <p:cNvPr id="77" name="Rectangle 76"/>
-              <p:cNvSpPr/>
-              <p:nvPr/>
-            </p:nvSpPr>
-            <p:spPr>
-              <a:xfrm>
-                <a:off x="7484264" y="3205203"/>
-                <a:ext cx="419537" cy="369332"/>
-              </a:xfrm>
-              <a:prstGeom prst="rect">
-                <a:avLst/>
-              </a:prstGeom>
-            </p:spPr>
-            <p:txBody>
-              <a:bodyPr wrap="none">
-                <a:spAutoFit/>
-              </a:bodyPr>
-              <a:lstStyle/>
-              <a:p>
-                <a:pPr/>
-                <a14:m>
-                  <m:oMathPara xmlns:m="http://schemas.openxmlformats.org/officeDocument/2006/math">
-                    <m:oMathParaPr>
-                      <m:jc m:val="centerGroup"/>
-                    </m:oMathParaPr>
-                    <m:oMath xmlns:m="http://schemas.openxmlformats.org/officeDocument/2006/math">
-                      <m:sSub>
-                        <m:sSubPr>
-                          <m:ctrlPr>
-                            <a:rPr lang="en-US" i="1" smtClean="0">
-                              <a:latin typeface="Cambria Math" panose="02040503050406030204" pitchFamily="18" charset="0"/>
-                            </a:rPr>
-                          </m:ctrlPr>
-                        </m:sSubPr>
-                        <m:e>
-                          <m:r>
-                            <a:rPr lang="en-US" b="0" i="1" smtClean="0">
-                              <a:latin typeface="Cambria Math" panose="02040503050406030204" pitchFamily="18" charset="0"/>
-                            </a:rPr>
-                            <m:t>𝐼</m:t>
-                          </m:r>
-                        </m:e>
-                        <m:sub>
-                          <m:r>
-                            <a:rPr lang="en-US" b="0" i="1" smtClean="0">
-                              <a:latin typeface="Cambria Math" panose="02040503050406030204" pitchFamily="18" charset="0"/>
-                            </a:rPr>
-                            <m:t>3</m:t>
-                          </m:r>
-                        </m:sub>
-                      </m:sSub>
-                    </m:oMath>
-                  </m:oMathPara>
-                </a14:m>
-                <a:endParaRPr lang="en-US" dirty="0"/>
-              </a:p>
-            </p:txBody>
-          </p:sp>
-        </mc:Choice>
-        <mc:Fallback xmlns="">
-          <p:sp>
-            <p:nvSpPr>
-              <p:cNvPr id="77" name="Rectangle 76"/>
-              <p:cNvSpPr>
-                <a:spLocks noRot="1" noChangeAspect="1" noMove="1" noResize="1" noEditPoints="1" noAdjustHandles="1" noChangeArrowheads="1" noChangeShapeType="1" noTextEdit="1"/>
-              </p:cNvSpPr>
-              <p:nvPr/>
-            </p:nvSpPr>
-            <p:spPr>
-              <a:xfrm>
-                <a:off x="7484264" y="3205203"/>
-                <a:ext cx="419537" cy="369332"/>
-              </a:xfrm>
-              <a:prstGeom prst="rect">
-                <a:avLst/>
-              </a:prstGeom>
-              <a:blipFill>
-                <a:blip r:embed="rId8"/>
-                <a:stretch>
-                  <a:fillRect/>
-                </a:stretch>
-              </a:blipFill>
-            </p:spPr>
-            <p:txBody>
-              <a:bodyPr/>
-              <a:lstStyle/>
-              <a:p>
-                <a:r>
-                  <a:rPr lang="en-US">
-                    <a:noFill/>
-                  </a:rPr>
-                  <a:t> </a:t>
-                </a:r>
-              </a:p>
-            </p:txBody>
-          </p:sp>
-        </mc:Fallback>
-      </mc:AlternateContent>
-      <p:sp>
-        <p:nvSpPr>
-          <p:cNvPr id="78" name="TextBox 77"/>
-          <p:cNvSpPr txBox="1"/>
-          <p:nvPr/>
-        </p:nvSpPr>
-        <p:spPr>
-          <a:xfrm>
-            <a:off x="130387" y="3113891"/>
-            <a:ext cx="10465723" cy="923330"/>
-          </a:xfrm>
-          <a:prstGeom prst="rect">
-            <a:avLst/>
-          </a:prstGeom>
-          <a:noFill/>
-        </p:spPr>
-        <p:txBody>
-          <a:bodyPr wrap="square" rtlCol="0">
-            <a:spAutoFit/>
-          </a:bodyPr>
-          <a:lstStyle/>
-          <a:p>
-            <a:r>
-              <a:rPr lang="en-US" dirty="0" smtClean="0"/>
-              <a:t>Assuming all current moving outwards</a:t>
-            </a:r>
-          </a:p>
-          <a:p>
-            <a:endParaRPr lang="en-US" b="1" dirty="0" smtClean="0">
-              <a:solidFill>
-                <a:schemeClr val="accent1"/>
-              </a:solidFill>
-            </a:endParaRPr>
-          </a:p>
-          <a:p>
-            <a:r>
-              <a:rPr lang="en-US" b="1" dirty="0" smtClean="0">
-                <a:solidFill>
-                  <a:schemeClr val="accent1"/>
-                </a:solidFill>
-              </a:rPr>
-              <a:t>Apply KCL to Node </a:t>
-            </a:r>
-            <a:r>
-              <a:rPr lang="en-US" b="1" dirty="0" err="1" smtClean="0">
-                <a:solidFill>
-                  <a:schemeClr val="accent1"/>
-                </a:solidFill>
-              </a:rPr>
-              <a:t>V</a:t>
-            </a:r>
-            <a:r>
-              <a:rPr lang="en-US" b="1" baseline="-25000" dirty="0" err="1" smtClean="0">
-                <a:solidFill>
-                  <a:schemeClr val="accent1"/>
-                </a:solidFill>
-              </a:rPr>
-              <a:t>b</a:t>
-            </a:r>
-            <a:endParaRPr lang="en-US" b="1" dirty="0">
-              <a:solidFill>
-                <a:schemeClr val="accent1"/>
-              </a:solidFill>
-            </a:endParaRPr>
-          </a:p>
-        </p:txBody>
-      </p:sp>
-      <mc:AlternateContent xmlns:mc="http://schemas.openxmlformats.org/markup-compatibility/2006" xmlns:a14="http://schemas.microsoft.com/office/drawing/2010/main">
-        <mc:Choice Requires="a14">
-          <p:sp>
-            <p:nvSpPr>
-              <p:cNvPr id="79" name="TextBox 78"/>
-              <p:cNvSpPr txBox="1"/>
-              <p:nvPr/>
-            </p:nvSpPr>
-            <p:spPr>
-              <a:xfrm>
-                <a:off x="68542" y="4200828"/>
-                <a:ext cx="3453459" cy="565283"/>
-              </a:xfrm>
-              <a:prstGeom prst="rect">
-                <a:avLst/>
-              </a:prstGeom>
-              <a:noFill/>
-            </p:spPr>
-            <p:txBody>
-              <a:bodyPr wrap="square" lIns="0" tIns="0" rIns="0" bIns="0" rtlCol="0">
-                <a:spAutoFit/>
-              </a:bodyPr>
-              <a:lstStyle/>
-              <a:p>
-                <a:pPr/>
-                <a14:m>
-                  <m:oMathPara xmlns:m="http://schemas.openxmlformats.org/officeDocument/2006/math">
-                    <m:oMathParaPr>
-                      <m:jc m:val="centerGroup"/>
-                    </m:oMathParaPr>
-                    <m:oMath xmlns:m="http://schemas.openxmlformats.org/officeDocument/2006/math">
-                      <m:f>
-                        <m:fPr>
-                          <m:ctrlPr>
-                            <a:rPr lang="en-US" b="0" i="1" smtClean="0">
-                              <a:latin typeface="Cambria Math" panose="02040503050406030204" pitchFamily="18" charset="0"/>
-                            </a:rPr>
-                          </m:ctrlPr>
-                        </m:fPr>
-                        <m:num>
-                          <m:sSub>
-                            <m:sSubPr>
-                              <m:ctrlPr>
-                                <a:rPr lang="en-US" i="1" smtClean="0">
-                                  <a:latin typeface="Cambria Math" panose="02040503050406030204" pitchFamily="18" charset="0"/>
-                                </a:rPr>
-                              </m:ctrlPr>
-                            </m:sSubPr>
-                            <m:e>
-                              <m:sSub>
-                                <m:sSubPr>
-                                  <m:ctrlPr>
-                                    <a:rPr lang="en-US" b="0" i="1" smtClean="0">
-                                      <a:latin typeface="Cambria Math" panose="02040503050406030204" pitchFamily="18" charset="0"/>
-                                    </a:rPr>
-                                  </m:ctrlPr>
-                                </m:sSubPr>
-                                <m:e>
-                                  <m:r>
-                                    <a:rPr lang="en-US" b="0" i="1" smtClean="0">
-                                      <a:latin typeface="Cambria Math" panose="02040503050406030204" pitchFamily="18" charset="0"/>
-                                    </a:rPr>
-                                    <m:t>𝑉</m:t>
-                                  </m:r>
-                                </m:e>
-                                <m:sub>
-                                  <m:r>
-                                    <a:rPr lang="en-US" b="0" i="1" smtClean="0">
-                                      <a:latin typeface="Cambria Math" panose="02040503050406030204" pitchFamily="18" charset="0"/>
-                                    </a:rPr>
-                                    <m:t>𝑏</m:t>
-                                  </m:r>
-                                </m:sub>
-                              </m:sSub>
-                              <m:r>
-                                <a:rPr lang="en-US" b="0" i="1" smtClean="0">
-                                  <a:latin typeface="Cambria Math" panose="02040503050406030204" pitchFamily="18" charset="0"/>
-                                </a:rPr>
-                                <m:t>−</m:t>
-                              </m:r>
-                              <m:r>
-                                <a:rPr lang="en-US" b="0" i="1" smtClean="0">
-                                  <a:latin typeface="Cambria Math" panose="02040503050406030204" pitchFamily="18" charset="0"/>
-                                </a:rPr>
-                                <m:t>𝑉</m:t>
-                              </m:r>
-                            </m:e>
-                            <m:sub>
-                              <m:r>
-                                <a:rPr lang="en-US" b="0" i="1" smtClean="0">
-                                  <a:latin typeface="Cambria Math" panose="02040503050406030204" pitchFamily="18" charset="0"/>
-                                </a:rPr>
-                                <m:t>𝑎</m:t>
-                              </m:r>
-                            </m:sub>
-                          </m:sSub>
-                        </m:num>
-                        <m:den>
-                          <m:sSub>
-                            <m:sSubPr>
-                              <m:ctrlPr>
-                                <a:rPr lang="en-US" b="0" i="1" smtClean="0">
-                                  <a:latin typeface="Cambria Math" panose="02040503050406030204" pitchFamily="18" charset="0"/>
-                                </a:rPr>
-                              </m:ctrlPr>
-                            </m:sSubPr>
-                            <m:e>
-                              <m:r>
-                                <a:rPr lang="en-US" b="0" i="1" smtClean="0">
-                                  <a:latin typeface="Cambria Math" panose="02040503050406030204" pitchFamily="18" charset="0"/>
-                                </a:rPr>
-                                <m:t>𝑅</m:t>
-                              </m:r>
-                            </m:e>
-                            <m:sub>
-                              <m:r>
-                                <a:rPr lang="en-US" b="0" i="1" smtClean="0">
-                                  <a:latin typeface="Cambria Math" panose="02040503050406030204" pitchFamily="18" charset="0"/>
-                                </a:rPr>
-                                <m:t>1</m:t>
-                              </m:r>
-                            </m:sub>
-                          </m:sSub>
-                        </m:den>
-                      </m:f>
-                      <m:r>
-                        <a:rPr lang="en-US" b="0" i="1" smtClean="0">
-                          <a:latin typeface="Cambria Math" panose="02040503050406030204" pitchFamily="18" charset="0"/>
-                        </a:rPr>
-                        <m:t>+</m:t>
-                      </m:r>
-                      <m:f>
-                        <m:fPr>
-                          <m:ctrlPr>
-                            <a:rPr lang="en-US" b="0" i="1" smtClean="0">
-                              <a:latin typeface="Cambria Math" panose="02040503050406030204" pitchFamily="18" charset="0"/>
-                            </a:rPr>
-                          </m:ctrlPr>
-                        </m:fPr>
-                        <m:num>
-                          <m:sSub>
-                            <m:sSubPr>
-                              <m:ctrlPr>
-                                <a:rPr lang="en-US" i="1" smtClean="0">
-                                  <a:latin typeface="Cambria Math" panose="02040503050406030204" pitchFamily="18" charset="0"/>
-                                </a:rPr>
-                              </m:ctrlPr>
-                            </m:sSubPr>
-                            <m:e>
-                              <m:sSub>
-                                <m:sSubPr>
-                                  <m:ctrlPr>
-                                    <a:rPr lang="en-US" b="0" i="1" smtClean="0">
-                                      <a:latin typeface="Cambria Math" panose="02040503050406030204" pitchFamily="18" charset="0"/>
-                                    </a:rPr>
-                                  </m:ctrlPr>
-                                </m:sSubPr>
-                                <m:e>
-                                  <m:r>
-                                    <a:rPr lang="en-US" b="0" i="1" smtClean="0">
-                                      <a:latin typeface="Cambria Math" panose="02040503050406030204" pitchFamily="18" charset="0"/>
-                                    </a:rPr>
-                                    <m:t>𝑉</m:t>
-                                  </m:r>
-                                </m:e>
-                                <m:sub>
-                                  <m:r>
-                                    <a:rPr lang="en-US" b="0" i="1" smtClean="0">
-                                      <a:latin typeface="Cambria Math" panose="02040503050406030204" pitchFamily="18" charset="0"/>
-                                    </a:rPr>
-                                    <m:t>𝑏</m:t>
-                                  </m:r>
-                                </m:sub>
-                              </m:sSub>
-                              <m:r>
-                                <a:rPr lang="en-US" b="0" i="1" smtClean="0">
-                                  <a:latin typeface="Cambria Math" panose="02040503050406030204" pitchFamily="18" charset="0"/>
-                                </a:rPr>
-                                <m:t>−</m:t>
-                              </m:r>
-                              <m:r>
-                                <a:rPr lang="en-US" b="0" i="1" smtClean="0">
-                                  <a:latin typeface="Cambria Math" panose="02040503050406030204" pitchFamily="18" charset="0"/>
-                                </a:rPr>
-                                <m:t>𝑉</m:t>
-                              </m:r>
-                            </m:e>
-                            <m:sub>
-                              <m:r>
-                                <a:rPr lang="en-US" b="0" i="1" smtClean="0">
-                                  <a:latin typeface="Cambria Math" panose="02040503050406030204" pitchFamily="18" charset="0"/>
-                                </a:rPr>
-                                <m:t>𝑐</m:t>
-                              </m:r>
-                            </m:sub>
-                          </m:sSub>
-                        </m:num>
-                        <m:den>
-                          <m:sSub>
-                            <m:sSubPr>
-                              <m:ctrlPr>
-                                <a:rPr lang="en-US" b="0" i="1" smtClean="0">
-                                  <a:latin typeface="Cambria Math" panose="02040503050406030204" pitchFamily="18" charset="0"/>
-                                </a:rPr>
-                              </m:ctrlPr>
-                            </m:sSubPr>
-                            <m:e>
-                              <m:r>
-                                <a:rPr lang="en-US" b="0" i="1" smtClean="0">
-                                  <a:latin typeface="Cambria Math" panose="02040503050406030204" pitchFamily="18" charset="0"/>
-                                </a:rPr>
-                                <m:t>𝑅</m:t>
-                              </m:r>
-                            </m:e>
-                            <m:sub>
-                              <m:r>
-                                <a:rPr lang="en-US" b="0" i="1" smtClean="0">
-                                  <a:latin typeface="Cambria Math" panose="02040503050406030204" pitchFamily="18" charset="0"/>
-                                </a:rPr>
-                                <m:t>2</m:t>
-                              </m:r>
-                            </m:sub>
-                          </m:sSub>
-                        </m:den>
-                      </m:f>
-                      <m:r>
-                        <a:rPr lang="en-US" b="0" i="1" smtClean="0">
-                          <a:latin typeface="Cambria Math" panose="02040503050406030204" pitchFamily="18" charset="0"/>
-                        </a:rPr>
-                        <m:t>+</m:t>
-                      </m:r>
-                      <m:f>
-                        <m:fPr>
-                          <m:ctrlPr>
-                            <a:rPr lang="en-US" b="0" i="1" smtClean="0">
-                              <a:latin typeface="Cambria Math" panose="02040503050406030204" pitchFamily="18" charset="0"/>
-                            </a:rPr>
-                          </m:ctrlPr>
-                        </m:fPr>
-                        <m:num>
-                          <m:sSub>
-                            <m:sSubPr>
-                              <m:ctrlPr>
-                                <a:rPr lang="en-US" i="1" smtClean="0">
-                                  <a:latin typeface="Cambria Math" panose="02040503050406030204" pitchFamily="18" charset="0"/>
-                                </a:rPr>
-                              </m:ctrlPr>
-                            </m:sSubPr>
-                            <m:e>
-                              <m:sSub>
-                                <m:sSubPr>
-                                  <m:ctrlPr>
-                                    <a:rPr lang="en-US" b="0" i="1" smtClean="0">
-                                      <a:latin typeface="Cambria Math" panose="02040503050406030204" pitchFamily="18" charset="0"/>
-                                    </a:rPr>
-                                  </m:ctrlPr>
-                                </m:sSubPr>
-                                <m:e>
-                                  <m:r>
-                                    <a:rPr lang="en-US" b="0" i="1" smtClean="0">
-                                      <a:latin typeface="Cambria Math" panose="02040503050406030204" pitchFamily="18" charset="0"/>
-                                    </a:rPr>
-                                    <m:t>𝑉</m:t>
-                                  </m:r>
-                                </m:e>
-                                <m:sub>
-                                  <m:r>
-                                    <a:rPr lang="en-US" b="0" i="1" smtClean="0">
-                                      <a:latin typeface="Cambria Math" panose="02040503050406030204" pitchFamily="18" charset="0"/>
-                                    </a:rPr>
-                                    <m:t>𝑏</m:t>
-                                  </m:r>
-                                </m:sub>
-                              </m:sSub>
-                              <m:r>
-                                <a:rPr lang="en-US" b="0" i="1" smtClean="0">
-                                  <a:latin typeface="Cambria Math" panose="02040503050406030204" pitchFamily="18" charset="0"/>
-                                </a:rPr>
-                                <m:t>−</m:t>
-                              </m:r>
-                              <m:r>
-                                <a:rPr lang="en-US" b="0" i="1" smtClean="0">
-                                  <a:latin typeface="Cambria Math" panose="02040503050406030204" pitchFamily="18" charset="0"/>
-                                </a:rPr>
-                                <m:t>𝑉</m:t>
-                              </m:r>
-                            </m:e>
-                            <m:sub>
-                              <m:r>
-                                <a:rPr lang="en-US" b="0" i="1" smtClean="0">
-                                  <a:latin typeface="Cambria Math" panose="02040503050406030204" pitchFamily="18" charset="0"/>
-                                </a:rPr>
-                                <m:t>0</m:t>
-                              </m:r>
-                            </m:sub>
-                          </m:sSub>
-                        </m:num>
-                        <m:den>
-                          <m:sSub>
-                            <m:sSubPr>
-                              <m:ctrlPr>
-                                <a:rPr lang="en-US" b="0" i="1" smtClean="0">
-                                  <a:latin typeface="Cambria Math" panose="02040503050406030204" pitchFamily="18" charset="0"/>
-                                </a:rPr>
-                              </m:ctrlPr>
-                            </m:sSubPr>
-                            <m:e>
-                              <m:r>
-                                <a:rPr lang="en-US" b="0" i="1" smtClean="0">
-                                  <a:latin typeface="Cambria Math" panose="02040503050406030204" pitchFamily="18" charset="0"/>
-                                </a:rPr>
-                                <m:t>𝑅</m:t>
-                              </m:r>
-                            </m:e>
-                            <m:sub>
-                              <m:r>
-                                <a:rPr lang="en-US" b="0" i="1" smtClean="0">
-                                  <a:latin typeface="Cambria Math" panose="02040503050406030204" pitchFamily="18" charset="0"/>
-                                </a:rPr>
-                                <m:t>3</m:t>
-                              </m:r>
-                            </m:sub>
-                          </m:sSub>
-                        </m:den>
-                      </m:f>
-                      <m:r>
-                        <a:rPr lang="en-US" b="0" i="1" smtClean="0">
-                          <a:latin typeface="Cambria Math" panose="02040503050406030204" pitchFamily="18" charset="0"/>
-                        </a:rPr>
-                        <m:t>=0</m:t>
-                      </m:r>
-                    </m:oMath>
-                  </m:oMathPara>
-                </a14:m>
-                <a:endParaRPr lang="en-US" dirty="0"/>
-              </a:p>
-            </p:txBody>
-          </p:sp>
-        </mc:Choice>
-        <mc:Fallback xmlns="">
-          <p:sp>
-            <p:nvSpPr>
-              <p:cNvPr id="79" name="TextBox 78"/>
-              <p:cNvSpPr txBox="1">
-                <a:spLocks noRot="1" noChangeAspect="1" noMove="1" noResize="1" noEditPoints="1" noAdjustHandles="1" noChangeArrowheads="1" noChangeShapeType="1" noTextEdit="1"/>
-              </p:cNvSpPr>
-              <p:nvPr/>
-            </p:nvSpPr>
-            <p:spPr>
-              <a:xfrm>
-                <a:off x="68542" y="4200828"/>
-                <a:ext cx="3453459" cy="565283"/>
-              </a:xfrm>
-              <a:prstGeom prst="rect">
-                <a:avLst/>
-              </a:prstGeom>
-              <a:blipFill>
-                <a:blip r:embed="rId9"/>
-                <a:stretch>
-                  <a:fillRect/>
-                </a:stretch>
-              </a:blipFill>
-            </p:spPr>
-            <p:txBody>
-              <a:bodyPr/>
-              <a:lstStyle/>
-              <a:p>
-                <a:r>
-                  <a:rPr lang="en-US">
-                    <a:noFill/>
-                  </a:rPr>
-                  <a:t> </a:t>
-                </a:r>
-              </a:p>
-            </p:txBody>
-          </p:sp>
-        </mc:Fallback>
-      </mc:AlternateContent>
-      <mc:AlternateContent xmlns:mc="http://schemas.openxmlformats.org/markup-compatibility/2006" xmlns:a14="http://schemas.microsoft.com/office/drawing/2010/main">
-        <mc:Choice Requires="a14">
-          <p:sp>
-            <p:nvSpPr>
-              <p:cNvPr id="84" name="Rectangle 83"/>
-              <p:cNvSpPr/>
-              <p:nvPr/>
-            </p:nvSpPr>
-            <p:spPr>
-              <a:xfrm>
-                <a:off x="8871379" y="5652420"/>
-                <a:ext cx="2127827" cy="611771"/>
-              </a:xfrm>
-              <a:prstGeom prst="rect">
-                <a:avLst/>
-              </a:prstGeom>
-            </p:spPr>
-            <p:txBody>
-              <a:bodyPr wrap="none">
-                <a:spAutoFit/>
-              </a:bodyPr>
-              <a:lstStyle/>
-              <a:p>
-                <a:pPr/>
-                <a14:m>
-                  <m:oMathPara xmlns:m="http://schemas.openxmlformats.org/officeDocument/2006/math">
-                    <m:oMathParaPr>
-                      <m:jc m:val="centerGroup"/>
-                    </m:oMathParaPr>
-                    <m:oMath xmlns:m="http://schemas.openxmlformats.org/officeDocument/2006/math">
-                      <m:sSub>
-                        <m:sSubPr>
-                          <m:ctrlPr>
-                            <a:rPr lang="en-US" b="0" i="1" smtClean="0">
-                              <a:latin typeface="Cambria Math" panose="02040503050406030204" pitchFamily="18" charset="0"/>
-                            </a:rPr>
-                          </m:ctrlPr>
-                        </m:sSubPr>
-                        <m:e>
-                          <m:r>
-                            <a:rPr lang="en-US" b="0" i="1" smtClean="0">
-                              <a:latin typeface="Cambria Math" panose="02040503050406030204" pitchFamily="18" charset="0"/>
-                            </a:rPr>
-                            <m:t>𝑉</m:t>
-                          </m:r>
-                        </m:e>
-                        <m:sub>
-                          <m:r>
-                            <a:rPr lang="en-US" b="0" i="1" smtClean="0">
-                              <a:latin typeface="Cambria Math" panose="02040503050406030204" pitchFamily="18" charset="0"/>
-                            </a:rPr>
-                            <m:t>𝑏</m:t>
-                          </m:r>
-                        </m:sub>
-                      </m:sSub>
-                      <m:r>
-                        <a:rPr lang="en-US" b="0" i="1" smtClean="0">
-                          <a:latin typeface="Cambria Math" panose="02040503050406030204" pitchFamily="18" charset="0"/>
-                        </a:rPr>
-                        <m:t>=</m:t>
-                      </m:r>
-                      <m:f>
-                        <m:fPr>
-                          <m:ctrlPr>
-                            <a:rPr lang="en-US" b="0" i="1" smtClean="0">
-                              <a:latin typeface="Cambria Math" panose="02040503050406030204" pitchFamily="18" charset="0"/>
-                            </a:rPr>
-                          </m:ctrlPr>
-                        </m:fPr>
-                        <m:num>
-                          <m:r>
-                            <a:rPr lang="en-US" b="0" i="1" smtClean="0">
-                              <a:latin typeface="Cambria Math" panose="02040503050406030204" pitchFamily="18" charset="0"/>
-                            </a:rPr>
-                            <m:t>80</m:t>
-                          </m:r>
-                        </m:num>
-                        <m:den>
-                          <m:r>
-                            <a:rPr lang="en-US" b="0" i="1" smtClean="0">
-                              <a:latin typeface="Cambria Math" panose="02040503050406030204" pitchFamily="18" charset="0"/>
-                            </a:rPr>
-                            <m:t>7</m:t>
-                          </m:r>
-                        </m:den>
-                      </m:f>
-                      <m:r>
-                        <a:rPr lang="en-US" b="0" i="1" smtClean="0">
-                          <a:latin typeface="Cambria Math" panose="02040503050406030204" pitchFamily="18" charset="0"/>
-                        </a:rPr>
-                        <m:t> </m:t>
-                      </m:r>
-                      <m:r>
-                        <a:rPr lang="en-US" b="0" i="1" smtClean="0">
-                          <a:latin typeface="Cambria Math" panose="02040503050406030204" pitchFamily="18" charset="0"/>
-                        </a:rPr>
-                        <m:t>𝑉</m:t>
-                      </m:r>
-                      <m:r>
-                        <a:rPr lang="en-US" b="0" i="1" smtClean="0">
-                          <a:latin typeface="Cambria Math" panose="02040503050406030204" pitchFamily="18" charset="0"/>
-                        </a:rPr>
-                        <m:t>=11.42</m:t>
-                      </m:r>
-                    </m:oMath>
-                  </m:oMathPara>
-                </a14:m>
-                <a:endParaRPr lang="en-US" dirty="0"/>
-              </a:p>
-            </p:txBody>
-          </p:sp>
-        </mc:Choice>
-        <mc:Fallback xmlns="">
-          <p:sp>
-            <p:nvSpPr>
-              <p:cNvPr id="84" name="Rectangle 83"/>
-              <p:cNvSpPr>
-                <a:spLocks noRot="1" noChangeAspect="1" noMove="1" noResize="1" noEditPoints="1" noAdjustHandles="1" noChangeArrowheads="1" noChangeShapeType="1" noTextEdit="1"/>
-              </p:cNvSpPr>
-              <p:nvPr/>
-            </p:nvSpPr>
-            <p:spPr>
-              <a:xfrm>
-                <a:off x="8871379" y="5652420"/>
-                <a:ext cx="2127827" cy="611771"/>
-              </a:xfrm>
-              <a:prstGeom prst="rect">
-                <a:avLst/>
-              </a:prstGeom>
-              <a:blipFill>
-                <a:blip r:embed="rId10"/>
-                <a:stretch>
-                  <a:fillRect/>
-                </a:stretch>
-              </a:blipFill>
-            </p:spPr>
-            <p:txBody>
-              <a:bodyPr/>
-              <a:lstStyle/>
-              <a:p>
-                <a:r>
-                  <a:rPr lang="en-US">
-                    <a:noFill/>
-                  </a:rPr>
-                  <a:t> </a:t>
-                </a:r>
-              </a:p>
-            </p:txBody>
-          </p:sp>
-        </mc:Fallback>
-      </mc:AlternateContent>
-      <mc:AlternateContent xmlns:mc="http://schemas.openxmlformats.org/markup-compatibility/2006" xmlns:a14="http://schemas.microsoft.com/office/drawing/2010/main">
-        <mc:Choice Requires="a14">
-          <p:sp>
-            <p:nvSpPr>
-              <p:cNvPr id="2" name="Rectangle 1"/>
-              <p:cNvSpPr/>
-              <p:nvPr/>
-            </p:nvSpPr>
-            <p:spPr>
-              <a:xfrm>
-                <a:off x="4881723" y="4551748"/>
-                <a:ext cx="3233136" cy="612732"/>
-              </a:xfrm>
-              <a:prstGeom prst="rect">
-                <a:avLst/>
-              </a:prstGeom>
-            </p:spPr>
-            <p:txBody>
-              <a:bodyPr wrap="square">
-                <a:spAutoFit/>
-              </a:bodyPr>
-              <a:lstStyle/>
-              <a:p>
-                <a:pPr/>
-                <a14:m>
-                  <m:oMathPara xmlns:m="http://schemas.openxmlformats.org/officeDocument/2006/math">
-                    <m:oMathParaPr>
-                      <m:jc m:val="centerGroup"/>
-                    </m:oMathParaPr>
-                    <m:oMath xmlns:m="http://schemas.openxmlformats.org/officeDocument/2006/math">
-                      <m:f>
-                        <m:fPr>
-                          <m:ctrlPr>
-                            <a:rPr lang="en-US" b="0" i="1" smtClean="0">
-                              <a:latin typeface="Cambria Math" panose="02040503050406030204" pitchFamily="18" charset="0"/>
-                            </a:rPr>
-                          </m:ctrlPr>
-                        </m:fPr>
-                        <m:num>
-                          <m:sSub>
-                            <m:sSubPr>
-                              <m:ctrlPr>
-                                <a:rPr lang="en-US" b="0" i="1" smtClean="0">
-                                  <a:latin typeface="Cambria Math" panose="02040503050406030204" pitchFamily="18" charset="0"/>
-                                </a:rPr>
-                              </m:ctrlPr>
-                            </m:sSubPr>
-                            <m:e>
-                              <m:r>
-                                <a:rPr lang="en-US" b="0" i="1" smtClean="0">
-                                  <a:latin typeface="Cambria Math" panose="02040503050406030204" pitchFamily="18" charset="0"/>
-                                </a:rPr>
-                                <m:t>𝑉</m:t>
-                              </m:r>
-                            </m:e>
-                            <m:sub>
-                              <m:r>
-                                <a:rPr lang="en-US" b="0" i="1" smtClean="0">
-                                  <a:latin typeface="Cambria Math" panose="02040503050406030204" pitchFamily="18" charset="0"/>
-                                </a:rPr>
-                                <m:t>𝑏</m:t>
-                              </m:r>
-                            </m:sub>
-                          </m:sSub>
-                        </m:num>
-                        <m:den>
-                          <m:r>
-                            <a:rPr lang="en-US" b="0" i="1" smtClean="0">
-                              <a:latin typeface="Cambria Math" panose="02040503050406030204" pitchFamily="18" charset="0"/>
-                            </a:rPr>
-                            <m:t>10</m:t>
-                          </m:r>
-                        </m:den>
-                      </m:f>
-                      <m:r>
-                        <a:rPr lang="en-US" b="0" i="1" smtClean="0">
-                          <a:latin typeface="Cambria Math" panose="02040503050406030204" pitchFamily="18" charset="0"/>
-                        </a:rPr>
-                        <m:t>−1+</m:t>
-                      </m:r>
-                      <m:f>
-                        <m:fPr>
-                          <m:ctrlPr>
-                            <a:rPr lang="en-US" b="0" i="1" smtClean="0">
-                              <a:latin typeface="Cambria Math" panose="02040503050406030204" pitchFamily="18" charset="0"/>
-                            </a:rPr>
-                          </m:ctrlPr>
-                        </m:fPr>
-                        <m:num>
-                          <m:sSub>
-                            <m:sSubPr>
-                              <m:ctrlPr>
-                                <a:rPr lang="en-US" b="0" i="1" smtClean="0">
-                                  <a:latin typeface="Cambria Math" panose="02040503050406030204" pitchFamily="18" charset="0"/>
-                                </a:rPr>
-                              </m:ctrlPr>
-                            </m:sSubPr>
-                            <m:e>
-                              <m:r>
-                                <a:rPr lang="en-US" b="0" i="1" smtClean="0">
-                                  <a:latin typeface="Cambria Math" panose="02040503050406030204" pitchFamily="18" charset="0"/>
-                                </a:rPr>
-                                <m:t>𝑉</m:t>
-                              </m:r>
-                            </m:e>
-                            <m:sub>
-                              <m:r>
-                                <a:rPr lang="en-US" b="0" i="1" smtClean="0">
-                                  <a:latin typeface="Cambria Math" panose="02040503050406030204" pitchFamily="18" charset="0"/>
-                                </a:rPr>
-                                <m:t>𝑏</m:t>
-                              </m:r>
-                            </m:sub>
-                          </m:sSub>
-                        </m:num>
-                        <m:den>
-                          <m:r>
-                            <a:rPr lang="en-US" b="0" i="1" smtClean="0">
-                              <a:latin typeface="Cambria Math" panose="02040503050406030204" pitchFamily="18" charset="0"/>
-                            </a:rPr>
-                            <m:t>20</m:t>
-                          </m:r>
-                        </m:den>
-                      </m:f>
-                      <m:r>
-                        <a:rPr lang="en-US" b="0" i="1" smtClean="0">
-                          <a:latin typeface="Cambria Math" panose="02040503050406030204" pitchFamily="18" charset="0"/>
-                        </a:rPr>
-                        <m:t>−1+</m:t>
-                      </m:r>
-                      <m:f>
-                        <m:fPr>
-                          <m:ctrlPr>
-                            <a:rPr lang="en-US" b="0" i="1" smtClean="0">
-                              <a:latin typeface="Cambria Math" panose="02040503050406030204" pitchFamily="18" charset="0"/>
-                            </a:rPr>
-                          </m:ctrlPr>
-                        </m:fPr>
-                        <m:num>
-                          <m:sSub>
-                            <m:sSubPr>
-                              <m:ctrlPr>
-                                <a:rPr lang="en-US" b="0" i="1" smtClean="0">
-                                  <a:latin typeface="Cambria Math" panose="02040503050406030204" pitchFamily="18" charset="0"/>
-                                </a:rPr>
-                              </m:ctrlPr>
-                            </m:sSubPr>
-                            <m:e>
-                              <m:r>
-                                <a:rPr lang="en-US" b="0" i="1" smtClean="0">
-                                  <a:latin typeface="Cambria Math" panose="02040503050406030204" pitchFamily="18" charset="0"/>
-                                </a:rPr>
-                                <m:t>𝑉</m:t>
-                              </m:r>
-                            </m:e>
-                            <m:sub>
-                              <m:r>
-                                <a:rPr lang="en-US" b="0" i="1" smtClean="0">
-                                  <a:latin typeface="Cambria Math" panose="02040503050406030204" pitchFamily="18" charset="0"/>
-                                </a:rPr>
-                                <m:t>𝑏</m:t>
-                              </m:r>
-                            </m:sub>
-                          </m:sSub>
-                        </m:num>
-                        <m:den>
-                          <m:r>
-                            <a:rPr lang="en-US" b="0" i="1" smtClean="0">
-                              <a:latin typeface="Cambria Math" panose="02040503050406030204" pitchFamily="18" charset="0"/>
-                            </a:rPr>
-                            <m:t>40</m:t>
-                          </m:r>
-                        </m:den>
-                      </m:f>
-                      <m:r>
-                        <a:rPr lang="en-US" b="0" i="1" smtClean="0">
-                          <a:latin typeface="Cambria Math" panose="02040503050406030204" pitchFamily="18" charset="0"/>
-                        </a:rPr>
-                        <m:t>=0</m:t>
-                      </m:r>
-                    </m:oMath>
-                  </m:oMathPara>
-                </a14:m>
-                <a:endParaRPr lang="en-US" dirty="0"/>
-              </a:p>
-            </p:txBody>
-          </p:sp>
-        </mc:Choice>
-        <mc:Fallback xmlns="">
-          <p:sp>
-            <p:nvSpPr>
-              <p:cNvPr id="2" name="Rectangle 1"/>
-              <p:cNvSpPr>
-                <a:spLocks noRot="1" noChangeAspect="1" noMove="1" noResize="1" noEditPoints="1" noAdjustHandles="1" noChangeArrowheads="1" noChangeShapeType="1" noTextEdit="1"/>
-              </p:cNvSpPr>
-              <p:nvPr/>
-            </p:nvSpPr>
-            <p:spPr>
-              <a:xfrm>
-                <a:off x="4881723" y="4551748"/>
-                <a:ext cx="3233136" cy="612732"/>
-              </a:xfrm>
-              <a:prstGeom prst="rect">
-                <a:avLst/>
-              </a:prstGeom>
-              <a:blipFill>
-                <a:blip r:embed="rId11"/>
-                <a:stretch>
-                  <a:fillRect/>
-                </a:stretch>
-              </a:blipFill>
-            </p:spPr>
-            <p:txBody>
-              <a:bodyPr/>
-              <a:lstStyle/>
-              <a:p>
-                <a:r>
-                  <a:rPr lang="en-US">
-                    <a:noFill/>
-                  </a:rPr>
-                  <a:t> </a:t>
-                </a:r>
-              </a:p>
-            </p:txBody>
-          </p:sp>
-        </mc:Fallback>
-      </mc:AlternateContent>
-      <mc:AlternateContent xmlns:mc="http://schemas.openxmlformats.org/markup-compatibility/2006" xmlns:a14="http://schemas.microsoft.com/office/drawing/2010/main">
-        <mc:Choice Requires="a14">
-          <p:sp>
-            <p:nvSpPr>
-              <p:cNvPr id="3" name="Rectangle 2"/>
-              <p:cNvSpPr/>
-              <p:nvPr/>
-            </p:nvSpPr>
-            <p:spPr>
-              <a:xfrm>
-                <a:off x="68542" y="4960989"/>
-                <a:ext cx="3372911" cy="612732"/>
-              </a:xfrm>
-              <a:prstGeom prst="rect">
-                <a:avLst/>
-              </a:prstGeom>
-            </p:spPr>
-            <p:txBody>
-              <a:bodyPr wrap="none">
-                <a:spAutoFit/>
-              </a:bodyPr>
-              <a:lstStyle/>
-              <a:p>
-                <a:pPr/>
-                <a14:m>
-                  <m:oMathPara xmlns:m="http://schemas.openxmlformats.org/officeDocument/2006/math">
-                    <m:oMathParaPr>
-                      <m:jc m:val="centerGroup"/>
-                    </m:oMathParaPr>
-                    <m:oMath xmlns:m="http://schemas.openxmlformats.org/officeDocument/2006/math">
-                      <m:f>
-                        <m:fPr>
-                          <m:ctrlPr>
-                            <a:rPr lang="en-US" b="0" i="1" smtClean="0">
-                              <a:latin typeface="Cambria Math" panose="02040503050406030204" pitchFamily="18" charset="0"/>
-                            </a:rPr>
-                          </m:ctrlPr>
-                        </m:fPr>
-                        <m:num>
-                          <m:sSub>
-                            <m:sSubPr>
-                              <m:ctrlPr>
-                                <a:rPr lang="en-US" b="0" i="1" smtClean="0">
-                                  <a:latin typeface="Cambria Math" panose="02040503050406030204" pitchFamily="18" charset="0"/>
-                                </a:rPr>
-                              </m:ctrlPr>
-                            </m:sSubPr>
-                            <m:e>
-                              <m:r>
-                                <a:rPr lang="en-US" b="0" i="1" smtClean="0">
-                                  <a:latin typeface="Cambria Math" panose="02040503050406030204" pitchFamily="18" charset="0"/>
-                                </a:rPr>
-                                <m:t>𝑉</m:t>
-                              </m:r>
-                            </m:e>
-                            <m:sub>
-                              <m:r>
-                                <a:rPr lang="en-US" b="0" i="1" smtClean="0">
-                                  <a:latin typeface="Cambria Math" panose="02040503050406030204" pitchFamily="18" charset="0"/>
-                                </a:rPr>
-                                <m:t>𝑏</m:t>
-                              </m:r>
-                            </m:sub>
-                          </m:sSub>
-                          <m:r>
-                            <a:rPr lang="en-US" b="0" i="1" smtClean="0">
-                              <a:latin typeface="Cambria Math" panose="02040503050406030204" pitchFamily="18" charset="0"/>
-                            </a:rPr>
-                            <m:t>−10</m:t>
-                          </m:r>
-                        </m:num>
-                        <m:den>
-                          <m:r>
-                            <a:rPr lang="en-US" b="0" i="1" smtClean="0">
-                              <a:latin typeface="Cambria Math" panose="02040503050406030204" pitchFamily="18" charset="0"/>
-                            </a:rPr>
-                            <m:t>10</m:t>
-                          </m:r>
-                        </m:den>
-                      </m:f>
-                      <m:r>
-                        <a:rPr lang="en-US" b="0" i="1" smtClean="0">
-                          <a:latin typeface="Cambria Math" panose="02040503050406030204" pitchFamily="18" charset="0"/>
-                        </a:rPr>
-                        <m:t>+</m:t>
-                      </m:r>
-                      <m:f>
-                        <m:fPr>
-                          <m:ctrlPr>
-                            <a:rPr lang="en-US" b="0" i="1" smtClean="0">
-                              <a:latin typeface="Cambria Math" panose="02040503050406030204" pitchFamily="18" charset="0"/>
-                            </a:rPr>
-                          </m:ctrlPr>
-                        </m:fPr>
-                        <m:num>
-                          <m:sSub>
-                            <m:sSubPr>
-                              <m:ctrlPr>
-                                <a:rPr lang="en-US" b="0" i="1" smtClean="0">
-                                  <a:latin typeface="Cambria Math" panose="02040503050406030204" pitchFamily="18" charset="0"/>
-                                </a:rPr>
-                              </m:ctrlPr>
-                            </m:sSubPr>
-                            <m:e>
-                              <m:r>
-                                <a:rPr lang="en-US" b="0" i="1" smtClean="0">
-                                  <a:latin typeface="Cambria Math" panose="02040503050406030204" pitchFamily="18" charset="0"/>
-                                </a:rPr>
-                                <m:t>𝑉</m:t>
-                              </m:r>
-                            </m:e>
-                            <m:sub>
-                              <m:r>
-                                <a:rPr lang="en-US" b="0" i="1" smtClean="0">
-                                  <a:latin typeface="Cambria Math" panose="02040503050406030204" pitchFamily="18" charset="0"/>
-                                </a:rPr>
-                                <m:t>𝑏</m:t>
-                              </m:r>
-                            </m:sub>
-                          </m:sSub>
-                          <m:r>
-                            <a:rPr lang="en-US" b="0" i="1" smtClean="0">
-                              <a:latin typeface="Cambria Math" panose="02040503050406030204" pitchFamily="18" charset="0"/>
-                            </a:rPr>
-                            <m:t>−20</m:t>
-                          </m:r>
-                        </m:num>
-                        <m:den>
-                          <m:r>
-                            <a:rPr lang="en-US" b="0" i="1" smtClean="0">
-                              <a:latin typeface="Cambria Math" panose="02040503050406030204" pitchFamily="18" charset="0"/>
-                            </a:rPr>
-                            <m:t>20</m:t>
-                          </m:r>
-                        </m:den>
-                      </m:f>
-                      <m:r>
-                        <a:rPr lang="en-US" b="0" i="1" smtClean="0">
-                          <a:latin typeface="Cambria Math" panose="02040503050406030204" pitchFamily="18" charset="0"/>
-                        </a:rPr>
-                        <m:t>+</m:t>
-                      </m:r>
-                      <m:f>
-                        <m:fPr>
-                          <m:ctrlPr>
-                            <a:rPr lang="en-US" b="0" i="1" smtClean="0">
-                              <a:latin typeface="Cambria Math" panose="02040503050406030204" pitchFamily="18" charset="0"/>
-                            </a:rPr>
-                          </m:ctrlPr>
-                        </m:fPr>
-                        <m:num>
-                          <m:sSub>
-                            <m:sSubPr>
-                              <m:ctrlPr>
-                                <a:rPr lang="en-US" b="0" i="1" smtClean="0">
-                                  <a:latin typeface="Cambria Math" panose="02040503050406030204" pitchFamily="18" charset="0"/>
-                                </a:rPr>
-                              </m:ctrlPr>
-                            </m:sSubPr>
-                            <m:e>
-                              <m:r>
-                                <a:rPr lang="en-US" b="0" i="1" smtClean="0">
-                                  <a:latin typeface="Cambria Math" panose="02040503050406030204" pitchFamily="18" charset="0"/>
-                                </a:rPr>
-                                <m:t>𝑉</m:t>
-                              </m:r>
-                            </m:e>
-                            <m:sub>
-                              <m:r>
-                                <a:rPr lang="en-US" b="0" i="1" smtClean="0">
-                                  <a:latin typeface="Cambria Math" panose="02040503050406030204" pitchFamily="18" charset="0"/>
-                                </a:rPr>
-                                <m:t>𝑏</m:t>
-                              </m:r>
-                            </m:sub>
-                          </m:sSub>
-                          <m:r>
-                            <a:rPr lang="en-US" b="0" i="1" smtClean="0">
-                              <a:latin typeface="Cambria Math" panose="02040503050406030204" pitchFamily="18" charset="0"/>
-                            </a:rPr>
-                            <m:t>−</m:t>
-                          </m:r>
-                          <m:r>
-                            <a:rPr lang="en-US" i="1" smtClean="0">
-                              <a:latin typeface="Cambria Math" panose="02040503050406030204" pitchFamily="18" charset="0"/>
-                            </a:rPr>
-                            <m:t>0</m:t>
-                          </m:r>
-                        </m:num>
-                        <m:den>
-                          <m:r>
-                            <a:rPr lang="en-US" b="0" i="1" smtClean="0">
-                              <a:latin typeface="Cambria Math" panose="02040503050406030204" pitchFamily="18" charset="0"/>
-                            </a:rPr>
-                            <m:t>40</m:t>
-                          </m:r>
-                        </m:den>
-                      </m:f>
-                      <m:r>
-                        <a:rPr lang="en-US" b="0" i="1" smtClean="0">
-                          <a:latin typeface="Cambria Math" panose="02040503050406030204" pitchFamily="18" charset="0"/>
-                        </a:rPr>
-                        <m:t>=0</m:t>
-                      </m:r>
-                    </m:oMath>
-                  </m:oMathPara>
-                </a14:m>
-                <a:endParaRPr lang="en-US" dirty="0"/>
-              </a:p>
-            </p:txBody>
-          </p:sp>
-        </mc:Choice>
-        <mc:Fallback xmlns="">
-          <p:sp>
-            <p:nvSpPr>
-              <p:cNvPr id="3" name="Rectangle 2"/>
-              <p:cNvSpPr>
-                <a:spLocks noRot="1" noChangeAspect="1" noMove="1" noResize="1" noEditPoints="1" noAdjustHandles="1" noChangeArrowheads="1" noChangeShapeType="1" noTextEdit="1"/>
-              </p:cNvSpPr>
-              <p:nvPr/>
-            </p:nvSpPr>
-            <p:spPr>
-              <a:xfrm>
-                <a:off x="68542" y="4960989"/>
-                <a:ext cx="3372911" cy="612732"/>
-              </a:xfrm>
-              <a:prstGeom prst="rect">
-                <a:avLst/>
-              </a:prstGeom>
-              <a:blipFill>
-                <a:blip r:embed="rId12"/>
-                <a:stretch>
-                  <a:fillRect/>
-                </a:stretch>
-              </a:blipFill>
-            </p:spPr>
-            <p:txBody>
-              <a:bodyPr/>
-              <a:lstStyle/>
-              <a:p>
-                <a:r>
-                  <a:rPr lang="en-US">
-                    <a:noFill/>
-                  </a:rPr>
-                  <a:t> </a:t>
-                </a:r>
-              </a:p>
-            </p:txBody>
-          </p:sp>
-        </mc:Fallback>
-      </mc:AlternateContent>
-      <mc:AlternateContent xmlns:mc="http://schemas.openxmlformats.org/markup-compatibility/2006" xmlns:a14="http://schemas.microsoft.com/office/drawing/2010/main">
-        <mc:Choice Requires="a14">
-          <p:sp>
-            <p:nvSpPr>
-              <p:cNvPr id="4" name="Rectangle 3"/>
-              <p:cNvSpPr/>
-              <p:nvPr/>
-            </p:nvSpPr>
-            <p:spPr>
-              <a:xfrm>
-                <a:off x="146292" y="5938201"/>
-                <a:ext cx="3052439" cy="612732"/>
-              </a:xfrm>
-              <a:prstGeom prst="rect">
-                <a:avLst/>
-              </a:prstGeom>
-            </p:spPr>
-            <p:txBody>
-              <a:bodyPr wrap="none">
-                <a:spAutoFit/>
-              </a:bodyPr>
-              <a:lstStyle/>
-              <a:p>
-                <a:pPr/>
-                <a14:m>
-                  <m:oMathPara xmlns:m="http://schemas.openxmlformats.org/officeDocument/2006/math">
-                    <m:oMathParaPr>
-                      <m:jc m:val="centerGroup"/>
-                    </m:oMathParaPr>
-                    <m:oMath xmlns:m="http://schemas.openxmlformats.org/officeDocument/2006/math">
-                      <m:f>
-                        <m:fPr>
-                          <m:ctrlPr>
-                            <a:rPr lang="en-US" b="0" i="1" smtClean="0">
-                              <a:latin typeface="Cambria Math" panose="02040503050406030204" pitchFamily="18" charset="0"/>
-                            </a:rPr>
-                          </m:ctrlPr>
-                        </m:fPr>
-                        <m:num>
-                          <m:sSub>
-                            <m:sSubPr>
-                              <m:ctrlPr>
-                                <a:rPr lang="en-US" b="0" i="1" smtClean="0">
-                                  <a:latin typeface="Cambria Math" panose="02040503050406030204" pitchFamily="18" charset="0"/>
-                                </a:rPr>
-                              </m:ctrlPr>
-                            </m:sSubPr>
-                            <m:e>
-                              <m:r>
-                                <a:rPr lang="en-US" b="0" i="1" smtClean="0">
-                                  <a:latin typeface="Cambria Math" panose="02040503050406030204" pitchFamily="18" charset="0"/>
-                                </a:rPr>
-                                <m:t>𝑉</m:t>
-                              </m:r>
-                            </m:e>
-                            <m:sub>
-                              <m:r>
-                                <a:rPr lang="en-US" b="0" i="1" smtClean="0">
-                                  <a:latin typeface="Cambria Math" panose="02040503050406030204" pitchFamily="18" charset="0"/>
-                                </a:rPr>
-                                <m:t>𝑏</m:t>
-                              </m:r>
-                            </m:sub>
-                          </m:sSub>
-                        </m:num>
-                        <m:den>
-                          <m:r>
-                            <a:rPr lang="en-US" b="0" i="1" smtClean="0">
-                              <a:latin typeface="Cambria Math" panose="02040503050406030204" pitchFamily="18" charset="0"/>
-                            </a:rPr>
-                            <m:t>10</m:t>
-                          </m:r>
-                        </m:den>
-                      </m:f>
-                      <m:r>
-                        <a:rPr lang="en-US" b="0" i="1" smtClean="0">
-                          <a:latin typeface="Cambria Math" panose="02040503050406030204" pitchFamily="18" charset="0"/>
-                        </a:rPr>
-                        <m:t>−</m:t>
-                      </m:r>
-                      <m:f>
-                        <m:fPr>
-                          <m:ctrlPr>
-                            <a:rPr lang="en-US" b="0" i="1" smtClean="0">
-                              <a:latin typeface="Cambria Math" panose="02040503050406030204" pitchFamily="18" charset="0"/>
-                            </a:rPr>
-                          </m:ctrlPr>
-                        </m:fPr>
-                        <m:num>
-                          <m:r>
-                            <a:rPr lang="en-US" b="0" i="1" smtClean="0">
-                              <a:latin typeface="Cambria Math" panose="02040503050406030204" pitchFamily="18" charset="0"/>
-                            </a:rPr>
-                            <m:t>10</m:t>
-                          </m:r>
-                        </m:num>
-                        <m:den>
-                          <m:r>
-                            <a:rPr lang="en-US" b="0" i="1" smtClean="0">
-                              <a:latin typeface="Cambria Math" panose="02040503050406030204" pitchFamily="18" charset="0"/>
-                            </a:rPr>
-                            <m:t>10</m:t>
-                          </m:r>
-                        </m:den>
-                      </m:f>
-                      <m:r>
-                        <a:rPr lang="en-US" b="0" i="1" smtClean="0">
-                          <a:latin typeface="Cambria Math" panose="02040503050406030204" pitchFamily="18" charset="0"/>
-                        </a:rPr>
-                        <m:t>+</m:t>
-                      </m:r>
-                      <m:f>
-                        <m:fPr>
-                          <m:ctrlPr>
-                            <a:rPr lang="en-US" b="0" i="1" smtClean="0">
-                              <a:latin typeface="Cambria Math" panose="02040503050406030204" pitchFamily="18" charset="0"/>
-                            </a:rPr>
-                          </m:ctrlPr>
-                        </m:fPr>
-                        <m:num>
-                          <m:sSub>
-                            <m:sSubPr>
-                              <m:ctrlPr>
-                                <a:rPr lang="en-US" b="0" i="1" smtClean="0">
-                                  <a:latin typeface="Cambria Math" panose="02040503050406030204" pitchFamily="18" charset="0"/>
-                                </a:rPr>
-                              </m:ctrlPr>
-                            </m:sSubPr>
-                            <m:e>
-                              <m:r>
-                                <a:rPr lang="en-US" b="0" i="1" smtClean="0">
-                                  <a:latin typeface="Cambria Math" panose="02040503050406030204" pitchFamily="18" charset="0"/>
-                                </a:rPr>
-                                <m:t>𝑉</m:t>
-                              </m:r>
-                            </m:e>
-                            <m:sub>
-                              <m:r>
-                                <a:rPr lang="en-US" b="0" i="1" smtClean="0">
-                                  <a:latin typeface="Cambria Math" panose="02040503050406030204" pitchFamily="18" charset="0"/>
-                                </a:rPr>
-                                <m:t>𝑏</m:t>
-                              </m:r>
-                            </m:sub>
-                          </m:sSub>
-                        </m:num>
-                        <m:den>
-                          <m:r>
-                            <a:rPr lang="en-US" b="0" i="1" smtClean="0">
-                              <a:latin typeface="Cambria Math" panose="02040503050406030204" pitchFamily="18" charset="0"/>
-                            </a:rPr>
-                            <m:t>20</m:t>
-                          </m:r>
-                        </m:den>
-                      </m:f>
-                      <m:r>
-                        <a:rPr lang="en-US" b="0" i="1" smtClean="0">
-                          <a:latin typeface="Cambria Math" panose="02040503050406030204" pitchFamily="18" charset="0"/>
-                        </a:rPr>
-                        <m:t>−</m:t>
-                      </m:r>
-                      <m:f>
-                        <m:fPr>
-                          <m:ctrlPr>
-                            <a:rPr lang="en-US" b="0" i="1" smtClean="0">
-                              <a:latin typeface="Cambria Math" panose="02040503050406030204" pitchFamily="18" charset="0"/>
-                            </a:rPr>
-                          </m:ctrlPr>
-                        </m:fPr>
-                        <m:num>
-                          <m:r>
-                            <a:rPr lang="en-US" b="0" i="1" smtClean="0">
-                              <a:latin typeface="Cambria Math" panose="02040503050406030204" pitchFamily="18" charset="0"/>
-                            </a:rPr>
-                            <m:t>20</m:t>
-                          </m:r>
-                        </m:num>
-                        <m:den>
-                          <m:r>
-                            <a:rPr lang="en-US" b="0" i="1" smtClean="0">
-                              <a:latin typeface="Cambria Math" panose="02040503050406030204" pitchFamily="18" charset="0"/>
-                            </a:rPr>
-                            <m:t>20</m:t>
-                          </m:r>
-                        </m:den>
-                      </m:f>
-                      <m:r>
-                        <a:rPr lang="en-US" b="0" i="1" smtClean="0">
-                          <a:latin typeface="Cambria Math" panose="02040503050406030204" pitchFamily="18" charset="0"/>
-                        </a:rPr>
-                        <m:t>+</m:t>
-                      </m:r>
-                      <m:f>
-                        <m:fPr>
-                          <m:ctrlPr>
-                            <a:rPr lang="en-US" b="0" i="1" smtClean="0">
-                              <a:latin typeface="Cambria Math" panose="02040503050406030204" pitchFamily="18" charset="0"/>
-                            </a:rPr>
-                          </m:ctrlPr>
-                        </m:fPr>
-                        <m:num>
-                          <m:sSub>
-                            <m:sSubPr>
-                              <m:ctrlPr>
-                                <a:rPr lang="en-US" b="0" i="1" smtClean="0">
-                                  <a:latin typeface="Cambria Math" panose="02040503050406030204" pitchFamily="18" charset="0"/>
-                                </a:rPr>
-                              </m:ctrlPr>
-                            </m:sSubPr>
-                            <m:e>
-                              <m:r>
-                                <a:rPr lang="en-US" b="0" i="1" smtClean="0">
-                                  <a:latin typeface="Cambria Math" panose="02040503050406030204" pitchFamily="18" charset="0"/>
-                                </a:rPr>
-                                <m:t>𝑉</m:t>
-                              </m:r>
-                            </m:e>
-                            <m:sub>
-                              <m:r>
-                                <a:rPr lang="en-US" b="0" i="1" smtClean="0">
-                                  <a:latin typeface="Cambria Math" panose="02040503050406030204" pitchFamily="18" charset="0"/>
-                                </a:rPr>
-                                <m:t>𝑏</m:t>
-                              </m:r>
-                            </m:sub>
-                          </m:sSub>
-                        </m:num>
-                        <m:den>
-                          <m:r>
-                            <a:rPr lang="en-US" b="0" i="1" smtClean="0">
-                              <a:latin typeface="Cambria Math" panose="02040503050406030204" pitchFamily="18" charset="0"/>
-                            </a:rPr>
-                            <m:t>40</m:t>
-                          </m:r>
-                        </m:den>
-                      </m:f>
-                      <m:r>
-                        <a:rPr lang="en-US" b="0" i="1" smtClean="0">
-                          <a:latin typeface="Cambria Math" panose="02040503050406030204" pitchFamily="18" charset="0"/>
-                        </a:rPr>
-                        <m:t>=0</m:t>
-                      </m:r>
-                    </m:oMath>
-                  </m:oMathPara>
-                </a14:m>
-                <a:endParaRPr lang="en-US" dirty="0"/>
-              </a:p>
-            </p:txBody>
-          </p:sp>
-        </mc:Choice>
-        <mc:Fallback xmlns="">
-          <p:sp>
-            <p:nvSpPr>
-              <p:cNvPr id="4" name="Rectangle 3"/>
-              <p:cNvSpPr>
-                <a:spLocks noRot="1" noChangeAspect="1" noMove="1" noResize="1" noEditPoints="1" noAdjustHandles="1" noChangeArrowheads="1" noChangeShapeType="1" noTextEdit="1"/>
-              </p:cNvSpPr>
-              <p:nvPr/>
-            </p:nvSpPr>
-            <p:spPr>
-              <a:xfrm>
-                <a:off x="146292" y="5938201"/>
-                <a:ext cx="3052439" cy="612732"/>
-              </a:xfrm>
-              <a:prstGeom prst="rect">
-                <a:avLst/>
-              </a:prstGeom>
-              <a:blipFill>
-                <a:blip r:embed="rId13"/>
-                <a:stretch>
-                  <a:fillRect/>
-                </a:stretch>
-              </a:blipFill>
-            </p:spPr>
-            <p:txBody>
-              <a:bodyPr/>
-              <a:lstStyle/>
-              <a:p>
-                <a:r>
-                  <a:rPr lang="en-US">
-                    <a:noFill/>
-                  </a:rPr>
-                  <a:t> </a:t>
-                </a:r>
-              </a:p>
-            </p:txBody>
-          </p:sp>
-        </mc:Fallback>
-      </mc:AlternateContent>
-      <mc:AlternateContent xmlns:mc="http://schemas.openxmlformats.org/markup-compatibility/2006" xmlns:a14="http://schemas.microsoft.com/office/drawing/2010/main">
-        <mc:Choice Requires="a14">
-          <p:sp>
-            <p:nvSpPr>
-              <p:cNvPr id="52" name="Rectangle 51"/>
-              <p:cNvSpPr/>
-              <p:nvPr/>
-            </p:nvSpPr>
-            <p:spPr>
-              <a:xfrm>
-                <a:off x="4442853" y="5325469"/>
-                <a:ext cx="3233136" cy="612732"/>
-              </a:xfrm>
-              <a:prstGeom prst="rect">
-                <a:avLst/>
-              </a:prstGeom>
-            </p:spPr>
-            <p:txBody>
-              <a:bodyPr wrap="square">
-                <a:spAutoFit/>
-              </a:bodyPr>
-              <a:lstStyle/>
-              <a:p>
-                <a:pPr/>
-                <a14:m>
-                  <m:oMathPara xmlns:m="http://schemas.openxmlformats.org/officeDocument/2006/math">
-                    <m:oMathParaPr>
-                      <m:jc m:val="centerGroup"/>
-                    </m:oMathParaPr>
-                    <m:oMath xmlns:m="http://schemas.openxmlformats.org/officeDocument/2006/math">
-                      <m:f>
-                        <m:fPr>
-                          <m:ctrlPr>
-                            <a:rPr lang="en-US" b="0" i="1" smtClean="0">
-                              <a:latin typeface="Cambria Math" panose="02040503050406030204" pitchFamily="18" charset="0"/>
-                            </a:rPr>
-                          </m:ctrlPr>
-                        </m:fPr>
-                        <m:num>
-                          <m:sSub>
-                            <m:sSubPr>
-                              <m:ctrlPr>
-                                <a:rPr lang="en-US" b="0" i="1" smtClean="0">
-                                  <a:latin typeface="Cambria Math" panose="02040503050406030204" pitchFamily="18" charset="0"/>
-                                </a:rPr>
-                              </m:ctrlPr>
-                            </m:sSubPr>
-                            <m:e>
-                              <m:r>
-                                <a:rPr lang="en-US" b="0" i="1" smtClean="0">
-                                  <a:latin typeface="Cambria Math" panose="02040503050406030204" pitchFamily="18" charset="0"/>
-                                </a:rPr>
-                                <m:t>𝑉</m:t>
-                              </m:r>
-                            </m:e>
-                            <m:sub>
-                              <m:r>
-                                <a:rPr lang="en-US" b="0" i="1" smtClean="0">
-                                  <a:latin typeface="Cambria Math" panose="02040503050406030204" pitchFamily="18" charset="0"/>
-                                </a:rPr>
-                                <m:t>𝑏</m:t>
-                              </m:r>
-                            </m:sub>
-                          </m:sSub>
-                        </m:num>
-                        <m:den>
-                          <m:r>
-                            <a:rPr lang="en-US" b="0" i="1" smtClean="0">
-                              <a:latin typeface="Cambria Math" panose="02040503050406030204" pitchFamily="18" charset="0"/>
-                            </a:rPr>
-                            <m:t>10</m:t>
-                          </m:r>
-                        </m:den>
-                      </m:f>
-                      <m:r>
-                        <a:rPr lang="en-US" b="0" i="1" smtClean="0">
-                          <a:latin typeface="Cambria Math" panose="02040503050406030204" pitchFamily="18" charset="0"/>
-                        </a:rPr>
-                        <m:t>+</m:t>
-                      </m:r>
-                      <m:f>
-                        <m:fPr>
-                          <m:ctrlPr>
-                            <a:rPr lang="en-US" b="0" i="1" smtClean="0">
-                              <a:latin typeface="Cambria Math" panose="02040503050406030204" pitchFamily="18" charset="0"/>
-                            </a:rPr>
-                          </m:ctrlPr>
-                        </m:fPr>
-                        <m:num>
-                          <m:sSub>
-                            <m:sSubPr>
-                              <m:ctrlPr>
-                                <a:rPr lang="en-US" b="0" i="1" smtClean="0">
-                                  <a:latin typeface="Cambria Math" panose="02040503050406030204" pitchFamily="18" charset="0"/>
-                                </a:rPr>
-                              </m:ctrlPr>
-                            </m:sSubPr>
-                            <m:e>
-                              <m:r>
-                                <a:rPr lang="en-US" b="0" i="1" smtClean="0">
-                                  <a:latin typeface="Cambria Math" panose="02040503050406030204" pitchFamily="18" charset="0"/>
-                                </a:rPr>
-                                <m:t>𝑉</m:t>
-                              </m:r>
-                            </m:e>
-                            <m:sub>
-                              <m:r>
-                                <a:rPr lang="en-US" b="0" i="1" smtClean="0">
-                                  <a:latin typeface="Cambria Math" panose="02040503050406030204" pitchFamily="18" charset="0"/>
-                                </a:rPr>
-                                <m:t>𝑏</m:t>
-                              </m:r>
-                            </m:sub>
-                          </m:sSub>
-                        </m:num>
-                        <m:den>
-                          <m:r>
-                            <a:rPr lang="en-US" b="0" i="1" smtClean="0">
-                              <a:latin typeface="Cambria Math" panose="02040503050406030204" pitchFamily="18" charset="0"/>
-                            </a:rPr>
-                            <m:t>20</m:t>
-                          </m:r>
-                        </m:den>
-                      </m:f>
-                      <m:r>
-                        <a:rPr lang="en-US" b="0" i="1" smtClean="0">
-                          <a:latin typeface="Cambria Math" panose="02040503050406030204" pitchFamily="18" charset="0"/>
-                        </a:rPr>
-                        <m:t>+</m:t>
-                      </m:r>
-                      <m:f>
-                        <m:fPr>
-                          <m:ctrlPr>
-                            <a:rPr lang="en-US" b="0" i="1" smtClean="0">
-                              <a:latin typeface="Cambria Math" panose="02040503050406030204" pitchFamily="18" charset="0"/>
-                            </a:rPr>
-                          </m:ctrlPr>
-                        </m:fPr>
-                        <m:num>
-                          <m:sSub>
-                            <m:sSubPr>
-                              <m:ctrlPr>
-                                <a:rPr lang="en-US" b="0" i="1" smtClean="0">
-                                  <a:latin typeface="Cambria Math" panose="02040503050406030204" pitchFamily="18" charset="0"/>
-                                </a:rPr>
-                              </m:ctrlPr>
-                            </m:sSubPr>
-                            <m:e>
-                              <m:r>
-                                <a:rPr lang="en-US" b="0" i="1" smtClean="0">
-                                  <a:latin typeface="Cambria Math" panose="02040503050406030204" pitchFamily="18" charset="0"/>
-                                </a:rPr>
-                                <m:t>𝑉</m:t>
-                              </m:r>
-                            </m:e>
-                            <m:sub>
-                              <m:r>
-                                <a:rPr lang="en-US" b="0" i="1" smtClean="0">
-                                  <a:latin typeface="Cambria Math" panose="02040503050406030204" pitchFamily="18" charset="0"/>
-                                </a:rPr>
-                                <m:t>𝑏</m:t>
-                              </m:r>
-                            </m:sub>
-                          </m:sSub>
-                        </m:num>
-                        <m:den>
-                          <m:r>
-                            <a:rPr lang="en-US" b="0" i="1" smtClean="0">
-                              <a:latin typeface="Cambria Math" panose="02040503050406030204" pitchFamily="18" charset="0"/>
-                            </a:rPr>
-                            <m:t>40</m:t>
-                          </m:r>
-                        </m:den>
-                      </m:f>
-                      <m:r>
-                        <a:rPr lang="en-US" b="0" i="1" smtClean="0">
-                          <a:latin typeface="Cambria Math" panose="02040503050406030204" pitchFamily="18" charset="0"/>
-                        </a:rPr>
-                        <m:t>=2</m:t>
-                      </m:r>
-                    </m:oMath>
-                  </m:oMathPara>
-                </a14:m>
-                <a:endParaRPr lang="en-US" dirty="0"/>
-              </a:p>
-            </p:txBody>
-          </p:sp>
-        </mc:Choice>
-        <mc:Fallback xmlns="">
-          <p:sp>
-            <p:nvSpPr>
-              <p:cNvPr id="52" name="Rectangle 51"/>
-              <p:cNvSpPr>
-                <a:spLocks noRot="1" noChangeAspect="1" noMove="1" noResize="1" noEditPoints="1" noAdjustHandles="1" noChangeArrowheads="1" noChangeShapeType="1" noTextEdit="1"/>
-              </p:cNvSpPr>
-              <p:nvPr/>
-            </p:nvSpPr>
-            <p:spPr>
-              <a:xfrm>
-                <a:off x="4442853" y="5325469"/>
-                <a:ext cx="3233136" cy="612732"/>
-              </a:xfrm>
-              <a:prstGeom prst="rect">
-                <a:avLst/>
-              </a:prstGeom>
-              <a:blipFill>
-                <a:blip r:embed="rId14"/>
-                <a:stretch>
-                  <a:fillRect/>
-                </a:stretch>
-              </a:blipFill>
-            </p:spPr>
-            <p:txBody>
-              <a:bodyPr/>
-              <a:lstStyle/>
-              <a:p>
-                <a:r>
-                  <a:rPr lang="en-US">
-                    <a:noFill/>
-                  </a:rPr>
-                  <a:t> </a:t>
-                </a:r>
-              </a:p>
-            </p:txBody>
-          </p:sp>
-        </mc:Fallback>
-      </mc:AlternateContent>
-      <mc:AlternateContent xmlns:mc="http://schemas.openxmlformats.org/markup-compatibility/2006" xmlns:a14="http://schemas.microsoft.com/office/drawing/2010/main">
-        <mc:Choice Requires="a14">
-          <p:sp>
-            <p:nvSpPr>
-              <p:cNvPr id="6" name="Rectangle 5"/>
-              <p:cNvSpPr/>
-              <p:nvPr/>
-            </p:nvSpPr>
-            <p:spPr>
-              <a:xfrm>
-                <a:off x="5086999" y="6301248"/>
-                <a:ext cx="2161040" cy="612732"/>
-              </a:xfrm>
-              <a:prstGeom prst="rect">
-                <a:avLst/>
-              </a:prstGeom>
-            </p:spPr>
-            <p:txBody>
-              <a:bodyPr wrap="none">
-                <a:spAutoFit/>
-              </a:bodyPr>
-              <a:lstStyle/>
-              <a:p>
-                <a:pPr/>
-                <a14:m>
-                  <m:oMathPara xmlns:m="http://schemas.openxmlformats.org/officeDocument/2006/math">
-                    <m:oMathParaPr>
-                      <m:jc m:val="centerGroup"/>
-                    </m:oMathParaPr>
-                    <m:oMath xmlns:m="http://schemas.openxmlformats.org/officeDocument/2006/math">
-                      <m:f>
-                        <m:fPr>
-                          <m:ctrlPr>
-                            <a:rPr lang="en-US" b="0" i="1" smtClean="0">
-                              <a:latin typeface="Cambria Math" panose="02040503050406030204" pitchFamily="18" charset="0"/>
-                            </a:rPr>
-                          </m:ctrlPr>
-                        </m:fPr>
-                        <m:num>
-                          <m:sSub>
-                            <m:sSubPr>
-                              <m:ctrlPr>
-                                <a:rPr lang="en-US" b="0" i="1" smtClean="0">
-                                  <a:latin typeface="Cambria Math" panose="02040503050406030204" pitchFamily="18" charset="0"/>
-                                </a:rPr>
-                              </m:ctrlPr>
-                            </m:sSubPr>
-                            <m:e>
-                              <m:r>
-                                <a:rPr lang="en-US" b="0" i="1" smtClean="0">
-                                  <a:latin typeface="Cambria Math" panose="02040503050406030204" pitchFamily="18" charset="0"/>
-                                </a:rPr>
-                                <m:t>4</m:t>
-                              </m:r>
-                              <m:r>
-                                <a:rPr lang="en-US" b="0" i="1" smtClean="0">
-                                  <a:latin typeface="Cambria Math" panose="02040503050406030204" pitchFamily="18" charset="0"/>
-                                </a:rPr>
-                                <m:t>𝑉</m:t>
-                              </m:r>
-                            </m:e>
-                            <m:sub>
-                              <m:r>
-                                <a:rPr lang="en-US" b="0" i="1" smtClean="0">
-                                  <a:latin typeface="Cambria Math" panose="02040503050406030204" pitchFamily="18" charset="0"/>
-                                </a:rPr>
-                                <m:t>𝑏</m:t>
-                              </m:r>
-                            </m:sub>
-                          </m:sSub>
-                          <m:r>
-                            <a:rPr lang="en-US" b="0" i="1" smtClean="0">
-                              <a:latin typeface="Cambria Math" panose="02040503050406030204" pitchFamily="18" charset="0"/>
-                            </a:rPr>
-                            <m:t>+</m:t>
-                          </m:r>
-                          <m:sSub>
-                            <m:sSubPr>
-                              <m:ctrlPr>
-                                <a:rPr lang="en-US" b="0" i="1" smtClean="0">
-                                  <a:latin typeface="Cambria Math" panose="02040503050406030204" pitchFamily="18" charset="0"/>
-                                </a:rPr>
-                              </m:ctrlPr>
-                            </m:sSubPr>
-                            <m:e>
-                              <m:r>
-                                <a:rPr lang="en-US" b="0" i="1" smtClean="0">
-                                  <a:latin typeface="Cambria Math" panose="02040503050406030204" pitchFamily="18" charset="0"/>
-                                </a:rPr>
-                                <m:t>2</m:t>
-                              </m:r>
-                              <m:r>
-                                <a:rPr lang="en-US" b="0" i="1" smtClean="0">
-                                  <a:latin typeface="Cambria Math" panose="02040503050406030204" pitchFamily="18" charset="0"/>
-                                </a:rPr>
-                                <m:t>𝑉</m:t>
-                              </m:r>
-                            </m:e>
-                            <m:sub>
-                              <m:r>
-                                <a:rPr lang="en-US" b="0" i="1" smtClean="0">
-                                  <a:latin typeface="Cambria Math" panose="02040503050406030204" pitchFamily="18" charset="0"/>
-                                </a:rPr>
-                                <m:t>𝑏</m:t>
-                              </m:r>
-                            </m:sub>
-                          </m:sSub>
-                          <m:r>
-                            <a:rPr lang="en-US" b="0" i="1" smtClean="0">
-                              <a:latin typeface="Cambria Math" panose="02040503050406030204" pitchFamily="18" charset="0"/>
-                            </a:rPr>
-                            <m:t>+</m:t>
-                          </m:r>
-                          <m:sSub>
-                            <m:sSubPr>
-                              <m:ctrlPr>
-                                <a:rPr lang="en-US" b="0" i="1" smtClean="0">
-                                  <a:latin typeface="Cambria Math" panose="02040503050406030204" pitchFamily="18" charset="0"/>
-                                </a:rPr>
-                              </m:ctrlPr>
-                            </m:sSubPr>
-                            <m:e>
-                              <m:r>
-                                <a:rPr lang="en-US" b="0" i="1" smtClean="0">
-                                  <a:latin typeface="Cambria Math" panose="02040503050406030204" pitchFamily="18" charset="0"/>
-                                </a:rPr>
-                                <m:t>𝑉</m:t>
-                              </m:r>
-                            </m:e>
-                            <m:sub>
-                              <m:r>
-                                <a:rPr lang="en-US" b="0" i="1" smtClean="0">
-                                  <a:latin typeface="Cambria Math" panose="02040503050406030204" pitchFamily="18" charset="0"/>
-                                </a:rPr>
-                                <m:t>𝑏</m:t>
-                              </m:r>
-                            </m:sub>
-                          </m:sSub>
-                        </m:num>
-                        <m:den>
-                          <m:r>
-                            <a:rPr lang="en-US" b="0" i="1" smtClean="0">
-                              <a:latin typeface="Cambria Math" panose="02040503050406030204" pitchFamily="18" charset="0"/>
-                            </a:rPr>
-                            <m:t>40</m:t>
-                          </m:r>
-                        </m:den>
-                      </m:f>
-                      <m:r>
-                        <a:rPr lang="en-US" b="0" i="1" smtClean="0">
-                          <a:latin typeface="Cambria Math" panose="02040503050406030204" pitchFamily="18" charset="0"/>
-                        </a:rPr>
-                        <m:t>=2</m:t>
-                      </m:r>
-                    </m:oMath>
-                  </m:oMathPara>
-                </a14:m>
-                <a:endParaRPr lang="en-US" dirty="0"/>
-              </a:p>
-            </p:txBody>
-          </p:sp>
-        </mc:Choice>
-        <mc:Fallback xmlns="">
-          <p:sp>
-            <p:nvSpPr>
-              <p:cNvPr id="6" name="Rectangle 5"/>
-              <p:cNvSpPr>
-                <a:spLocks noRot="1" noChangeAspect="1" noMove="1" noResize="1" noEditPoints="1" noAdjustHandles="1" noChangeArrowheads="1" noChangeShapeType="1" noTextEdit="1"/>
-              </p:cNvSpPr>
-              <p:nvPr/>
-            </p:nvSpPr>
-            <p:spPr>
-              <a:xfrm>
-                <a:off x="5086999" y="6301248"/>
-                <a:ext cx="2161040" cy="612732"/>
-              </a:xfrm>
-              <a:prstGeom prst="rect">
-                <a:avLst/>
-              </a:prstGeom>
-              <a:blipFill>
-                <a:blip r:embed="rId15"/>
-                <a:stretch>
-                  <a:fillRect/>
-                </a:stretch>
-              </a:blipFill>
-            </p:spPr>
-            <p:txBody>
-              <a:bodyPr/>
-              <a:lstStyle/>
-              <a:p>
-                <a:r>
-                  <a:rPr lang="en-US">
-                    <a:noFill/>
-                  </a:rPr>
-                  <a:t> </a:t>
-                </a:r>
-              </a:p>
-            </p:txBody>
-          </p:sp>
-        </mc:Fallback>
-      </mc:AlternateContent>
-      <mc:AlternateContent xmlns:mc="http://schemas.openxmlformats.org/markup-compatibility/2006" xmlns:a14="http://schemas.microsoft.com/office/drawing/2010/main">
-        <mc:Choice Requires="a14">
-          <p:sp>
-            <p:nvSpPr>
-              <p:cNvPr id="7" name="Rectangle 6"/>
-              <p:cNvSpPr/>
-              <p:nvPr/>
-            </p:nvSpPr>
-            <p:spPr>
-              <a:xfrm>
-                <a:off x="8864749" y="4640340"/>
-                <a:ext cx="2289281" cy="369332"/>
-              </a:xfrm>
-              <a:prstGeom prst="rect">
-                <a:avLst/>
-              </a:prstGeom>
-            </p:spPr>
-            <p:txBody>
-              <a:bodyPr wrap="none">
-                <a:spAutoFit/>
-              </a:bodyPr>
-              <a:lstStyle/>
-              <a:p>
-                <a14:m>
-                  <m:oMath xmlns:m="http://schemas.openxmlformats.org/officeDocument/2006/math">
-                    <m:sSub>
-                      <m:sSubPr>
-                        <m:ctrlPr>
-                          <a:rPr lang="en-US" b="0" i="1" smtClean="0">
-                            <a:latin typeface="Cambria Math" panose="02040503050406030204" pitchFamily="18" charset="0"/>
-                          </a:rPr>
-                        </m:ctrlPr>
-                      </m:sSubPr>
-                      <m:e>
-                        <m:r>
-                          <a:rPr lang="en-US" b="0" i="1" smtClean="0">
-                            <a:latin typeface="Cambria Math" panose="02040503050406030204" pitchFamily="18" charset="0"/>
-                          </a:rPr>
-                          <m:t>4</m:t>
-                        </m:r>
-                        <m:r>
-                          <a:rPr lang="en-US" b="0" i="1" smtClean="0">
-                            <a:latin typeface="Cambria Math" panose="02040503050406030204" pitchFamily="18" charset="0"/>
-                          </a:rPr>
-                          <m:t>𝑉</m:t>
-                        </m:r>
-                      </m:e>
-                      <m:sub>
-                        <m:r>
-                          <a:rPr lang="en-US" b="0" i="1" smtClean="0">
-                            <a:latin typeface="Cambria Math" panose="02040503050406030204" pitchFamily="18" charset="0"/>
-                          </a:rPr>
-                          <m:t>𝑏</m:t>
-                        </m:r>
-                      </m:sub>
-                    </m:sSub>
-                    <m:r>
-                      <a:rPr lang="en-US" b="0" i="1" smtClean="0">
-                        <a:latin typeface="Cambria Math" panose="02040503050406030204" pitchFamily="18" charset="0"/>
-                      </a:rPr>
-                      <m:t>+</m:t>
-                    </m:r>
-                    <m:sSub>
-                      <m:sSubPr>
-                        <m:ctrlPr>
-                          <a:rPr lang="en-US" b="0" i="1" smtClean="0">
-                            <a:latin typeface="Cambria Math" panose="02040503050406030204" pitchFamily="18" charset="0"/>
-                          </a:rPr>
-                        </m:ctrlPr>
-                      </m:sSubPr>
-                      <m:e>
-                        <m:r>
-                          <a:rPr lang="en-US" b="0" i="1" smtClean="0">
-                            <a:latin typeface="Cambria Math" panose="02040503050406030204" pitchFamily="18" charset="0"/>
-                          </a:rPr>
-                          <m:t>2</m:t>
-                        </m:r>
-                        <m:r>
-                          <a:rPr lang="en-US" b="0" i="1" smtClean="0">
-                            <a:latin typeface="Cambria Math" panose="02040503050406030204" pitchFamily="18" charset="0"/>
-                          </a:rPr>
-                          <m:t>𝑉</m:t>
-                        </m:r>
-                      </m:e>
-                      <m:sub>
-                        <m:r>
-                          <a:rPr lang="en-US" b="0" i="1" smtClean="0">
-                            <a:latin typeface="Cambria Math" panose="02040503050406030204" pitchFamily="18" charset="0"/>
-                          </a:rPr>
-                          <m:t>𝑏</m:t>
-                        </m:r>
-                      </m:sub>
-                    </m:sSub>
-                    <m:r>
-                      <a:rPr lang="en-US" b="0" i="1" smtClean="0">
-                        <a:latin typeface="Cambria Math" panose="02040503050406030204" pitchFamily="18" charset="0"/>
-                      </a:rPr>
-                      <m:t>+</m:t>
-                    </m:r>
-                    <m:sSub>
-                      <m:sSubPr>
-                        <m:ctrlPr>
-                          <a:rPr lang="en-US" b="0" i="1" smtClean="0">
-                            <a:latin typeface="Cambria Math" panose="02040503050406030204" pitchFamily="18" charset="0"/>
-                          </a:rPr>
-                        </m:ctrlPr>
-                      </m:sSubPr>
-                      <m:e>
-                        <m:r>
-                          <a:rPr lang="en-US" b="0" i="1" smtClean="0">
-                            <a:latin typeface="Cambria Math" panose="02040503050406030204" pitchFamily="18" charset="0"/>
-                          </a:rPr>
-                          <m:t>𝑉</m:t>
-                        </m:r>
-                      </m:e>
-                      <m:sub>
-                        <m:r>
-                          <a:rPr lang="en-US" b="0" i="1" smtClean="0">
-                            <a:latin typeface="Cambria Math" panose="02040503050406030204" pitchFamily="18" charset="0"/>
-                          </a:rPr>
-                          <m:t>𝑏</m:t>
-                        </m:r>
-                      </m:sub>
-                    </m:sSub>
-                    <m:r>
-                      <a:rPr lang="en-US" b="0" i="1" smtClean="0">
-                        <a:latin typeface="Cambria Math" panose="02040503050406030204" pitchFamily="18" charset="0"/>
-                      </a:rPr>
-                      <m:t>=80</m:t>
-                    </m:r>
-                  </m:oMath>
-                </a14:m>
-                <a:r>
-                  <a:rPr lang="en-US" b="0" dirty="0" smtClean="0"/>
-                  <a:t> </a:t>
-                </a:r>
-                <a:endParaRPr lang="en-US" dirty="0"/>
-              </a:p>
-            </p:txBody>
-          </p:sp>
-        </mc:Choice>
-        <mc:Fallback xmlns="">
-          <p:sp>
-            <p:nvSpPr>
-              <p:cNvPr id="7" name="Rectangle 6"/>
-              <p:cNvSpPr>
-                <a:spLocks noRot="1" noChangeAspect="1" noMove="1" noResize="1" noEditPoints="1" noAdjustHandles="1" noChangeArrowheads="1" noChangeShapeType="1" noTextEdit="1"/>
-              </p:cNvSpPr>
-              <p:nvPr/>
-            </p:nvSpPr>
-            <p:spPr>
-              <a:xfrm>
-                <a:off x="8864749" y="4640340"/>
-                <a:ext cx="2289281" cy="369332"/>
-              </a:xfrm>
-              <a:prstGeom prst="rect">
-                <a:avLst/>
-              </a:prstGeom>
-              <a:blipFill>
-                <a:blip r:embed="rId16"/>
-                <a:stretch>
-                  <a:fillRect/>
-                </a:stretch>
-              </a:blipFill>
-            </p:spPr>
-            <p:txBody>
-              <a:bodyPr/>
-              <a:lstStyle/>
-              <a:p>
-                <a:r>
-                  <a:rPr lang="en-US">
-                    <a:noFill/>
-                  </a:rPr>
-                  <a:t> </a:t>
-                </a:r>
-              </a:p>
-            </p:txBody>
-          </p:sp>
-        </mc:Fallback>
-      </mc:AlternateContent>
-      <mc:AlternateContent xmlns:mc="http://schemas.openxmlformats.org/markup-compatibility/2006" xmlns:a14="http://schemas.microsoft.com/office/drawing/2010/main">
-        <mc:Choice Requires="a14">
-          <p:sp>
-            <p:nvSpPr>
-              <p:cNvPr id="8" name="Rectangle 7"/>
-              <p:cNvSpPr/>
-              <p:nvPr/>
-            </p:nvSpPr>
-            <p:spPr>
-              <a:xfrm>
-                <a:off x="8889679" y="5305812"/>
-                <a:ext cx="1152302" cy="369332"/>
-              </a:xfrm>
-              <a:prstGeom prst="rect">
-                <a:avLst/>
-              </a:prstGeom>
-            </p:spPr>
-            <p:txBody>
-              <a:bodyPr wrap="none">
-                <a:spAutoFit/>
-              </a:bodyPr>
-              <a:lstStyle/>
-              <a:p>
-                <a:pPr/>
-                <a14:m>
-                  <m:oMathPara xmlns:m="http://schemas.openxmlformats.org/officeDocument/2006/math">
-                    <m:oMathParaPr>
-                      <m:jc m:val="centerGroup"/>
-                    </m:oMathParaPr>
-                    <m:oMath xmlns:m="http://schemas.openxmlformats.org/officeDocument/2006/math">
-                      <m:sSub>
-                        <m:sSubPr>
-                          <m:ctrlPr>
-                            <a:rPr lang="en-US" b="0" i="1" smtClean="0">
-                              <a:latin typeface="Cambria Math" panose="02040503050406030204" pitchFamily="18" charset="0"/>
-                            </a:rPr>
-                          </m:ctrlPr>
-                        </m:sSubPr>
-                        <m:e>
-                          <m:r>
-                            <a:rPr lang="en-US" b="0" i="1" smtClean="0">
-                              <a:latin typeface="Cambria Math" panose="02040503050406030204" pitchFamily="18" charset="0"/>
-                            </a:rPr>
-                            <m:t>7</m:t>
-                          </m:r>
-                          <m:r>
-                            <a:rPr lang="en-US" b="0" i="1" smtClean="0">
-                              <a:latin typeface="Cambria Math" panose="02040503050406030204" pitchFamily="18" charset="0"/>
-                            </a:rPr>
-                            <m:t>𝑉</m:t>
-                          </m:r>
-                        </m:e>
-                        <m:sub>
-                          <m:r>
-                            <a:rPr lang="en-US" b="0" i="1" smtClean="0">
-                              <a:latin typeface="Cambria Math" panose="02040503050406030204" pitchFamily="18" charset="0"/>
-                            </a:rPr>
-                            <m:t>𝑏</m:t>
-                          </m:r>
-                        </m:sub>
-                      </m:sSub>
-                      <m:r>
-                        <a:rPr lang="en-US" b="0" i="1" smtClean="0">
-                          <a:latin typeface="Cambria Math" panose="02040503050406030204" pitchFamily="18" charset="0"/>
-                        </a:rPr>
-                        <m:t>=80</m:t>
-                      </m:r>
-                    </m:oMath>
-                  </m:oMathPara>
-                </a14:m>
-                <a:endParaRPr lang="en-US" dirty="0"/>
-              </a:p>
-            </p:txBody>
-          </p:sp>
-        </mc:Choice>
-        <mc:Fallback xmlns="">
-          <p:sp>
-            <p:nvSpPr>
-              <p:cNvPr id="8" name="Rectangle 7"/>
-              <p:cNvSpPr>
-                <a:spLocks noRot="1" noChangeAspect="1" noMove="1" noResize="1" noEditPoints="1" noAdjustHandles="1" noChangeArrowheads="1" noChangeShapeType="1" noTextEdit="1"/>
-              </p:cNvSpPr>
-              <p:nvPr/>
-            </p:nvSpPr>
-            <p:spPr>
-              <a:xfrm>
-                <a:off x="8889679" y="5305812"/>
-                <a:ext cx="1152302" cy="369332"/>
-              </a:xfrm>
-              <a:prstGeom prst="rect">
-                <a:avLst/>
-              </a:prstGeom>
-              <a:blipFill>
-                <a:blip r:embed="rId17"/>
-                <a:stretch>
-                  <a:fillRect/>
-                </a:stretch>
-              </a:blipFill>
-            </p:spPr>
-            <p:txBody>
-              <a:bodyPr/>
-              <a:lstStyle/>
-              <a:p>
-                <a:r>
-                  <a:rPr lang="en-US">
-                    <a:noFill/>
-                  </a:rPr>
-                  <a:t> </a:t>
-                </a:r>
-              </a:p>
-            </p:txBody>
-          </p:sp>
-        </mc:Fallback>
-      </mc:AlternateContent>
-      <mc:AlternateContent xmlns:mc="http://schemas.openxmlformats.org/markup-compatibility/2006" xmlns:a14="http://schemas.microsoft.com/office/drawing/2010/main">
-        <mc:Choice Requires="a14">
-          <p:sp>
-            <p:nvSpPr>
-              <p:cNvPr id="9" name="Rectangle 8"/>
-              <p:cNvSpPr/>
-              <p:nvPr/>
-            </p:nvSpPr>
-            <p:spPr>
-              <a:xfrm>
-                <a:off x="8871379" y="6204961"/>
-                <a:ext cx="3323217" cy="659411"/>
-              </a:xfrm>
-              <a:prstGeom prst="rect">
-                <a:avLst/>
-              </a:prstGeom>
-            </p:spPr>
-            <p:txBody>
-              <a:bodyPr wrap="none">
-                <a:spAutoFit/>
-              </a:bodyPr>
-              <a:lstStyle/>
-              <a:p>
-                <a:pPr/>
-                <a14:m>
-                  <m:oMathPara xmlns:m="http://schemas.openxmlformats.org/officeDocument/2006/math">
-                    <m:oMathParaPr>
-                      <m:jc m:val="centerGroup"/>
-                    </m:oMathParaPr>
-                    <m:oMath xmlns:m="http://schemas.openxmlformats.org/officeDocument/2006/math">
-                      <m:sSub>
-                        <m:sSubPr>
-                          <m:ctrlPr>
-                            <a:rPr lang="en-US" b="1" i="1" smtClean="0">
-                              <a:latin typeface="Cambria Math" panose="02040503050406030204" pitchFamily="18" charset="0"/>
-                            </a:rPr>
-                          </m:ctrlPr>
-                        </m:sSubPr>
-                        <m:e>
-                          <m:r>
-                            <a:rPr lang="en-US" b="1" i="1" smtClean="0">
-                              <a:latin typeface="Cambria Math" panose="02040503050406030204" pitchFamily="18" charset="0"/>
-                            </a:rPr>
-                            <m:t>𝑰</m:t>
-                          </m:r>
-                        </m:e>
-                        <m:sub>
-                          <m:r>
-                            <a:rPr lang="en-US" b="1" i="1" smtClean="0">
-                              <a:latin typeface="Cambria Math" panose="02040503050406030204" pitchFamily="18" charset="0"/>
-                            </a:rPr>
-                            <m:t>𝟑</m:t>
-                          </m:r>
-                        </m:sub>
-                      </m:sSub>
-                      <m:r>
-                        <a:rPr lang="en-US" b="1" i="1" smtClean="0">
-                          <a:latin typeface="Cambria Math" panose="02040503050406030204" pitchFamily="18" charset="0"/>
-                        </a:rPr>
-                        <m:t>=</m:t>
-                      </m:r>
-                      <m:f>
-                        <m:fPr>
-                          <m:ctrlPr>
-                            <a:rPr lang="en-US" b="1" i="1" smtClean="0">
-                              <a:latin typeface="Cambria Math" panose="02040503050406030204" pitchFamily="18" charset="0"/>
-                            </a:rPr>
-                          </m:ctrlPr>
-                        </m:fPr>
-                        <m:num>
-                          <m:sSub>
-                            <m:sSubPr>
-                              <m:ctrlPr>
-                                <a:rPr lang="en-US" b="1" i="1" smtClean="0">
-                                  <a:latin typeface="Cambria Math" panose="02040503050406030204" pitchFamily="18" charset="0"/>
-                                </a:rPr>
-                              </m:ctrlPr>
-                            </m:sSubPr>
-                            <m:e>
-                              <m:r>
-                                <a:rPr lang="en-US" b="1" i="1" smtClean="0">
-                                  <a:latin typeface="Cambria Math" panose="02040503050406030204" pitchFamily="18" charset="0"/>
-                                </a:rPr>
-                                <m:t>𝑽</m:t>
-                              </m:r>
-                            </m:e>
-                            <m:sub>
-                              <m:r>
-                                <a:rPr lang="en-US" b="1" i="1" smtClean="0">
-                                  <a:latin typeface="Cambria Math" panose="02040503050406030204" pitchFamily="18" charset="0"/>
-                                </a:rPr>
-                                <m:t>𝒃</m:t>
-                              </m:r>
-                            </m:sub>
-                          </m:sSub>
-                        </m:num>
-                        <m:den>
-                          <m:sSub>
-                            <m:sSubPr>
-                              <m:ctrlPr>
-                                <a:rPr lang="en-US" b="1" i="1" smtClean="0">
-                                  <a:latin typeface="Cambria Math" panose="02040503050406030204" pitchFamily="18" charset="0"/>
-                                </a:rPr>
-                              </m:ctrlPr>
-                            </m:sSubPr>
-                            <m:e>
-                              <m:r>
-                                <a:rPr lang="en-US" b="1" i="1" smtClean="0">
-                                  <a:latin typeface="Cambria Math" panose="02040503050406030204" pitchFamily="18" charset="0"/>
-                                </a:rPr>
-                                <m:t>𝑹</m:t>
-                              </m:r>
-                            </m:e>
-                            <m:sub>
-                              <m:r>
-                                <a:rPr lang="en-US" b="1" i="1" smtClean="0">
-                                  <a:latin typeface="Cambria Math" panose="02040503050406030204" pitchFamily="18" charset="0"/>
-                                </a:rPr>
-                                <m:t>𝟑</m:t>
-                              </m:r>
-                            </m:sub>
-                          </m:sSub>
-                        </m:den>
-                      </m:f>
-                      <m:r>
-                        <a:rPr lang="en-US" b="1" i="1" smtClean="0">
-                          <a:latin typeface="Cambria Math" panose="02040503050406030204" pitchFamily="18" charset="0"/>
-                        </a:rPr>
-                        <m:t>=</m:t>
-                      </m:r>
-                      <m:f>
-                        <m:fPr>
-                          <m:ctrlPr>
-                            <a:rPr lang="en-US" b="1" i="1" smtClean="0">
-                              <a:latin typeface="Cambria Math" panose="02040503050406030204" pitchFamily="18" charset="0"/>
-                            </a:rPr>
-                          </m:ctrlPr>
-                        </m:fPr>
-                        <m:num>
-                          <m:r>
-                            <a:rPr lang="en-US" b="1" i="1" smtClean="0">
-                              <a:latin typeface="Cambria Math" panose="02040503050406030204" pitchFamily="18" charset="0"/>
-                            </a:rPr>
-                            <m:t>𝟏𝟏</m:t>
-                          </m:r>
-                          <m:r>
-                            <a:rPr lang="en-US" b="1" i="1" smtClean="0">
-                              <a:latin typeface="Cambria Math" panose="02040503050406030204" pitchFamily="18" charset="0"/>
-                            </a:rPr>
-                            <m:t>.</m:t>
-                          </m:r>
-                          <m:r>
-                            <a:rPr lang="en-US" b="1" i="1" smtClean="0">
-                              <a:latin typeface="Cambria Math" panose="02040503050406030204" pitchFamily="18" charset="0"/>
-                            </a:rPr>
-                            <m:t>𝟒𝟐</m:t>
-                          </m:r>
-                        </m:num>
-                        <m:den>
-                          <m:r>
-                            <a:rPr lang="en-US" b="1" i="1" smtClean="0">
-                              <a:latin typeface="Cambria Math" panose="02040503050406030204" pitchFamily="18" charset="0"/>
-                            </a:rPr>
-                            <m:t>𝟒𝟎</m:t>
-                          </m:r>
-                        </m:den>
-                      </m:f>
-                      <m:r>
-                        <a:rPr lang="en-US" b="1" i="1" smtClean="0">
-                          <a:latin typeface="Cambria Math" panose="02040503050406030204" pitchFamily="18" charset="0"/>
-                        </a:rPr>
-                        <m:t>=</m:t>
-                      </m:r>
-                      <m:r>
-                        <a:rPr lang="en-US" b="1" i="1" smtClean="0">
-                          <a:latin typeface="Cambria Math" panose="02040503050406030204" pitchFamily="18" charset="0"/>
-                        </a:rPr>
-                        <m:t>𝟎</m:t>
-                      </m:r>
-                      <m:r>
-                        <a:rPr lang="en-US" b="1" i="1" smtClean="0">
-                          <a:latin typeface="Cambria Math" panose="02040503050406030204" pitchFamily="18" charset="0"/>
-                        </a:rPr>
-                        <m:t>.</m:t>
-                      </m:r>
-                      <m:r>
-                        <a:rPr lang="en-US" b="1" i="1" smtClean="0">
-                          <a:latin typeface="Cambria Math" panose="02040503050406030204" pitchFamily="18" charset="0"/>
-                        </a:rPr>
-                        <m:t>𝟐𝟖</m:t>
-                      </m:r>
-                      <m:r>
-                        <a:rPr lang="en-US" b="1" i="1" smtClean="0">
-                          <a:latin typeface="Cambria Math" panose="02040503050406030204" pitchFamily="18" charset="0"/>
-                        </a:rPr>
-                        <m:t> </m:t>
-                      </m:r>
-                      <m:r>
-                        <a:rPr lang="en-US" b="1" i="1" smtClean="0">
-                          <a:latin typeface="Cambria Math" panose="02040503050406030204" pitchFamily="18" charset="0"/>
-                        </a:rPr>
-                        <m:t>𝑨𝒎𝒑</m:t>
-                      </m:r>
-                    </m:oMath>
-                  </m:oMathPara>
-                </a14:m>
-                <a:endParaRPr lang="en-US" b="1" dirty="0"/>
-              </a:p>
-            </p:txBody>
-          </p:sp>
-        </mc:Choice>
-        <mc:Fallback xmlns="">
-          <p:sp>
-            <p:nvSpPr>
-              <p:cNvPr id="9" name="Rectangle 8"/>
-              <p:cNvSpPr>
-                <a:spLocks noRot="1" noChangeAspect="1" noMove="1" noResize="1" noEditPoints="1" noAdjustHandles="1" noChangeArrowheads="1" noChangeShapeType="1" noTextEdit="1"/>
-              </p:cNvSpPr>
-              <p:nvPr/>
-            </p:nvSpPr>
-            <p:spPr>
-              <a:xfrm>
-                <a:off x="8871379" y="6204961"/>
-                <a:ext cx="3323217" cy="659411"/>
-              </a:xfrm>
-              <a:prstGeom prst="rect">
-                <a:avLst/>
-              </a:prstGeom>
-              <a:blipFill>
-                <a:blip r:embed="rId18"/>
-                <a:stretch>
-                  <a:fillRect/>
-                </a:stretch>
-              </a:blipFill>
-            </p:spPr>
-            <p:txBody>
-              <a:bodyPr/>
-              <a:lstStyle/>
-              <a:p>
-                <a:r>
-                  <a:rPr lang="en-US">
-                    <a:noFill/>
-                  </a:rPr>
-                  <a:t> </a:t>
-                </a:r>
-              </a:p>
-            </p:txBody>
-          </p:sp>
-        </mc:Fallback>
-      </mc:AlternateContent>
-      <p:sp>
-        <p:nvSpPr>
-          <p:cNvPr id="57" name="TextBox 56"/>
-          <p:cNvSpPr txBox="1"/>
-          <p:nvPr/>
-        </p:nvSpPr>
-        <p:spPr>
-          <a:xfrm>
-            <a:off x="224444" y="83127"/>
-            <a:ext cx="11577636" cy="461665"/>
-          </a:xfrm>
-          <a:prstGeom prst="rect">
-            <a:avLst/>
-          </a:prstGeom>
-          <a:noFill/>
-        </p:spPr>
-        <p:txBody>
-          <a:bodyPr wrap="square" rtlCol="0">
-            <a:spAutoFit/>
-          </a:bodyPr>
-          <a:lstStyle/>
-          <a:p>
-            <a:r>
-              <a:rPr lang="en-US" sz="2400" b="1" dirty="0" smtClean="0">
-                <a:solidFill>
-                  <a:srgbClr val="C00000"/>
-                </a:solidFill>
-              </a:rPr>
-              <a:t>EXAMPLE: APPLY NODAL ANALYSIS TO FIND THE CURRENT I</a:t>
-            </a:r>
-            <a:r>
-              <a:rPr lang="en-US" sz="2400" b="1" baseline="-25000" dirty="0" smtClean="0">
-                <a:solidFill>
-                  <a:srgbClr val="C00000"/>
-                </a:solidFill>
-              </a:rPr>
-              <a:t>3</a:t>
-            </a:r>
-            <a:endParaRPr lang="en-US" sz="2400" b="1" dirty="0">
-              <a:solidFill>
-                <a:srgbClr val="C00000"/>
-              </a:solidFill>
-            </a:endParaRPr>
-          </a:p>
-        </p:txBody>
-      </p:sp>
-      <p:cxnSp>
-        <p:nvCxnSpPr>
-          <p:cNvPr id="33" name="Curved Connector 32"/>
-          <p:cNvCxnSpPr/>
-          <p:nvPr/>
-        </p:nvCxnSpPr>
-        <p:spPr>
-          <a:xfrm flipV="1">
-            <a:off x="3247463" y="4858114"/>
-            <a:ext cx="1896889" cy="1531246"/>
-          </a:xfrm>
-          <a:prstGeom prst="curvedConnector3">
-            <a:avLst/>
-          </a:prstGeom>
-          <a:ln w="38100">
-            <a:solidFill>
-              <a:srgbClr val="7030A0"/>
-            </a:solidFill>
-            <a:tailEnd type="triangle"/>
-          </a:ln>
-        </p:spPr>
-        <p:style>
-          <a:lnRef idx="1">
-            <a:schemeClr val="accent1"/>
-          </a:lnRef>
-          <a:fillRef idx="0">
-            <a:schemeClr val="accent1"/>
-          </a:fillRef>
-          <a:effectRef idx="0">
-            <a:schemeClr val="accent1"/>
-          </a:effectRef>
-          <a:fontRef idx="minor">
-            <a:schemeClr val="tx1"/>
-          </a:fontRef>
-        </p:style>
-      </p:cxnSp>
-      <p:cxnSp>
-        <p:nvCxnSpPr>
-          <p:cNvPr id="70" name="Curved Connector 69"/>
-          <p:cNvCxnSpPr/>
-          <p:nvPr/>
-        </p:nvCxnSpPr>
-        <p:spPr>
-          <a:xfrm flipV="1">
-            <a:off x="7193723" y="4947469"/>
-            <a:ext cx="1671026" cy="1633482"/>
-          </a:xfrm>
-          <a:prstGeom prst="curvedConnector3">
-            <a:avLst/>
-          </a:prstGeom>
-          <a:ln w="38100">
-            <a:solidFill>
-              <a:srgbClr val="7030A0"/>
-            </a:solidFill>
-            <a:tailEnd type="triangle"/>
-          </a:ln>
-        </p:spPr>
-        <p:style>
-          <a:lnRef idx="1">
-            <a:schemeClr val="accent1"/>
-          </a:lnRef>
-          <a:fillRef idx="0">
-            <a:schemeClr val="accent1"/>
-          </a:fillRef>
-          <a:effectRef idx="0">
-            <a:schemeClr val="accent1"/>
-          </a:effectRef>
-          <a:fontRef idx="minor">
-            <a:schemeClr val="tx1"/>
-          </a:fontRef>
-        </p:style>
-      </p:cxnSp>
-      <p:pic>
-        <p:nvPicPr>
-          <p:cNvPr id="59" name="Picture 58"/>
-          <p:cNvPicPr>
-            <a:picLocks noChangeAspect="1"/>
-          </p:cNvPicPr>
-          <p:nvPr/>
-        </p:nvPicPr>
-        <p:blipFill>
-          <a:blip r:embed="rId19"/>
-          <a:stretch>
-            <a:fillRect/>
-          </a:stretch>
-        </p:blipFill>
-        <p:spPr>
-          <a:xfrm>
-            <a:off x="187127" y="647654"/>
-            <a:ext cx="3332262" cy="1684768"/>
-          </a:xfrm>
-          <a:prstGeom prst="rect">
-            <a:avLst/>
-          </a:prstGeom>
-        </p:spPr>
-      </p:pic>
-      <p:pic>
-        <p:nvPicPr>
-          <p:cNvPr id="60" name="Picture 59"/>
-          <p:cNvPicPr>
-            <a:picLocks noChangeAspect="1"/>
-          </p:cNvPicPr>
-          <p:nvPr/>
-        </p:nvPicPr>
-        <p:blipFill>
-          <a:blip r:embed="rId2"/>
-          <a:stretch>
-            <a:fillRect/>
-          </a:stretch>
-        </p:blipFill>
-        <p:spPr>
-          <a:xfrm rot="16200000">
-            <a:off x="4024363" y="1404239"/>
-            <a:ext cx="855732" cy="638175"/>
-          </a:xfrm>
-          <a:prstGeom prst="rect">
-            <a:avLst/>
-          </a:prstGeom>
-        </p:spPr>
-      </p:pic>
-      <p:pic>
-        <p:nvPicPr>
-          <p:cNvPr id="64" name="Picture 63"/>
-          <p:cNvPicPr>
-            <a:picLocks noChangeAspect="1"/>
-          </p:cNvPicPr>
-          <p:nvPr/>
-        </p:nvPicPr>
-        <p:blipFill>
-          <a:blip r:embed="rId2"/>
-          <a:stretch>
-            <a:fillRect/>
-          </a:stretch>
-        </p:blipFill>
-        <p:spPr>
-          <a:xfrm rot="16200000">
-            <a:off x="3433874" y="2049397"/>
-            <a:ext cx="2105025" cy="638175"/>
-          </a:xfrm>
-          <a:prstGeom prst="rect">
-            <a:avLst/>
-          </a:prstGeom>
-        </p:spPr>
-      </p:pic>
-      <p:cxnSp>
-        <p:nvCxnSpPr>
-          <p:cNvPr id="67" name="Straight Connector 66"/>
-          <p:cNvCxnSpPr/>
-          <p:nvPr/>
-        </p:nvCxnSpPr>
-        <p:spPr>
-          <a:xfrm flipV="1">
-            <a:off x="4486387" y="996884"/>
-            <a:ext cx="0" cy="569424"/>
-          </a:xfrm>
-          <a:prstGeom prst="line">
-            <a:avLst/>
-          </a:prstGeom>
-          <a:ln w="28575">
-            <a:solidFill>
-              <a:schemeClr val="tx1"/>
-            </a:solidFill>
-          </a:ln>
-        </p:spPr>
-        <p:style>
-          <a:lnRef idx="1">
-            <a:schemeClr val="accent1"/>
-          </a:lnRef>
-          <a:fillRef idx="0">
-            <a:schemeClr val="accent1"/>
-          </a:fillRef>
-          <a:effectRef idx="0">
-            <a:schemeClr val="accent1"/>
-          </a:effectRef>
-          <a:fontRef idx="minor">
-            <a:schemeClr val="tx1"/>
-          </a:fontRef>
-        </p:style>
-      </p:cxnSp>
-    </p:spTree>
-    <p:extLst>
-      <p:ext uri="{BB962C8B-B14F-4D97-AF65-F5344CB8AC3E}">
-        <p14:creationId xmlns:p14="http://schemas.microsoft.com/office/powerpoint/2010/main" val="338257646"/>
-      </p:ext>
-    </p:extLst>
-  </p:cSld>
-  <p:clrMapOvr>
-    <a:masterClrMapping/>
-  </p:clrMapOvr>
   <p:timing>
     <p:tnLst>
       <p:par>
@@ -33060,7 +28435,7 @@
 </p:sld>
 </file>
 
-<file path=ppt/slides/slide8.xml><?xml version="1.0" encoding="utf-8"?>
+<file path=ppt/slides/slide7.xml><?xml version="1.0" encoding="utf-8"?>
 <p:sld xmlns:a="http://schemas.openxmlformats.org/drawingml/2006/main" xmlns:r="http://schemas.openxmlformats.org/officeDocument/2006/relationships" xmlns:p="http://schemas.openxmlformats.org/presentationml/2006/main">
   <p:cSld>
     <p:spTree>
@@ -34546,10 +29921,17 @@
   <p:clrMapOvr>
     <a:masterClrMapping/>
   </p:clrMapOvr>
+  <p:timing>
+    <p:tnLst>
+      <p:par>
+        <p:cTn id="1" dur="indefinite" restart="never" nodeType="tmRoot"/>
+      </p:par>
+    </p:tnLst>
+  </p:timing>
 </p:sld>
 </file>
 
-<file path=ppt/slides/slide9.xml><?xml version="1.0" encoding="utf-8"?>
+<file path=ppt/slides/slide8.xml><?xml version="1.0" encoding="utf-8"?>
 <p:sld xmlns:a="http://schemas.openxmlformats.org/drawingml/2006/main" xmlns:r="http://schemas.openxmlformats.org/officeDocument/2006/relationships" xmlns:p="http://schemas.openxmlformats.org/presentationml/2006/main">
   <p:cSld>
     <p:spTree>
@@ -35533,6 +30915,1066 @@
   <p:clrMapOvr>
     <a:masterClrMapping/>
   </p:clrMapOvr>
+  <p:timing>
+    <p:tnLst>
+      <p:par>
+        <p:cTn id="1" dur="indefinite" restart="never" nodeType="tmRoot"/>
+      </p:par>
+    </p:tnLst>
+  </p:timing>
+</p:sld>
+</file>
+
+<file path=ppt/slides/slide9.xml><?xml version="1.0" encoding="utf-8"?>
+<p:sld xmlns:a="http://schemas.openxmlformats.org/drawingml/2006/main" xmlns:r="http://schemas.openxmlformats.org/officeDocument/2006/relationships" xmlns:p="http://schemas.openxmlformats.org/presentationml/2006/main">
+  <p:cSld>
+    <p:spTree>
+      <p:nvGrpSpPr>
+        <p:cNvPr id="1" name=""/>
+        <p:cNvGrpSpPr/>
+        <p:nvPr/>
+      </p:nvGrpSpPr>
+      <p:grpSpPr>
+        <a:xfrm>
+          <a:off x="0" y="0"/>
+          <a:ext cx="0" cy="0"/>
+          <a:chOff x="0" y="0"/>
+          <a:chExt cx="0" cy="0"/>
+        </a:xfrm>
+      </p:grpSpPr>
+      <mc:AlternateContent xmlns:mc="http://schemas.openxmlformats.org/markup-compatibility/2006" xmlns:a14="http://schemas.microsoft.com/office/drawing/2010/main">
+        <mc:Choice Requires="a14">
+          <p:sp>
+            <p:nvSpPr>
+              <p:cNvPr id="15" name="TextBox 14"/>
+              <p:cNvSpPr txBox="1"/>
+              <p:nvPr/>
+            </p:nvSpPr>
+            <p:spPr>
+              <a:xfrm>
+                <a:off x="0" y="396240"/>
+                <a:ext cx="11423192" cy="1148199"/>
+              </a:xfrm>
+              <a:prstGeom prst="rect">
+                <a:avLst/>
+              </a:prstGeom>
+              <a:noFill/>
+            </p:spPr>
+            <p:txBody>
+              <a:bodyPr wrap="none" lIns="0" tIns="0" rIns="0" bIns="0" rtlCol="0">
+                <a:spAutoFit/>
+              </a:bodyPr>
+              <a:lstStyle/>
+              <a:p>
+                <a:pPr/>
+                <a14:m>
+                  <m:oMathPara xmlns:m="http://schemas.openxmlformats.org/officeDocument/2006/math">
+                    <m:oMathParaPr>
+                      <m:jc m:val="centerGroup"/>
+                    </m:oMathParaPr>
+                    <m:oMath xmlns:m="http://schemas.openxmlformats.org/officeDocument/2006/math">
+                      <m:sSub>
+                        <m:sSubPr>
+                          <m:ctrlPr>
+                            <a:rPr lang="en-US" sz="2800" b="0" i="1" smtClean="0">
+                              <a:latin typeface="Cambria Math" panose="02040503050406030204" pitchFamily="18" charset="0"/>
+                              <a:ea typeface="Cambria Math" panose="02040503050406030204" pitchFamily="18" charset="0"/>
+                            </a:rPr>
+                          </m:ctrlPr>
+                        </m:sSubPr>
+                        <m:e>
+                          <m:r>
+                            <a:rPr lang="en-US" sz="2800" i="1">
+                              <a:latin typeface="Cambria Math" panose="02040503050406030204" pitchFamily="18" charset="0"/>
+                              <a:ea typeface="Cambria Math" panose="02040503050406030204" pitchFamily="18" charset="0"/>
+                            </a:rPr>
+                            <m:t>∆</m:t>
+                          </m:r>
+                        </m:e>
+                        <m:sub>
+                          <m:r>
+                            <a:rPr lang="en-US" sz="2800" b="0" i="1" smtClean="0">
+                              <a:latin typeface="Cambria Math" panose="02040503050406030204" pitchFamily="18" charset="0"/>
+                              <a:ea typeface="Cambria Math" panose="02040503050406030204" pitchFamily="18" charset="0"/>
+                            </a:rPr>
+                            <m:t>𝑦</m:t>
+                          </m:r>
+                        </m:sub>
+                      </m:sSub>
+                      <m:r>
+                        <a:rPr lang="en-US" sz="2800" b="0" i="1" smtClean="0">
+                          <a:latin typeface="Cambria Math" panose="02040503050406030204" pitchFamily="18" charset="0"/>
+                          <a:ea typeface="Cambria Math" panose="02040503050406030204" pitchFamily="18" charset="0"/>
+                        </a:rPr>
+                        <m:t>= </m:t>
+                      </m:r>
+                      <m:d>
+                        <m:dPr>
+                          <m:begChr m:val="|"/>
+                          <m:endChr m:val="|"/>
+                          <m:ctrlPr>
+                            <a:rPr lang="en-US" sz="2800" b="0" i="1" smtClean="0">
+                              <a:latin typeface="Cambria Math" panose="02040503050406030204" pitchFamily="18" charset="0"/>
+                              <a:ea typeface="Cambria Math" panose="02040503050406030204" pitchFamily="18" charset="0"/>
+                            </a:rPr>
+                          </m:ctrlPr>
+                        </m:dPr>
+                        <m:e>
+                          <m:m>
+                            <m:mPr>
+                              <m:mcs>
+                                <m:mc>
+                                  <m:mcPr>
+                                    <m:count m:val="3"/>
+                                    <m:mcJc m:val="center"/>
+                                  </m:mcPr>
+                                </m:mc>
+                              </m:mcs>
+                              <m:ctrlPr>
+                                <a:rPr lang="en-US" sz="2800" b="0" i="1" smtClean="0">
+                                  <a:latin typeface="Cambria Math" panose="02040503050406030204" pitchFamily="18" charset="0"/>
+                                  <a:ea typeface="Cambria Math" panose="02040503050406030204" pitchFamily="18" charset="0"/>
+                                </a:rPr>
+                              </m:ctrlPr>
+                            </m:mPr>
+                            <m:mr>
+                              <m:e>
+                                <m:r>
+                                  <a:rPr lang="en-US" sz="2800" b="0" i="1" smtClean="0">
+                                    <a:latin typeface="Cambria Math" panose="02040503050406030204" pitchFamily="18" charset="0"/>
+                                    <a:ea typeface="Cambria Math" panose="02040503050406030204" pitchFamily="18" charset="0"/>
+                                  </a:rPr>
+                                  <m:t>6</m:t>
+                                </m:r>
+                              </m:e>
+                              <m:e>
+                                <m:r>
+                                  <a:rPr lang="en-US" sz="2800" b="0" i="1" smtClean="0">
+                                    <a:solidFill>
+                                      <a:srgbClr val="FF0000"/>
+                                    </a:solidFill>
+                                    <a:latin typeface="Cambria Math" panose="02040503050406030204" pitchFamily="18" charset="0"/>
+                                    <a:ea typeface="Cambria Math" panose="02040503050406030204" pitchFamily="18" charset="0"/>
+                                  </a:rPr>
+                                  <m:t>5</m:t>
+                                </m:r>
+                              </m:e>
+                              <m:e>
+                                <m:r>
+                                  <a:rPr lang="en-US" sz="2800" b="0" i="1" smtClean="0">
+                                    <a:latin typeface="Cambria Math" panose="02040503050406030204" pitchFamily="18" charset="0"/>
+                                    <a:ea typeface="Cambria Math" panose="02040503050406030204" pitchFamily="18" charset="0"/>
+                                  </a:rPr>
+                                  <m:t>−3</m:t>
+                                </m:r>
+                              </m:e>
+                            </m:mr>
+                            <m:mr>
+                              <m:e>
+                                <m:r>
+                                  <a:rPr lang="en-US" sz="2800" b="0" i="1" smtClean="0">
+                                    <a:latin typeface="Cambria Math" panose="02040503050406030204" pitchFamily="18" charset="0"/>
+                                    <a:ea typeface="Cambria Math" panose="02040503050406030204" pitchFamily="18" charset="0"/>
+                                  </a:rPr>
+                                  <m:t>1</m:t>
+                                </m:r>
+                              </m:e>
+                              <m:e>
+                                <m:r>
+                                  <a:rPr lang="en-US" sz="2800" b="0" i="1" smtClean="0">
+                                    <a:solidFill>
+                                      <a:srgbClr val="FF0000"/>
+                                    </a:solidFill>
+                                    <a:latin typeface="Cambria Math" panose="02040503050406030204" pitchFamily="18" charset="0"/>
+                                    <a:ea typeface="Cambria Math" panose="02040503050406030204" pitchFamily="18" charset="0"/>
+                                  </a:rPr>
+                                  <m:t>5</m:t>
+                                </m:r>
+                              </m:e>
+                              <m:e>
+                                <m:r>
+                                  <a:rPr lang="en-US" sz="2800" b="0" i="1" smtClean="0">
+                                    <a:latin typeface="Cambria Math" panose="02040503050406030204" pitchFamily="18" charset="0"/>
+                                    <a:ea typeface="Cambria Math" panose="02040503050406030204" pitchFamily="18" charset="0"/>
+                                  </a:rPr>
+                                  <m:t>−2</m:t>
+                                </m:r>
+                              </m:e>
+                            </m:mr>
+                            <m:mr>
+                              <m:e>
+                                <m:r>
+                                  <a:rPr lang="en-US" sz="2800" b="0" i="1" smtClean="0">
+                                    <a:latin typeface="Cambria Math" panose="02040503050406030204" pitchFamily="18" charset="0"/>
+                                    <a:ea typeface="Cambria Math" panose="02040503050406030204" pitchFamily="18" charset="0"/>
+                                  </a:rPr>
+                                  <m:t>2</m:t>
+                                </m:r>
+                              </m:e>
+                              <m:e>
+                                <m:r>
+                                  <a:rPr lang="en-US" sz="2800" b="0" i="1" smtClean="0">
+                                    <a:solidFill>
+                                      <a:srgbClr val="FF0000"/>
+                                    </a:solidFill>
+                                    <a:latin typeface="Cambria Math" panose="02040503050406030204" pitchFamily="18" charset="0"/>
+                                    <a:ea typeface="Cambria Math" panose="02040503050406030204" pitchFamily="18" charset="0"/>
+                                  </a:rPr>
+                                  <m:t>8</m:t>
+                                </m:r>
+                              </m:e>
+                              <m:e>
+                                <m:r>
+                                  <a:rPr lang="en-US" sz="2800" b="0" i="1" smtClean="0">
+                                    <a:latin typeface="Cambria Math" panose="02040503050406030204" pitchFamily="18" charset="0"/>
+                                    <a:ea typeface="Cambria Math" panose="02040503050406030204" pitchFamily="18" charset="0"/>
+                                  </a:rPr>
+                                  <m:t>4</m:t>
+                                </m:r>
+                              </m:e>
+                            </m:mr>
+                          </m:m>
+                        </m:e>
+                      </m:d>
+                      <m:r>
+                        <a:rPr lang="en-US" sz="2800" b="0" i="1" smtClean="0">
+                          <a:latin typeface="Cambria Math" panose="02040503050406030204" pitchFamily="18" charset="0"/>
+                          <a:ea typeface="Cambria Math" panose="02040503050406030204" pitchFamily="18" charset="0"/>
+                        </a:rPr>
+                        <m:t>=6</m:t>
+                      </m:r>
+                      <m:d>
+                        <m:dPr>
+                          <m:ctrlPr>
+                            <a:rPr lang="en-US" sz="2800" b="0" i="1" smtClean="0">
+                              <a:latin typeface="Cambria Math" panose="02040503050406030204" pitchFamily="18" charset="0"/>
+                              <a:ea typeface="Cambria Math" panose="02040503050406030204" pitchFamily="18" charset="0"/>
+                            </a:rPr>
+                          </m:ctrlPr>
+                        </m:dPr>
+                        <m:e>
+                          <m:r>
+                            <a:rPr lang="en-US" sz="2800" b="0" i="1" smtClean="0">
+                              <a:latin typeface="Cambria Math" panose="02040503050406030204" pitchFamily="18" charset="0"/>
+                              <a:ea typeface="Cambria Math" panose="02040503050406030204" pitchFamily="18" charset="0"/>
+                            </a:rPr>
+                            <m:t>5∗4+2∗8</m:t>
+                          </m:r>
+                        </m:e>
+                      </m:d>
+                      <m:r>
+                        <a:rPr lang="en-US" sz="2800" b="0" i="1" smtClean="0">
+                          <a:latin typeface="Cambria Math" panose="02040503050406030204" pitchFamily="18" charset="0"/>
+                          <a:ea typeface="Cambria Math" panose="02040503050406030204" pitchFamily="18" charset="0"/>
+                        </a:rPr>
+                        <m:t>−5</m:t>
+                      </m:r>
+                      <m:d>
+                        <m:dPr>
+                          <m:ctrlPr>
+                            <a:rPr lang="en-US" sz="2800" b="0" i="1" smtClean="0">
+                              <a:latin typeface="Cambria Math" panose="02040503050406030204" pitchFamily="18" charset="0"/>
+                              <a:ea typeface="Cambria Math" panose="02040503050406030204" pitchFamily="18" charset="0"/>
+                            </a:rPr>
+                          </m:ctrlPr>
+                        </m:dPr>
+                        <m:e>
+                          <m:r>
+                            <a:rPr lang="en-US" sz="2800" b="0" i="1" smtClean="0">
+                              <a:latin typeface="Cambria Math" panose="02040503050406030204" pitchFamily="18" charset="0"/>
+                              <a:ea typeface="Cambria Math" panose="02040503050406030204" pitchFamily="18" charset="0"/>
+                            </a:rPr>
+                            <m:t>1∗4+2∗2</m:t>
+                          </m:r>
+                        </m:e>
+                      </m:d>
+                      <m:r>
+                        <a:rPr lang="en-US" sz="2800" b="0" i="1" smtClean="0">
+                          <a:latin typeface="Cambria Math" panose="02040503050406030204" pitchFamily="18" charset="0"/>
+                          <a:ea typeface="Cambria Math" panose="02040503050406030204" pitchFamily="18" charset="0"/>
+                        </a:rPr>
+                        <m:t>−3(1∗8−5∗2)</m:t>
+                      </m:r>
+                    </m:oMath>
+                  </m:oMathPara>
+                </a14:m>
+                <a:endParaRPr lang="en-US" sz="2800" dirty="0"/>
+              </a:p>
+            </p:txBody>
+          </p:sp>
+        </mc:Choice>
+        <mc:Fallback xmlns="">
+          <p:sp>
+            <p:nvSpPr>
+              <p:cNvPr id="15" name="TextBox 14"/>
+              <p:cNvSpPr txBox="1">
+                <a:spLocks noRot="1" noChangeAspect="1" noMove="1" noResize="1" noEditPoints="1" noAdjustHandles="1" noChangeArrowheads="1" noChangeShapeType="1" noTextEdit="1"/>
+              </p:cNvSpPr>
+              <p:nvPr/>
+            </p:nvSpPr>
+            <p:spPr>
+              <a:xfrm>
+                <a:off x="0" y="396240"/>
+                <a:ext cx="11423192" cy="1148199"/>
+              </a:xfrm>
+              <a:prstGeom prst="rect">
+                <a:avLst/>
+              </a:prstGeom>
+              <a:blipFill rotWithShape="0">
+                <a:blip r:embed="rId2"/>
+                <a:stretch>
+                  <a:fillRect/>
+                </a:stretch>
+              </a:blipFill>
+            </p:spPr>
+            <p:txBody>
+              <a:bodyPr/>
+              <a:lstStyle/>
+              <a:p>
+                <a:r>
+                  <a:rPr lang="en-US">
+                    <a:noFill/>
+                  </a:rPr>
+                  <a:t> </a:t>
+                </a:r>
+              </a:p>
+            </p:txBody>
+          </p:sp>
+        </mc:Fallback>
+      </mc:AlternateContent>
+      <mc:AlternateContent xmlns:mc="http://schemas.openxmlformats.org/markup-compatibility/2006" xmlns:a14="http://schemas.microsoft.com/office/drawing/2010/main">
+        <mc:Choice Requires="a14">
+          <p:sp>
+            <p:nvSpPr>
+              <p:cNvPr id="16" name="TextBox 15"/>
+              <p:cNvSpPr txBox="1"/>
+              <p:nvPr/>
+            </p:nvSpPr>
+            <p:spPr>
+              <a:xfrm>
+                <a:off x="175492" y="1866179"/>
+                <a:ext cx="9086398" cy="492443"/>
+              </a:xfrm>
+              <a:prstGeom prst="rect">
+                <a:avLst/>
+              </a:prstGeom>
+              <a:noFill/>
+            </p:spPr>
+            <p:txBody>
+              <a:bodyPr wrap="none" lIns="0" tIns="0" rIns="0" bIns="0" rtlCol="0">
+                <a:spAutoFit/>
+              </a:bodyPr>
+              <a:lstStyle/>
+              <a:p>
+                <a:pPr/>
+                <a14:m>
+                  <m:oMathPara xmlns:m="http://schemas.openxmlformats.org/officeDocument/2006/math">
+                    <m:oMathParaPr>
+                      <m:jc m:val="centerGroup"/>
+                    </m:oMathParaPr>
+                    <m:oMath xmlns:m="http://schemas.openxmlformats.org/officeDocument/2006/math">
+                      <m:sSub>
+                        <m:sSubPr>
+                          <m:ctrlPr>
+                            <a:rPr lang="en-US" sz="2800" i="1" smtClean="0">
+                              <a:latin typeface="Cambria Math" panose="02040503050406030204" pitchFamily="18" charset="0"/>
+                              <a:ea typeface="Cambria Math" panose="02040503050406030204" pitchFamily="18" charset="0"/>
+                            </a:rPr>
+                          </m:ctrlPr>
+                        </m:sSubPr>
+                        <m:e>
+                          <m:r>
+                            <a:rPr lang="en-US" sz="2800" i="1">
+                              <a:latin typeface="Cambria Math" panose="02040503050406030204" pitchFamily="18" charset="0"/>
+                              <a:ea typeface="Cambria Math" panose="02040503050406030204" pitchFamily="18" charset="0"/>
+                            </a:rPr>
+                            <m:t>∆</m:t>
+                          </m:r>
+                        </m:e>
+                        <m:sub>
+                          <m:r>
+                            <a:rPr lang="en-US" sz="2800" b="0" i="1" smtClean="0">
+                              <a:latin typeface="Cambria Math" panose="02040503050406030204" pitchFamily="18" charset="0"/>
+                              <a:ea typeface="Cambria Math" panose="02040503050406030204" pitchFamily="18" charset="0"/>
+                            </a:rPr>
+                            <m:t>𝑦</m:t>
+                          </m:r>
+                        </m:sub>
+                      </m:sSub>
+                      <m:r>
+                        <a:rPr lang="en-US" sz="3200" b="0" i="1" smtClean="0">
+                          <a:latin typeface="Cambria Math" panose="02040503050406030204" pitchFamily="18" charset="0"/>
+                          <a:ea typeface="Cambria Math" panose="02040503050406030204" pitchFamily="18" charset="0"/>
+                        </a:rPr>
+                        <m:t>=6</m:t>
+                      </m:r>
+                      <m:d>
+                        <m:dPr>
+                          <m:ctrlPr>
+                            <a:rPr lang="en-US" sz="3200" i="1">
+                              <a:latin typeface="Cambria Math" panose="02040503050406030204" pitchFamily="18" charset="0"/>
+                              <a:ea typeface="Cambria Math" panose="02040503050406030204" pitchFamily="18" charset="0"/>
+                            </a:rPr>
+                          </m:ctrlPr>
+                        </m:dPr>
+                        <m:e>
+                          <m:r>
+                            <a:rPr lang="en-US" sz="3200" b="0" i="1" smtClean="0">
+                              <a:latin typeface="Cambria Math" panose="02040503050406030204" pitchFamily="18" charset="0"/>
+                              <a:ea typeface="Cambria Math" panose="02040503050406030204" pitchFamily="18" charset="0"/>
+                            </a:rPr>
+                            <m:t>36</m:t>
+                          </m:r>
+                        </m:e>
+                      </m:d>
+                      <m:r>
+                        <a:rPr lang="en-US" sz="3200" i="1" smtClean="0">
+                          <a:latin typeface="Cambria Math" panose="02040503050406030204" pitchFamily="18" charset="0"/>
+                          <a:ea typeface="Cambria Math" panose="02040503050406030204" pitchFamily="18" charset="0"/>
+                        </a:rPr>
+                        <m:t>−</m:t>
+                      </m:r>
+                      <m:r>
+                        <a:rPr lang="en-US" sz="3200" b="0" i="1" smtClean="0">
+                          <a:latin typeface="Cambria Math" panose="02040503050406030204" pitchFamily="18" charset="0"/>
+                          <a:ea typeface="Cambria Math" panose="02040503050406030204" pitchFamily="18" charset="0"/>
+                        </a:rPr>
+                        <m:t>5</m:t>
+                      </m:r>
+                      <m:d>
+                        <m:dPr>
+                          <m:ctrlPr>
+                            <a:rPr lang="en-US" sz="3200" i="1">
+                              <a:latin typeface="Cambria Math" panose="02040503050406030204" pitchFamily="18" charset="0"/>
+                              <a:ea typeface="Cambria Math" panose="02040503050406030204" pitchFamily="18" charset="0"/>
+                            </a:rPr>
+                          </m:ctrlPr>
+                        </m:dPr>
+                        <m:e>
+                          <m:r>
+                            <a:rPr lang="en-US" sz="3200" b="0" i="1" smtClean="0">
+                              <a:latin typeface="Cambria Math" panose="02040503050406030204" pitchFamily="18" charset="0"/>
+                              <a:ea typeface="Cambria Math" panose="02040503050406030204" pitchFamily="18" charset="0"/>
+                            </a:rPr>
+                            <m:t>8</m:t>
+                          </m:r>
+                        </m:e>
+                      </m:d>
+                      <m:r>
+                        <a:rPr lang="en-US" sz="3200" i="1">
+                          <a:latin typeface="Cambria Math" panose="02040503050406030204" pitchFamily="18" charset="0"/>
+                          <a:ea typeface="Cambria Math" panose="02040503050406030204" pitchFamily="18" charset="0"/>
+                        </a:rPr>
+                        <m:t>−3</m:t>
+                      </m:r>
+                      <m:d>
+                        <m:dPr>
+                          <m:ctrlPr>
+                            <a:rPr lang="en-US" sz="3200" i="1">
+                              <a:latin typeface="Cambria Math" panose="02040503050406030204" pitchFamily="18" charset="0"/>
+                              <a:ea typeface="Cambria Math" panose="02040503050406030204" pitchFamily="18" charset="0"/>
+                            </a:rPr>
+                          </m:ctrlPr>
+                        </m:dPr>
+                        <m:e>
+                          <m:r>
+                            <a:rPr lang="en-US" sz="3200" b="0" i="1" smtClean="0">
+                              <a:latin typeface="Cambria Math" panose="02040503050406030204" pitchFamily="18" charset="0"/>
+                              <a:ea typeface="Cambria Math" panose="02040503050406030204" pitchFamily="18" charset="0"/>
+                            </a:rPr>
+                            <m:t>−2</m:t>
+                          </m:r>
+                        </m:e>
+                      </m:d>
+                      <m:r>
+                        <a:rPr lang="en-US" sz="3200" b="0" i="1" smtClean="0">
+                          <a:latin typeface="Cambria Math" panose="02040503050406030204" pitchFamily="18" charset="0"/>
+                          <a:ea typeface="Cambria Math" panose="02040503050406030204" pitchFamily="18" charset="0"/>
+                        </a:rPr>
+                        <m:t>=216 −40+6=182 </m:t>
+                      </m:r>
+                    </m:oMath>
+                  </m:oMathPara>
+                </a14:m>
+                <a:endParaRPr lang="en-US" sz="2800" dirty="0"/>
+              </a:p>
+            </p:txBody>
+          </p:sp>
+        </mc:Choice>
+        <mc:Fallback xmlns="">
+          <p:sp>
+            <p:nvSpPr>
+              <p:cNvPr id="16" name="TextBox 15"/>
+              <p:cNvSpPr txBox="1">
+                <a:spLocks noRot="1" noChangeAspect="1" noMove="1" noResize="1" noEditPoints="1" noAdjustHandles="1" noChangeArrowheads="1" noChangeShapeType="1" noTextEdit="1"/>
+              </p:cNvSpPr>
+              <p:nvPr/>
+            </p:nvSpPr>
+            <p:spPr>
+              <a:xfrm>
+                <a:off x="175492" y="1866179"/>
+                <a:ext cx="9086398" cy="492443"/>
+              </a:xfrm>
+              <a:prstGeom prst="rect">
+                <a:avLst/>
+              </a:prstGeom>
+              <a:blipFill rotWithShape="0">
+                <a:blip r:embed="rId3"/>
+                <a:stretch>
+                  <a:fillRect b="-1235"/>
+                </a:stretch>
+              </a:blipFill>
+            </p:spPr>
+            <p:txBody>
+              <a:bodyPr/>
+              <a:lstStyle/>
+              <a:p>
+                <a:r>
+                  <a:rPr lang="en-US">
+                    <a:noFill/>
+                  </a:rPr>
+                  <a:t> </a:t>
+                </a:r>
+              </a:p>
+            </p:txBody>
+          </p:sp>
+        </mc:Fallback>
+      </mc:AlternateContent>
+      <mc:AlternateContent xmlns:mc="http://schemas.openxmlformats.org/markup-compatibility/2006" xmlns:a14="http://schemas.microsoft.com/office/drawing/2010/main">
+        <mc:Choice Requires="a14">
+          <p:sp>
+            <p:nvSpPr>
+              <p:cNvPr id="8" name="TextBox 7"/>
+              <p:cNvSpPr txBox="1"/>
+              <p:nvPr/>
+            </p:nvSpPr>
+            <p:spPr>
+              <a:xfrm>
+                <a:off x="0" y="2946041"/>
+                <a:ext cx="12314946" cy="1312282"/>
+              </a:xfrm>
+              <a:prstGeom prst="rect">
+                <a:avLst/>
+              </a:prstGeom>
+              <a:noFill/>
+            </p:spPr>
+            <p:txBody>
+              <a:bodyPr wrap="square" lIns="0" tIns="0" rIns="0" bIns="0" rtlCol="0">
+                <a:spAutoFit/>
+              </a:bodyPr>
+              <a:lstStyle/>
+              <a:p>
+                <a:pPr/>
+                <a14:m>
+                  <m:oMathPara xmlns:m="http://schemas.openxmlformats.org/officeDocument/2006/math">
+                    <m:oMathParaPr>
+                      <m:jc m:val="centerGroup"/>
+                    </m:oMathParaPr>
+                    <m:oMath xmlns:m="http://schemas.openxmlformats.org/officeDocument/2006/math">
+                      <m:sSub>
+                        <m:sSubPr>
+                          <m:ctrlPr>
+                            <a:rPr lang="en-US" sz="3200" i="1" smtClean="0">
+                              <a:solidFill>
+                                <a:srgbClr val="002060"/>
+                              </a:solidFill>
+                              <a:latin typeface="Cambria Math" panose="02040503050406030204" pitchFamily="18" charset="0"/>
+                              <a:ea typeface="Cambria Math" panose="02040503050406030204" pitchFamily="18" charset="0"/>
+                            </a:rPr>
+                          </m:ctrlPr>
+                        </m:sSubPr>
+                        <m:e>
+                          <m:r>
+                            <a:rPr lang="en-US" sz="3200" b="0" i="1">
+                              <a:solidFill>
+                                <a:srgbClr val="002060"/>
+                              </a:solidFill>
+                              <a:latin typeface="Cambria Math" panose="02040503050406030204" pitchFamily="18" charset="0"/>
+                              <a:ea typeface="Cambria Math" panose="02040503050406030204" pitchFamily="18" charset="0"/>
+                            </a:rPr>
+                            <m:t>∆</m:t>
+                          </m:r>
+                        </m:e>
+                        <m:sub>
+                          <m:r>
+                            <a:rPr lang="en-US" sz="3200" b="0" i="1" smtClean="0">
+                              <a:solidFill>
+                                <a:srgbClr val="002060"/>
+                              </a:solidFill>
+                              <a:latin typeface="Cambria Math" panose="02040503050406030204" pitchFamily="18" charset="0"/>
+                              <a:ea typeface="Cambria Math" panose="02040503050406030204" pitchFamily="18" charset="0"/>
+                            </a:rPr>
+                            <m:t>𝑧</m:t>
+                          </m:r>
+                        </m:sub>
+                      </m:sSub>
+                      <m:r>
+                        <a:rPr lang="en-US" sz="3200" b="0" i="1" smtClean="0">
+                          <a:latin typeface="Cambria Math" panose="02040503050406030204" pitchFamily="18" charset="0"/>
+                          <a:ea typeface="Cambria Math" panose="02040503050406030204" pitchFamily="18" charset="0"/>
+                        </a:rPr>
+                        <m:t>=</m:t>
+                      </m:r>
+                      <m:d>
+                        <m:dPr>
+                          <m:begChr m:val="|"/>
+                          <m:endChr m:val="|"/>
+                          <m:ctrlPr>
+                            <a:rPr lang="en-US" sz="3200" i="1" smtClean="0">
+                              <a:latin typeface="Cambria Math" panose="02040503050406030204" pitchFamily="18" charset="0"/>
+                              <a:ea typeface="Cambria Math" panose="02040503050406030204" pitchFamily="18" charset="0"/>
+                            </a:rPr>
+                          </m:ctrlPr>
+                        </m:dPr>
+                        <m:e>
+                          <m:m>
+                            <m:mPr>
+                              <m:mcs>
+                                <m:mc>
+                                  <m:mcPr>
+                                    <m:count m:val="3"/>
+                                    <m:mcJc m:val="center"/>
+                                  </m:mcPr>
+                                </m:mc>
+                              </m:mcs>
+                              <m:ctrlPr>
+                                <a:rPr lang="en-US" sz="3200" i="1" smtClean="0">
+                                  <a:latin typeface="Cambria Math" panose="02040503050406030204" pitchFamily="18" charset="0"/>
+                                  <a:ea typeface="Cambria Math" panose="02040503050406030204" pitchFamily="18" charset="0"/>
+                                </a:rPr>
+                              </m:ctrlPr>
+                            </m:mPr>
+                            <m:mr>
+                              <m:e>
+                                <m:r>
+                                  <a:rPr lang="en-US" sz="3200" b="0" i="1" smtClean="0">
+                                    <a:latin typeface="Cambria Math" panose="02040503050406030204" pitchFamily="18" charset="0"/>
+                                    <a:ea typeface="Cambria Math" panose="02040503050406030204" pitchFamily="18" charset="0"/>
+                                  </a:rPr>
+                                  <m:t>6</m:t>
+                                </m:r>
+                              </m:e>
+                              <m:e>
+                                <m:r>
+                                  <a:rPr lang="en-US" sz="3200" b="0" i="1" smtClean="0">
+                                    <a:solidFill>
+                                      <a:schemeClr val="tx1"/>
+                                    </a:solidFill>
+                                    <a:latin typeface="Cambria Math" panose="02040503050406030204" pitchFamily="18" charset="0"/>
+                                    <a:ea typeface="Cambria Math" panose="02040503050406030204" pitchFamily="18" charset="0"/>
+                                  </a:rPr>
+                                  <m:t>1</m:t>
+                                </m:r>
+                              </m:e>
+                              <m:e>
+                                <m:r>
+                                  <a:rPr lang="en-US" sz="3200" b="0" i="1" smtClean="0">
+                                    <a:solidFill>
+                                      <a:srgbClr val="FF0000"/>
+                                    </a:solidFill>
+                                    <a:latin typeface="Cambria Math" panose="02040503050406030204" pitchFamily="18" charset="0"/>
+                                    <a:ea typeface="Cambria Math" panose="02040503050406030204" pitchFamily="18" charset="0"/>
+                                  </a:rPr>
+                                  <m:t>5</m:t>
+                                </m:r>
+                              </m:e>
+                            </m:mr>
+                            <m:mr>
+                              <m:e>
+                                <m:r>
+                                  <a:rPr lang="en-US" sz="3200" b="0" i="1" smtClean="0">
+                                    <a:latin typeface="Cambria Math" panose="02040503050406030204" pitchFamily="18" charset="0"/>
+                                    <a:ea typeface="Cambria Math" panose="02040503050406030204" pitchFamily="18" charset="0"/>
+                                  </a:rPr>
+                                  <m:t>1</m:t>
+                                </m:r>
+                              </m:e>
+                              <m:e>
+                                <m:r>
+                                  <a:rPr lang="en-US" sz="3200" b="0" i="1" smtClean="0">
+                                    <a:solidFill>
+                                      <a:schemeClr val="tx1"/>
+                                    </a:solidFill>
+                                    <a:latin typeface="Cambria Math" panose="02040503050406030204" pitchFamily="18" charset="0"/>
+                                    <a:ea typeface="Cambria Math" panose="02040503050406030204" pitchFamily="18" charset="0"/>
+                                  </a:rPr>
+                                  <m:t>3</m:t>
+                                </m:r>
+                              </m:e>
+                              <m:e>
+                                <m:r>
+                                  <a:rPr lang="en-US" sz="3200" b="0" i="1" smtClean="0">
+                                    <a:solidFill>
+                                      <a:srgbClr val="FF0000"/>
+                                    </a:solidFill>
+                                    <a:latin typeface="Cambria Math" panose="02040503050406030204" pitchFamily="18" charset="0"/>
+                                    <a:ea typeface="Cambria Math" panose="02040503050406030204" pitchFamily="18" charset="0"/>
+                                  </a:rPr>
+                                  <m:t>5</m:t>
+                                </m:r>
+                              </m:e>
+                            </m:mr>
+                            <m:mr>
+                              <m:e>
+                                <m:r>
+                                  <a:rPr lang="en-US" sz="3200" b="0" i="1" smtClean="0">
+                                    <a:latin typeface="Cambria Math" panose="02040503050406030204" pitchFamily="18" charset="0"/>
+                                    <a:ea typeface="Cambria Math" panose="02040503050406030204" pitchFamily="18" charset="0"/>
+                                  </a:rPr>
+                                  <m:t>2</m:t>
+                                </m:r>
+                              </m:e>
+                              <m:e>
+                                <m:r>
+                                  <a:rPr lang="en-US" sz="3200" b="0" i="1" smtClean="0">
+                                    <a:solidFill>
+                                      <a:schemeClr val="tx1"/>
+                                    </a:solidFill>
+                                    <a:latin typeface="Cambria Math" panose="02040503050406030204" pitchFamily="18" charset="0"/>
+                                    <a:ea typeface="Cambria Math" panose="02040503050406030204" pitchFamily="18" charset="0"/>
+                                  </a:rPr>
+                                  <m:t>1</m:t>
+                                </m:r>
+                              </m:e>
+                              <m:e>
+                                <m:r>
+                                  <a:rPr lang="en-US" sz="3200" b="0" i="1" smtClean="0">
+                                    <a:solidFill>
+                                      <a:srgbClr val="FF0000"/>
+                                    </a:solidFill>
+                                    <a:latin typeface="Cambria Math" panose="02040503050406030204" pitchFamily="18" charset="0"/>
+                                    <a:ea typeface="Cambria Math" panose="02040503050406030204" pitchFamily="18" charset="0"/>
+                                  </a:rPr>
+                                  <m:t>8</m:t>
+                                </m:r>
+                              </m:e>
+                            </m:mr>
+                          </m:m>
+                        </m:e>
+                      </m:d>
+                      <m:r>
+                        <a:rPr lang="en-US" sz="3200" b="0" i="1" smtClean="0">
+                          <a:latin typeface="Cambria Math" panose="02040503050406030204" pitchFamily="18" charset="0"/>
+                          <a:ea typeface="Cambria Math" panose="02040503050406030204" pitchFamily="18" charset="0"/>
+                        </a:rPr>
+                        <m:t>=6</m:t>
+                      </m:r>
+                      <m:d>
+                        <m:dPr>
+                          <m:ctrlPr>
+                            <a:rPr lang="en-US" sz="3200" i="1" smtClean="0">
+                              <a:latin typeface="Cambria Math" panose="02040503050406030204" pitchFamily="18" charset="0"/>
+                              <a:ea typeface="Cambria Math" panose="02040503050406030204" pitchFamily="18" charset="0"/>
+                            </a:rPr>
+                          </m:ctrlPr>
+                        </m:dPr>
+                        <m:e>
+                          <m:r>
+                            <a:rPr lang="en-US" sz="3200" b="0" i="1" smtClean="0">
+                              <a:latin typeface="Cambria Math" panose="02040503050406030204" pitchFamily="18" charset="0"/>
+                              <a:ea typeface="Cambria Math" panose="02040503050406030204" pitchFamily="18" charset="0"/>
+                            </a:rPr>
+                            <m:t>3∗8−5∗1</m:t>
+                          </m:r>
+                        </m:e>
+                      </m:d>
+                      <m:r>
+                        <a:rPr lang="en-US" sz="3200" b="0" i="1" smtClean="0">
+                          <a:latin typeface="Cambria Math" panose="02040503050406030204" pitchFamily="18" charset="0"/>
+                          <a:ea typeface="Cambria Math" panose="02040503050406030204" pitchFamily="18" charset="0"/>
+                        </a:rPr>
+                        <m:t>−1</m:t>
+                      </m:r>
+                      <m:d>
+                        <m:dPr>
+                          <m:ctrlPr>
+                            <a:rPr lang="en-US" sz="3200" i="1" smtClean="0">
+                              <a:latin typeface="Cambria Math" panose="02040503050406030204" pitchFamily="18" charset="0"/>
+                              <a:ea typeface="Cambria Math" panose="02040503050406030204" pitchFamily="18" charset="0"/>
+                            </a:rPr>
+                          </m:ctrlPr>
+                        </m:dPr>
+                        <m:e>
+                          <m:r>
+                            <a:rPr lang="en-US" sz="3200" b="0" i="1" smtClean="0">
+                              <a:latin typeface="Cambria Math" panose="02040503050406030204" pitchFamily="18" charset="0"/>
+                              <a:ea typeface="Cambria Math" panose="02040503050406030204" pitchFamily="18" charset="0"/>
+                            </a:rPr>
+                            <m:t>1∗8−5∗2</m:t>
+                          </m:r>
+                        </m:e>
+                      </m:d>
+                      <m:r>
+                        <a:rPr lang="en-US" sz="3200" b="0" i="1" smtClean="0">
+                          <a:latin typeface="Cambria Math" panose="02040503050406030204" pitchFamily="18" charset="0"/>
+                          <a:ea typeface="Cambria Math" panose="02040503050406030204" pitchFamily="18" charset="0"/>
+                        </a:rPr>
+                        <m:t>+5(1∗1−3∗2)</m:t>
+                      </m:r>
+                    </m:oMath>
+                  </m:oMathPara>
+                </a14:m>
+                <a:endParaRPr lang="en-US" sz="3200" dirty="0"/>
+              </a:p>
+            </p:txBody>
+          </p:sp>
+        </mc:Choice>
+        <mc:Fallback xmlns="">
+          <p:sp>
+            <p:nvSpPr>
+              <p:cNvPr id="8" name="TextBox 7"/>
+              <p:cNvSpPr txBox="1">
+                <a:spLocks noRot="1" noChangeAspect="1" noMove="1" noResize="1" noEditPoints="1" noAdjustHandles="1" noChangeArrowheads="1" noChangeShapeType="1" noTextEdit="1"/>
+              </p:cNvSpPr>
+              <p:nvPr/>
+            </p:nvSpPr>
+            <p:spPr>
+              <a:xfrm>
+                <a:off x="0" y="2946041"/>
+                <a:ext cx="12314946" cy="1312282"/>
+              </a:xfrm>
+              <a:prstGeom prst="rect">
+                <a:avLst/>
+              </a:prstGeom>
+              <a:blipFill rotWithShape="0">
+                <a:blip r:embed="rId4"/>
+                <a:stretch>
+                  <a:fillRect/>
+                </a:stretch>
+              </a:blipFill>
+            </p:spPr>
+            <p:txBody>
+              <a:bodyPr/>
+              <a:lstStyle/>
+              <a:p>
+                <a:r>
+                  <a:rPr lang="en-US">
+                    <a:noFill/>
+                  </a:rPr>
+                  <a:t> </a:t>
+                </a:r>
+              </a:p>
+            </p:txBody>
+          </p:sp>
+        </mc:Fallback>
+      </mc:AlternateContent>
+      <mc:AlternateContent xmlns:mc="http://schemas.openxmlformats.org/markup-compatibility/2006" xmlns:a14="http://schemas.microsoft.com/office/drawing/2010/main">
+        <mc:Choice Requires="a14">
+          <p:sp>
+            <p:nvSpPr>
+              <p:cNvPr id="9" name="TextBox 8"/>
+              <p:cNvSpPr txBox="1"/>
+              <p:nvPr/>
+            </p:nvSpPr>
+            <p:spPr>
+              <a:xfrm>
+                <a:off x="-122946" y="5659925"/>
+                <a:ext cx="12314946" cy="492443"/>
+              </a:xfrm>
+              <a:prstGeom prst="rect">
+                <a:avLst/>
+              </a:prstGeom>
+              <a:noFill/>
+            </p:spPr>
+            <p:txBody>
+              <a:bodyPr wrap="square" lIns="0" tIns="0" rIns="0" bIns="0" rtlCol="0">
+                <a:spAutoFit/>
+              </a:bodyPr>
+              <a:lstStyle/>
+              <a:p>
+                <a:pPr/>
+                <a14:m>
+                  <m:oMathPara xmlns:m="http://schemas.openxmlformats.org/officeDocument/2006/math">
+                    <m:oMathParaPr>
+                      <m:jc m:val="centerGroup"/>
+                    </m:oMathParaPr>
+                    <m:oMath xmlns:m="http://schemas.openxmlformats.org/officeDocument/2006/math">
+                      <m:sSub>
+                        <m:sSubPr>
+                          <m:ctrlPr>
+                            <a:rPr lang="en-US" sz="3200" i="1" smtClean="0">
+                              <a:solidFill>
+                                <a:srgbClr val="002060"/>
+                              </a:solidFill>
+                              <a:latin typeface="Cambria Math" panose="02040503050406030204" pitchFamily="18" charset="0"/>
+                              <a:ea typeface="Cambria Math" panose="02040503050406030204" pitchFamily="18" charset="0"/>
+                            </a:rPr>
+                          </m:ctrlPr>
+                        </m:sSubPr>
+                        <m:e>
+                          <m:r>
+                            <a:rPr lang="en-US" sz="3200" b="0" i="1">
+                              <a:solidFill>
+                                <a:srgbClr val="002060"/>
+                              </a:solidFill>
+                              <a:latin typeface="Cambria Math" panose="02040503050406030204" pitchFamily="18" charset="0"/>
+                              <a:ea typeface="Cambria Math" panose="02040503050406030204" pitchFamily="18" charset="0"/>
+                            </a:rPr>
+                            <m:t>∆</m:t>
+                          </m:r>
+                        </m:e>
+                        <m:sub>
+                          <m:r>
+                            <a:rPr lang="en-US" sz="3200" b="0" i="1" smtClean="0">
+                              <a:solidFill>
+                                <a:srgbClr val="002060"/>
+                              </a:solidFill>
+                              <a:latin typeface="Cambria Math" panose="02040503050406030204" pitchFamily="18" charset="0"/>
+                              <a:ea typeface="Cambria Math" panose="02040503050406030204" pitchFamily="18" charset="0"/>
+                            </a:rPr>
+                            <m:t>𝑧</m:t>
+                          </m:r>
+                        </m:sub>
+                      </m:sSub>
+                      <m:r>
+                        <a:rPr lang="en-US" sz="3200" b="0" i="1" smtClean="0">
+                          <a:latin typeface="Cambria Math" panose="02040503050406030204" pitchFamily="18" charset="0"/>
+                          <a:ea typeface="Cambria Math" panose="02040503050406030204" pitchFamily="18" charset="0"/>
+                        </a:rPr>
+                        <m:t>=6</m:t>
+                      </m:r>
+                      <m:d>
+                        <m:dPr>
+                          <m:ctrlPr>
+                            <a:rPr lang="en-US" sz="3200" i="1" smtClean="0">
+                              <a:latin typeface="Cambria Math" panose="02040503050406030204" pitchFamily="18" charset="0"/>
+                              <a:ea typeface="Cambria Math" panose="02040503050406030204" pitchFamily="18" charset="0"/>
+                            </a:rPr>
+                          </m:ctrlPr>
+                        </m:dPr>
+                        <m:e>
+                          <m:r>
+                            <a:rPr lang="en-US" sz="3200" b="0" i="1" smtClean="0">
+                              <a:latin typeface="Cambria Math" panose="02040503050406030204" pitchFamily="18" charset="0"/>
+                              <a:ea typeface="Cambria Math" panose="02040503050406030204" pitchFamily="18" charset="0"/>
+                            </a:rPr>
+                            <m:t>19</m:t>
+                          </m:r>
+                        </m:e>
+                      </m:d>
+                      <m:r>
+                        <a:rPr lang="en-US" sz="3200" b="0" i="1" smtClean="0">
+                          <a:latin typeface="Cambria Math" panose="02040503050406030204" pitchFamily="18" charset="0"/>
+                          <a:ea typeface="Cambria Math" panose="02040503050406030204" pitchFamily="18" charset="0"/>
+                        </a:rPr>
+                        <m:t>−1</m:t>
+                      </m:r>
+                      <m:d>
+                        <m:dPr>
+                          <m:ctrlPr>
+                            <a:rPr lang="en-US" sz="3200" i="1" smtClean="0">
+                              <a:latin typeface="Cambria Math" panose="02040503050406030204" pitchFamily="18" charset="0"/>
+                              <a:ea typeface="Cambria Math" panose="02040503050406030204" pitchFamily="18" charset="0"/>
+                            </a:rPr>
+                          </m:ctrlPr>
+                        </m:dPr>
+                        <m:e>
+                          <m:r>
+                            <a:rPr lang="en-US" sz="3200" b="0" i="1" smtClean="0">
+                              <a:latin typeface="Cambria Math" panose="02040503050406030204" pitchFamily="18" charset="0"/>
+                              <a:ea typeface="Cambria Math" panose="02040503050406030204" pitchFamily="18" charset="0"/>
+                            </a:rPr>
+                            <m:t>−2</m:t>
+                          </m:r>
+                        </m:e>
+                      </m:d>
+                      <m:r>
+                        <a:rPr lang="en-US" sz="3200" b="0" i="1" smtClean="0">
+                          <a:latin typeface="Cambria Math" panose="02040503050406030204" pitchFamily="18" charset="0"/>
+                          <a:ea typeface="Cambria Math" panose="02040503050406030204" pitchFamily="18" charset="0"/>
+                        </a:rPr>
+                        <m:t>+5</m:t>
+                      </m:r>
+                      <m:d>
+                        <m:dPr>
+                          <m:ctrlPr>
+                            <a:rPr lang="en-US" sz="3200" b="0" i="1" smtClean="0">
+                              <a:latin typeface="Cambria Math" panose="02040503050406030204" pitchFamily="18" charset="0"/>
+                              <a:ea typeface="Cambria Math" panose="02040503050406030204" pitchFamily="18" charset="0"/>
+                            </a:rPr>
+                          </m:ctrlPr>
+                        </m:dPr>
+                        <m:e>
+                          <m:r>
+                            <a:rPr lang="en-US" sz="3200" b="0" i="1" smtClean="0">
+                              <a:latin typeface="Cambria Math" panose="02040503050406030204" pitchFamily="18" charset="0"/>
+                              <a:ea typeface="Cambria Math" panose="02040503050406030204" pitchFamily="18" charset="0"/>
+                            </a:rPr>
+                            <m:t>−5</m:t>
+                          </m:r>
+                        </m:e>
+                      </m:d>
+                      <m:r>
+                        <a:rPr lang="en-US" sz="3200" b="0" i="1" smtClean="0">
+                          <a:latin typeface="Cambria Math" panose="02040503050406030204" pitchFamily="18" charset="0"/>
+                          <a:ea typeface="Cambria Math" panose="02040503050406030204" pitchFamily="18" charset="0"/>
+                        </a:rPr>
+                        <m:t>=114+2 −25=91</m:t>
+                      </m:r>
+                    </m:oMath>
+                  </m:oMathPara>
+                </a14:m>
+                <a:endParaRPr lang="en-US" sz="3200" dirty="0"/>
+              </a:p>
+            </p:txBody>
+          </p:sp>
+        </mc:Choice>
+        <mc:Fallback xmlns="">
+          <p:sp>
+            <p:nvSpPr>
+              <p:cNvPr id="9" name="TextBox 8"/>
+              <p:cNvSpPr txBox="1">
+                <a:spLocks noRot="1" noChangeAspect="1" noMove="1" noResize="1" noEditPoints="1" noAdjustHandles="1" noChangeArrowheads="1" noChangeShapeType="1" noTextEdit="1"/>
+              </p:cNvSpPr>
+              <p:nvPr/>
+            </p:nvSpPr>
+            <p:spPr>
+              <a:xfrm>
+                <a:off x="-122946" y="5659925"/>
+                <a:ext cx="12314946" cy="492443"/>
+              </a:xfrm>
+              <a:prstGeom prst="rect">
+                <a:avLst/>
+              </a:prstGeom>
+              <a:blipFill rotWithShape="0">
+                <a:blip r:embed="rId5"/>
+                <a:stretch>
+                  <a:fillRect/>
+                </a:stretch>
+              </a:blipFill>
+            </p:spPr>
+            <p:txBody>
+              <a:bodyPr/>
+              <a:lstStyle/>
+              <a:p>
+                <a:r>
+                  <a:rPr lang="en-US">
+                    <a:noFill/>
+                  </a:rPr>
+                  <a:t> </a:t>
+                </a:r>
+              </a:p>
+            </p:txBody>
+          </p:sp>
+        </mc:Fallback>
+      </mc:AlternateContent>
+    </p:spTree>
+    <p:extLst>
+      <p:ext uri="{BB962C8B-B14F-4D97-AF65-F5344CB8AC3E}">
+        <p14:creationId xmlns:p14="http://schemas.microsoft.com/office/powerpoint/2010/main" val="758126893"/>
+      </p:ext>
+    </p:extLst>
+  </p:cSld>
+  <p:clrMapOvr>
+    <a:masterClrMapping/>
+  </p:clrMapOvr>
+  <p:timing>
+    <p:tnLst>
+      <p:par>
+        <p:cTn id="1" dur="indefinite" restart="never" nodeType="tmRoot"/>
+      </p:par>
+    </p:tnLst>
+  </p:timing>
 </p:sld>
 </file>
 
